--- a/Mild-Steel-Tempering-Presentation.pptx
+++ b/Mild-Steel-Tempering-Presentation.pptx
@@ -18,30 +18,31 @@
     <p:sldId id="263" r:id="rId14"/>
     <p:sldId id="264" r:id="rId15"/>
     <p:sldId id="265" r:id="rId16"/>
+    <p:sldId id="266" r:id="rId17"/>
   </p:sldIdLst>
   <p:sldSz cy="5143500" cx="9144000"/>
   <p:notesSz cx="6858000" cy="9144000"/>
   <p:embeddedFontLst>
     <p:embeddedFont>
       <p:font typeface="Raleway"/>
-      <p:regular r:id="rId17"/>
-      <p:bold r:id="rId18"/>
-      <p:italic r:id="rId19"/>
-      <p:boldItalic r:id="rId20"/>
+      <p:regular r:id="rId18"/>
+      <p:bold r:id="rId19"/>
+      <p:italic r:id="rId20"/>
+      <p:boldItalic r:id="rId21"/>
     </p:embeddedFont>
     <p:embeddedFont>
       <p:font typeface="Lato"/>
-      <p:regular r:id="rId21"/>
-      <p:bold r:id="rId22"/>
-      <p:italic r:id="rId23"/>
-      <p:boldItalic r:id="rId24"/>
+      <p:regular r:id="rId22"/>
+      <p:bold r:id="rId23"/>
+      <p:italic r:id="rId24"/>
+      <p:boldItalic r:id="rId25"/>
     </p:embeddedFont>
     <p:embeddedFont>
       <p:font typeface="Inter Medium"/>
-      <p:regular r:id="rId25"/>
-      <p:bold r:id="rId26"/>
-      <p:italic r:id="rId27"/>
-      <p:boldItalic r:id="rId28"/>
+      <p:regular r:id="rId26"/>
+      <p:bold r:id="rId27"/>
+      <p:italic r:id="rId28"/>
+      <p:boldItalic r:id="rId29"/>
     </p:embeddedFont>
   </p:embeddedFontLst>
   <p:defaultTextStyle>
@@ -836,7 +837,7 @@
       </p:grpSpPr>
       <p:sp>
         <p:nvSpPr>
-          <p:cNvPr id="167" name="Google Shape;167;g2fa7d275817_0_643:notes"/>
+          <p:cNvPr id="167" name="Google Shape;167;g2fa7fe9e695_0_0:notes"/>
           <p:cNvSpPr/>
           <p:nvPr>
             <p:ph idx="2" type="sldImg"/>
@@ -871,7 +872,106 @@
       </p:sp>
       <p:sp>
         <p:nvSpPr>
-          <p:cNvPr id="168" name="Google Shape;168;g2fa7d275817_0_643:notes"/>
+          <p:cNvPr id="168" name="Google Shape;168;g2fa7fe9e695_0_0:notes"/>
+          <p:cNvSpPr txBox="1"/>
+          <p:nvPr>
+            <p:ph idx="1" type="body"/>
+          </p:nvPr>
+        </p:nvSpPr>
+        <p:spPr>
+          <a:xfrm>
+            <a:off x="685800" y="4343400"/>
+            <a:ext cx="5486400" cy="4114800"/>
+          </a:xfrm>
+          <a:prstGeom prst="rect">
+            <a:avLst/>
+          </a:prstGeom>
+        </p:spPr>
+        <p:txBody>
+          <a:bodyPr anchorCtr="0" anchor="t" bIns="91425" lIns="91425" spcFirstLastPara="1" rIns="91425" wrap="square" tIns="91425">
+            <a:noAutofit/>
+          </a:bodyPr>
+          <a:lstStyle/>
+          <a:p>
+            <a:pPr indent="0" lvl="0" marL="0" rtl="0" algn="l">
+              <a:spcBef>
+                <a:spcPts val="0"/>
+              </a:spcBef>
+              <a:spcAft>
+                <a:spcPts val="0"/>
+              </a:spcAft>
+              <a:buNone/>
+            </a:pPr>
+            <a:r>
+              <a:t/>
+            </a:r>
+            <a:endParaRPr/>
+          </a:p>
+        </p:txBody>
+      </p:sp>
+    </p:spTree>
+  </p:cSld>
+  <p:clrMapOvr>
+    <a:masterClrMapping/>
+  </p:clrMapOvr>
+</p:notes>
+</file>
+
+<file path=ppt/notesSlides/notesSlide11.xml><?xml version="1.0" encoding="utf-8"?>
+<p:notes xmlns:a="http://schemas.openxmlformats.org/drawingml/2006/main" xmlns:r="http://schemas.openxmlformats.org/officeDocument/2006/relationships" xmlns:mc="http://schemas.openxmlformats.org/markup-compatibility/2006" xmlns:mv="urn:schemas-microsoft-com:mac:vml" xmlns:p="http://schemas.openxmlformats.org/presentationml/2006/main" xmlns:c="http://schemas.openxmlformats.org/drawingml/2006/chart" xmlns:dgm="http://schemas.openxmlformats.org/drawingml/2006/diagram" xmlns:o="urn:schemas-microsoft-com:office:office" xmlns:v="urn:schemas-microsoft-com:vml" xmlns:pvml="urn:schemas-microsoft-com:office:powerpoint" xmlns:com="http://schemas.openxmlformats.org/drawingml/2006/compatibility" xmlns:p14="http://schemas.microsoft.com/office/powerpoint/2010/main" xmlns:p15="http://schemas.microsoft.com/office/powerpoint/2012/main" xmlns:ahyp="http://schemas.microsoft.com/office/drawing/2018/hyperlinkcolor" showMasterPhAnim="0" showMasterSp="0">
+  <p:cSld>
+    <p:spTree>
+      <p:nvGrpSpPr>
+        <p:cNvPr id="172" name="Shape 172"/>
+        <p:cNvGrpSpPr/>
+        <p:nvPr/>
+      </p:nvGrpSpPr>
+      <p:grpSpPr>
+        <a:xfrm>
+          <a:off x="0" y="0"/>
+          <a:ext cx="0" cy="0"/>
+          <a:chOff x="0" y="0"/>
+          <a:chExt cx="0" cy="0"/>
+        </a:xfrm>
+      </p:grpSpPr>
+      <p:sp>
+        <p:nvSpPr>
+          <p:cNvPr id="173" name="Google Shape;173;g2fa7d275817_0_643:notes"/>
+          <p:cNvSpPr/>
+          <p:nvPr>
+            <p:ph idx="2" type="sldImg"/>
+          </p:nvPr>
+        </p:nvSpPr>
+        <p:spPr>
+          <a:xfrm>
+            <a:off x="381300" y="685800"/>
+            <a:ext cx="6096000" cy="3429000"/>
+          </a:xfrm>
+          <a:custGeom>
+            <a:rect b="b" l="l" r="r" t="t"/>
+            <a:pathLst>
+              <a:path extrusionOk="0" h="120000" w="120000">
+                <a:moveTo>
+                  <a:pt x="0" y="0"/>
+                </a:moveTo>
+                <a:lnTo>
+                  <a:pt x="120000" y="0"/>
+                </a:lnTo>
+                <a:lnTo>
+                  <a:pt x="120000" y="120000"/>
+                </a:lnTo>
+                <a:lnTo>
+                  <a:pt x="0" y="120000"/>
+                </a:lnTo>
+                <a:close/>
+              </a:path>
+            </a:pathLst>
+          </a:custGeom>
+        </p:spPr>
+      </p:sp>
+      <p:sp>
+        <p:nvSpPr>
+          <p:cNvPr id="174" name="Google Shape;174;g2fa7d275817_0_643:notes"/>
           <p:cNvSpPr txBox="1"/>
           <p:nvPr>
             <p:ph idx="1" type="body"/>
@@ -7850,8 +7950,8 @@
         </p:nvSpPr>
         <p:spPr>
           <a:xfrm>
-            <a:off x="406425" y="1806825"/>
-            <a:ext cx="8296800" cy="1542000"/>
+            <a:off x="283103" y="712141"/>
+            <a:ext cx="6244200" cy="3835500"/>
           </a:xfrm>
           <a:prstGeom prst="rect">
             <a:avLst/>
@@ -7859,11 +7959,11 @@
         </p:spPr>
         <p:txBody>
           <a:bodyPr anchorCtr="0" anchor="ctr" bIns="91425" lIns="91425" spcFirstLastPara="1" rIns="91425" wrap="square" tIns="91425">
-            <a:normAutofit fontScale="90000"/>
+            <a:normAutofit/>
           </a:bodyPr>
           <a:lstStyle/>
           <a:p>
-            <a:pPr indent="0" lvl="0" marL="0" rtl="0" algn="ctr">
+            <a:pPr indent="0" lvl="0" marL="0" rtl="0" algn="l">
               <a:spcBef>
                 <a:spcPts val="0"/>
               </a:spcBef>
@@ -7879,7 +7979,7 @@
             <a:endParaRPr/>
           </a:p>
           <a:p>
-            <a:pPr indent="0" lvl="0" marL="0" rtl="0" algn="ctr">
+            <a:pPr indent="0" lvl="0" marL="0" rtl="0" algn="l">
               <a:spcBef>
                 <a:spcPts val="0"/>
               </a:spcBef>
@@ -7933,6 +8033,313 @@
               <a:t>‹#›</a:t>
             </a:fld>
             <a:endParaRPr/>
+          </a:p>
+        </p:txBody>
+      </p:sp>
+    </p:spTree>
+  </p:cSld>
+  <p:clrMapOvr>
+    <a:masterClrMapping/>
+  </p:clrMapOvr>
+</p:sld>
+</file>
+
+<file path=ppt/slides/slide11.xml><?xml version="1.0" encoding="utf-8"?>
+<p:sld xmlns:a="http://schemas.openxmlformats.org/drawingml/2006/main" xmlns:r="http://schemas.openxmlformats.org/officeDocument/2006/relationships" xmlns:mc="http://schemas.openxmlformats.org/markup-compatibility/2006" xmlns:mv="urn:schemas-microsoft-com:mac:vml" xmlns:p="http://schemas.openxmlformats.org/presentationml/2006/main" xmlns:c="http://schemas.openxmlformats.org/drawingml/2006/chart" xmlns:dgm="http://schemas.openxmlformats.org/drawingml/2006/diagram" xmlns:o="urn:schemas-microsoft-com:office:office" xmlns:v="urn:schemas-microsoft-com:vml" xmlns:pvml="urn:schemas-microsoft-com:office:powerpoint" xmlns:com="http://schemas.openxmlformats.org/drawingml/2006/compatibility" xmlns:p14="http://schemas.microsoft.com/office/powerpoint/2010/main" xmlns:p15="http://schemas.microsoft.com/office/powerpoint/2012/main" xmlns:ahyp="http://schemas.microsoft.com/office/drawing/2018/hyperlinkcolor">
+  <p:cSld>
+    <p:spTree>
+      <p:nvGrpSpPr>
+        <p:cNvPr id="175" name="Shape 175"/>
+        <p:cNvGrpSpPr/>
+        <p:nvPr/>
+      </p:nvGrpSpPr>
+      <p:grpSpPr>
+        <a:xfrm>
+          <a:off x="0" y="0"/>
+          <a:ext cx="0" cy="0"/>
+          <a:chOff x="0" y="0"/>
+          <a:chExt cx="0" cy="0"/>
+        </a:xfrm>
+      </p:grpSpPr>
+      <p:sp>
+        <p:nvSpPr>
+          <p:cNvPr id="176" name="Google Shape;176;p21"/>
+          <p:cNvSpPr txBox="1"/>
+          <p:nvPr>
+            <p:ph idx="12" type="sldNum"/>
+          </p:nvPr>
+        </p:nvSpPr>
+        <p:spPr>
+          <a:xfrm>
+            <a:off x="8497999" y="4688759"/>
+            <a:ext cx="548700" cy="393600"/>
+          </a:xfrm>
+          <a:prstGeom prst="rect">
+            <a:avLst/>
+          </a:prstGeom>
+        </p:spPr>
+        <p:txBody>
+          <a:bodyPr anchorCtr="0" anchor="ctr" bIns="91425" lIns="91425" spcFirstLastPara="1" rIns="91425" wrap="square" tIns="91425">
+            <a:normAutofit/>
+          </a:bodyPr>
+          <a:lstStyle/>
+          <a:p>
+            <a:pPr indent="0" lvl="0" marL="0" rtl="0" algn="r">
+              <a:spcBef>
+                <a:spcPts val="0"/>
+              </a:spcBef>
+              <a:spcAft>
+                <a:spcPts val="0"/>
+              </a:spcAft>
+              <a:buNone/>
+            </a:pPr>
+            <a:fld id="{00000000-1234-1234-1234-123412341234}" type="slidenum">
+              <a:rPr lang="en">
+                <a:solidFill>
+                  <a:schemeClr val="lt1"/>
+                </a:solidFill>
+              </a:rPr>
+              <a:t>‹#›</a:t>
+            </a:fld>
+            <a:endParaRPr>
+              <a:solidFill>
+                <a:schemeClr val="lt1"/>
+              </a:solidFill>
+            </a:endParaRPr>
+          </a:p>
+        </p:txBody>
+      </p:sp>
+      <p:pic>
+        <p:nvPicPr>
+          <p:cNvPr id="177" name="Google Shape;177;p21"/>
+          <p:cNvPicPr preferRelativeResize="0"/>
+          <p:nvPr/>
+        </p:nvPicPr>
+        <p:blipFill>
+          <a:blip r:embed="rId3">
+            <a:alphaModFix/>
+          </a:blip>
+          <a:stretch>
+            <a:fillRect/>
+          </a:stretch>
+        </p:blipFill>
+        <p:spPr>
+          <a:xfrm>
+            <a:off x="3510875" y="660238"/>
+            <a:ext cx="5209750" cy="3823025"/>
+          </a:xfrm>
+          <a:prstGeom prst="rect">
+            <a:avLst/>
+          </a:prstGeom>
+          <a:noFill/>
+          <a:ln>
+            <a:noFill/>
+          </a:ln>
+        </p:spPr>
+      </p:pic>
+      <p:sp>
+        <p:nvSpPr>
+          <p:cNvPr id="178" name="Google Shape;178;p21"/>
+          <p:cNvSpPr txBox="1"/>
+          <p:nvPr>
+            <p:ph type="title"/>
+          </p:nvPr>
+        </p:nvSpPr>
+        <p:spPr>
+          <a:xfrm>
+            <a:off x="265500" y="660250"/>
+            <a:ext cx="3245400" cy="2055300"/>
+          </a:xfrm>
+          <a:prstGeom prst="rect">
+            <a:avLst/>
+          </a:prstGeom>
+        </p:spPr>
+        <p:txBody>
+          <a:bodyPr anchorCtr="0" anchor="b" bIns="91425" lIns="91425" spcFirstLastPara="1" rIns="91425" wrap="square" tIns="91425">
+            <a:noAutofit/>
+          </a:bodyPr>
+          <a:lstStyle/>
+          <a:p>
+            <a:pPr indent="0" lvl="0" marL="0" rtl="0" algn="ctr">
+              <a:spcBef>
+                <a:spcPts val="0"/>
+              </a:spcBef>
+              <a:spcAft>
+                <a:spcPts val="0"/>
+              </a:spcAft>
+              <a:buSzPts val="990"/>
+              <a:buNone/>
+            </a:pPr>
+            <a:r>
+              <a:rPr lang="en" sz="2440">
+                <a:solidFill>
+                  <a:schemeClr val="dk2"/>
+                </a:solidFill>
+              </a:rPr>
+              <a:t>Hardness by tempering temperature, </a:t>
+            </a:r>
+            <a:r>
+              <a:rPr lang="en" sz="2440">
+                <a:solidFill>
+                  <a:schemeClr val="dk2"/>
+                </a:solidFill>
+              </a:rPr>
+              <a:t>Molybdenum</a:t>
+            </a:r>
+            <a:endParaRPr sz="2440">
+              <a:solidFill>
+                <a:schemeClr val="dk2"/>
+              </a:solidFill>
+            </a:endParaRPr>
+          </a:p>
+        </p:txBody>
+      </p:sp>
+      <p:sp>
+        <p:nvSpPr>
+          <p:cNvPr id="179" name="Google Shape;179;p21"/>
+          <p:cNvSpPr txBox="1"/>
+          <p:nvPr>
+            <p:ph idx="1" type="subTitle"/>
+          </p:nvPr>
+        </p:nvSpPr>
+        <p:spPr>
+          <a:xfrm>
+            <a:off x="265500" y="2735375"/>
+            <a:ext cx="3245400" cy="493800"/>
+          </a:xfrm>
+          <a:prstGeom prst="rect">
+            <a:avLst/>
+          </a:prstGeom>
+        </p:spPr>
+        <p:txBody>
+          <a:bodyPr anchorCtr="0" anchor="t" bIns="91425" lIns="91425" spcFirstLastPara="1" rIns="91425" wrap="square" tIns="91425">
+            <a:normAutofit lnSpcReduction="10000"/>
+          </a:bodyPr>
+          <a:lstStyle/>
+          <a:p>
+            <a:pPr indent="0" lvl="0" marL="0" rtl="0" algn="ctr">
+              <a:lnSpc>
+                <a:spcPct val="90000"/>
+              </a:lnSpc>
+              <a:spcBef>
+                <a:spcPts val="0"/>
+              </a:spcBef>
+              <a:spcAft>
+                <a:spcPts val="0"/>
+              </a:spcAft>
+              <a:buSzPts val="852"/>
+              <a:buNone/>
+            </a:pPr>
+            <a:r>
+              <a:rPr lang="en" sz="827"/>
+              <a:t>Maalekian, Mehran. “Christian Doppler Laboratory for Early Stages of Precipitation The Effects of Alloying Elements on Steels (I).” (2007).</a:t>
+            </a:r>
+            <a:endParaRPr sz="1627"/>
+          </a:p>
+        </p:txBody>
+      </p:sp>
+      <p:sp>
+        <p:nvSpPr>
+          <p:cNvPr id="180" name="Google Shape;180;p21"/>
+          <p:cNvSpPr txBox="1"/>
+          <p:nvPr>
+            <p:ph idx="2" type="body"/>
+          </p:nvPr>
+        </p:nvSpPr>
+        <p:spPr>
+          <a:xfrm>
+            <a:off x="4939500" y="724200"/>
+            <a:ext cx="3837000" cy="3695100"/>
+          </a:xfrm>
+          <a:prstGeom prst="rect">
+            <a:avLst/>
+          </a:prstGeom>
+        </p:spPr>
+        <p:txBody>
+          <a:bodyPr anchorCtr="0" anchor="ctr" bIns="91425" lIns="91425" spcFirstLastPara="1" rIns="91425" wrap="square" tIns="91425">
+            <a:normAutofit/>
+          </a:bodyPr>
+          <a:lstStyle/>
+          <a:p>
+            <a:pPr indent="0" lvl="0" marL="0" rtl="0" algn="l">
+              <a:spcBef>
+                <a:spcPts val="0"/>
+              </a:spcBef>
+              <a:spcAft>
+                <a:spcPts val="1200"/>
+              </a:spcAft>
+              <a:buNone/>
+            </a:pPr>
+            <a:r>
+              <a:t/>
+            </a:r>
+            <a:endParaRPr/>
+          </a:p>
+        </p:txBody>
+      </p:sp>
+      <p:sp>
+        <p:nvSpPr>
+          <p:cNvPr id="181" name="Google Shape;181;p21"/>
+          <p:cNvSpPr txBox="1"/>
+          <p:nvPr/>
+        </p:nvSpPr>
+        <p:spPr>
+          <a:xfrm>
+            <a:off x="265500" y="3249000"/>
+            <a:ext cx="3245400" cy="1234200"/>
+          </a:xfrm>
+          <a:prstGeom prst="rect">
+            <a:avLst/>
+          </a:prstGeom>
+          <a:noFill/>
+          <a:ln>
+            <a:noFill/>
+          </a:ln>
+        </p:spPr>
+        <p:txBody>
+          <a:bodyPr anchorCtr="0" anchor="t" bIns="91425" lIns="91425" spcFirstLastPara="1" rIns="91425" wrap="square" tIns="91425">
+            <a:noAutofit/>
+          </a:bodyPr>
+          <a:lstStyle/>
+          <a:p>
+            <a:pPr indent="-317500" lvl="0" marL="457200" rtl="0" algn="l">
+              <a:lnSpc>
+                <a:spcPct val="80000"/>
+              </a:lnSpc>
+              <a:spcBef>
+                <a:spcPts val="0"/>
+              </a:spcBef>
+              <a:spcAft>
+                <a:spcPts val="0"/>
+              </a:spcAft>
+              <a:buClr>
+                <a:schemeClr val="dk2"/>
+              </a:buClr>
+              <a:buSzPts val="1400"/>
+              <a:buFont typeface="Inter Medium"/>
+              <a:buChar char="●"/>
+            </a:pPr>
+            <a:r>
+              <a:rPr lang="en">
+                <a:solidFill>
+                  <a:schemeClr val="dk2"/>
+                </a:solidFill>
+                <a:latin typeface="Inter Medium"/>
+                <a:ea typeface="Inter Medium"/>
+                <a:cs typeface="Inter Medium"/>
+                <a:sym typeface="Inter Medium"/>
+              </a:rPr>
+              <a:t>This hardness is a different measure/scale than used in my dataset.</a:t>
+            </a:r>
+            <a:endParaRPr>
+              <a:solidFill>
+                <a:schemeClr val="dk2"/>
+              </a:solidFill>
+              <a:latin typeface="Inter Medium"/>
+              <a:ea typeface="Inter Medium"/>
+              <a:cs typeface="Inter Medium"/>
+              <a:sym typeface="Inter Medium"/>
+            </a:endParaRPr>
           </a:p>
         </p:txBody>
       </p:sp>
@@ -10600,7 +11007,7 @@
             <a:tbl>
               <a:tblPr>
                 <a:noFill/>
-                <a:tableStyleId>{77B007F2-6753-44D7-BA99-755CF2FB95DE}</a:tableStyleId>
+                <a:tableStyleId>{BBC70403-66FB-4148-8333-00184DF5A00B}</a:tableStyleId>
               </a:tblPr>
               <a:tblGrid>
                 <a:gridCol w="1918500"/>
@@ -11951,6 +12358,285 @@
 </file>
 
 <file path=ppt/theme/theme1.xml><?xml version="1.0" encoding="utf-8"?>
+<a:theme xmlns:a="http://schemas.openxmlformats.org/drawingml/2006/main" xmlns:r="http://schemas.openxmlformats.org/officeDocument/2006/relationships">
+  <a:themeElements>
+    <a:clrScheme name="Default">
+      <a:dk1>
+        <a:srgbClr val="000000"/>
+      </a:dk1>
+      <a:lt1>
+        <a:srgbClr val="FFFFFF"/>
+      </a:lt1>
+      <a:dk2>
+        <a:srgbClr val="158158"/>
+      </a:dk2>
+      <a:lt2>
+        <a:srgbClr val="F3F3F3"/>
+      </a:lt2>
+      <a:accent1>
+        <a:srgbClr val="058DC7"/>
+      </a:accent1>
+      <a:accent2>
+        <a:srgbClr val="50B432"/>
+      </a:accent2>
+      <a:accent3>
+        <a:srgbClr val="ED561B"/>
+      </a:accent3>
+      <a:accent4>
+        <a:srgbClr val="EDEF00"/>
+      </a:accent4>
+      <a:accent5>
+        <a:srgbClr val="24CBE5"/>
+      </a:accent5>
+      <a:accent6>
+        <a:srgbClr val="64E572"/>
+      </a:accent6>
+      <a:hlink>
+        <a:srgbClr val="2200CC"/>
+      </a:hlink>
+      <a:folHlink>
+        <a:srgbClr val="551A8B"/>
+      </a:folHlink>
+    </a:clrScheme>
+    <a:fontScheme name="Office">
+      <a:majorFont>
+        <a:latin typeface="Arial"/>
+        <a:ea typeface=""/>
+        <a:cs typeface=""/>
+        <a:font script="Jpan" typeface="ＭＳ Ｐゴシック"/>
+        <a:font script="Hang" typeface="맑은 고딕"/>
+        <a:font script="Hans" typeface="宋体"/>
+        <a:font script="Hant" typeface="新細明體"/>
+        <a:font script="Arab" typeface="Times New Roman"/>
+        <a:font script="Hebr" typeface="Times New Roman"/>
+        <a:font script="Thai" typeface="Angsana New"/>
+        <a:font script="Ethi" typeface="Nyala"/>
+        <a:font script="Beng" typeface="Vrinda"/>
+        <a:font script="Gujr" typeface="Shruti"/>
+        <a:font script="Khmr" typeface="MoolBoran"/>
+        <a:font script="Knda" typeface="Tunga"/>
+        <a:font script="Guru" typeface="Raavi"/>
+        <a:font script="Cans" typeface="Euphemia"/>
+        <a:font script="Cher" typeface="Plantagenet Cherokee"/>
+        <a:font script="Yiii" typeface="Microsoft Yi Baiti"/>
+        <a:font script="Tibt" typeface="Microsoft Himalaya"/>
+        <a:font script="Thaa" typeface="MV Boli"/>
+        <a:font script="Deva" typeface="Mangal"/>
+        <a:font script="Telu" typeface="Gautami"/>
+        <a:font script="Taml" typeface="Latha"/>
+        <a:font script="Syrc" typeface="Estrangelo Edessa"/>
+        <a:font script="Orya" typeface="Kalinga"/>
+        <a:font script="Mlym" typeface="Kartika"/>
+        <a:font script="Laoo" typeface="DokChampa"/>
+        <a:font script="Sinh" typeface="Iskoola Pota"/>
+        <a:font script="Mong" typeface="Mongolian Baiti"/>
+        <a:font script="Viet" typeface="Times New Roman"/>
+        <a:font script="Uigh" typeface="Microsoft Uighur"/>
+        <a:font script="Geor" typeface="Sylfaen"/>
+      </a:majorFont>
+      <a:minorFont>
+        <a:latin typeface="Arial"/>
+        <a:ea typeface=""/>
+        <a:cs typeface=""/>
+        <a:font script="Jpan" typeface="ＭＳ Ｐゴシック"/>
+        <a:font script="Hang" typeface="맑은 고딕"/>
+        <a:font script="Hans" typeface="宋体"/>
+        <a:font script="Hant" typeface="新細明體"/>
+        <a:font script="Arab" typeface="Arial"/>
+        <a:font script="Hebr" typeface="Arial"/>
+        <a:font script="Thai" typeface="Cordia New"/>
+        <a:font script="Ethi" typeface="Nyala"/>
+        <a:font script="Beng" typeface="Vrinda"/>
+        <a:font script="Gujr" typeface="Shruti"/>
+        <a:font script="Khmr" typeface="DaunPenh"/>
+        <a:font script="Knda" typeface="Tunga"/>
+        <a:font script="Guru" typeface="Raavi"/>
+        <a:font script="Cans" typeface="Euphemia"/>
+        <a:font script="Cher" typeface="Plantagenet Cherokee"/>
+        <a:font script="Yiii" typeface="Microsoft Yi Baiti"/>
+        <a:font script="Tibt" typeface="Microsoft Himalaya"/>
+        <a:font script="Thaa" typeface="MV Boli"/>
+        <a:font script="Deva" typeface="Mangal"/>
+        <a:font script="Telu" typeface="Gautami"/>
+        <a:font script="Taml" typeface="Latha"/>
+        <a:font script="Syrc" typeface="Estrangelo Edessa"/>
+        <a:font script="Orya" typeface="Kalinga"/>
+        <a:font script="Mlym" typeface="Kartika"/>
+        <a:font script="Laoo" typeface="DokChampa"/>
+        <a:font script="Sinh" typeface="Iskoola Pota"/>
+        <a:font script="Mong" typeface="Mongolian Baiti"/>
+        <a:font script="Viet" typeface="Arial"/>
+        <a:font script="Uigh" typeface="Microsoft Uighur"/>
+        <a:font script="Geor" typeface="Sylfaen"/>
+      </a:minorFont>
+    </a:fontScheme>
+    <a:fmtScheme name="Office">
+      <a:fillStyleLst>
+        <a:solidFill>
+          <a:schemeClr val="phClr"/>
+        </a:solidFill>
+        <a:gradFill rotWithShape="1">
+          <a:gsLst>
+            <a:gs pos="0">
+              <a:schemeClr val="phClr">
+                <a:tint val="50000"/>
+                <a:satMod val="300000"/>
+              </a:schemeClr>
+            </a:gs>
+            <a:gs pos="35000">
+              <a:schemeClr val="phClr">
+                <a:tint val="37000"/>
+                <a:satMod val="300000"/>
+              </a:schemeClr>
+            </a:gs>
+            <a:gs pos="100000">
+              <a:schemeClr val="phClr">
+                <a:tint val="15000"/>
+                <a:satMod val="350000"/>
+              </a:schemeClr>
+            </a:gs>
+          </a:gsLst>
+          <a:lin ang="16200000" scaled="1"/>
+        </a:gradFill>
+        <a:gradFill rotWithShape="1">
+          <a:gsLst>
+            <a:gs pos="0">
+              <a:schemeClr val="phClr">
+                <a:tint val="100000"/>
+                <a:shade val="100000"/>
+                <a:satMod val="130000"/>
+              </a:schemeClr>
+            </a:gs>
+            <a:gs pos="100000">
+              <a:schemeClr val="phClr">
+                <a:tint val="50000"/>
+                <a:shade val="100000"/>
+                <a:satMod val="350000"/>
+              </a:schemeClr>
+            </a:gs>
+          </a:gsLst>
+          <a:lin ang="16200000" scaled="0"/>
+        </a:gradFill>
+      </a:fillStyleLst>
+      <a:lnStyleLst>
+        <a:ln w="9525" cap="flat" cmpd="sng" algn="ctr">
+          <a:solidFill>
+            <a:schemeClr val="phClr">
+              <a:shade val="95000"/>
+              <a:satMod val="105000"/>
+            </a:schemeClr>
+          </a:solidFill>
+          <a:prstDash val="solid"/>
+        </a:ln>
+        <a:ln w="25400" cap="flat" cmpd="sng" algn="ctr">
+          <a:solidFill>
+            <a:schemeClr val="phClr"/>
+          </a:solidFill>
+          <a:prstDash val="solid"/>
+        </a:ln>
+        <a:ln w="38100" cap="flat" cmpd="sng" algn="ctr">
+          <a:solidFill>
+            <a:schemeClr val="phClr"/>
+          </a:solidFill>
+          <a:prstDash val="solid"/>
+        </a:ln>
+      </a:lnStyleLst>
+      <a:effectStyleLst>
+        <a:effectStyle>
+          <a:effectLst>
+            <a:outerShdw blurRad="40000" dist="20000" dir="5400000" rotWithShape="0">
+              <a:srgbClr val="000000">
+                <a:alpha val="38000"/>
+              </a:srgbClr>
+            </a:outerShdw>
+          </a:effectLst>
+        </a:effectStyle>
+        <a:effectStyle>
+          <a:effectLst>
+            <a:outerShdw blurRad="40000" dist="23000" dir="5400000" rotWithShape="0">
+              <a:srgbClr val="000000">
+                <a:alpha val="35000"/>
+              </a:srgbClr>
+            </a:outerShdw>
+          </a:effectLst>
+        </a:effectStyle>
+        <a:effectStyle>
+          <a:effectLst>
+            <a:outerShdw blurRad="40000" dist="23000" dir="5400000" rotWithShape="0">
+              <a:srgbClr val="000000">
+                <a:alpha val="35000"/>
+              </a:srgbClr>
+            </a:outerShdw>
+          </a:effectLst>
+          <a:scene3d>
+            <a:camera prst="orthographicFront">
+              <a:rot lat="0" lon="0" rev="0"/>
+            </a:camera>
+            <a:lightRig rig="threePt" dir="t">
+              <a:rot lat="0" lon="0" rev="1200000"/>
+            </a:lightRig>
+          </a:scene3d>
+          <a:sp3d>
+            <a:bevelT w="63500" h="25400"/>
+          </a:sp3d>
+        </a:effectStyle>
+      </a:effectStyleLst>
+      <a:bgFillStyleLst>
+        <a:solidFill>
+          <a:schemeClr val="phClr"/>
+        </a:solidFill>
+        <a:gradFill rotWithShape="1">
+          <a:gsLst>
+            <a:gs pos="0">
+              <a:schemeClr val="phClr">
+                <a:tint val="40000"/>
+                <a:satMod val="350000"/>
+              </a:schemeClr>
+            </a:gs>
+            <a:gs pos="40000">
+              <a:schemeClr val="phClr">
+                <a:tint val="45000"/>
+                <a:shade val="99000"/>
+                <a:satMod val="350000"/>
+              </a:schemeClr>
+            </a:gs>
+            <a:gs pos="100000">
+              <a:schemeClr val="phClr">
+                <a:shade val="20000"/>
+                <a:satMod val="255000"/>
+              </a:schemeClr>
+            </a:gs>
+          </a:gsLst>
+          <a:path path="circle">
+            <a:fillToRect l="50000" t="-80000" r="50000" b="180000"/>
+          </a:path>
+        </a:gradFill>
+        <a:gradFill rotWithShape="1">
+          <a:gsLst>
+            <a:gs pos="0">
+              <a:schemeClr val="phClr">
+                <a:tint val="80000"/>
+                <a:satMod val="300000"/>
+              </a:schemeClr>
+            </a:gs>
+            <a:gs pos="100000">
+              <a:schemeClr val="phClr">
+                <a:shade val="30000"/>
+                <a:satMod val="200000"/>
+              </a:schemeClr>
+            </a:gs>
+          </a:gsLst>
+          <a:path path="circle">
+            <a:fillToRect l="50000" t="50000" r="50000" b="50000"/>
+          </a:path>
+        </a:gradFill>
+      </a:bgFillStyleLst>
+    </a:fmtScheme>
+  </a:themeElements>
+</a:theme>
+</file>
+
+<file path=ppt/theme/theme2.xml><?xml version="1.0" encoding="utf-8"?>
 <a:theme xmlns:a="http://schemas.openxmlformats.org/drawingml/2006/main" xmlns:r="http://schemas.openxmlformats.org/officeDocument/2006/relationships" name="Swiss">
   <a:themeElements>
     <a:clrScheme name="Swiss">
@@ -12227,283 +12913,4 @@
     </a:fmtScheme>
   </a:themeElements>
 </a:theme>
-</file>
-
-<file path=ppt/theme/theme2.xml><?xml version="1.0" encoding="utf-8"?>
-<a:theme xmlns:a="http://schemas.openxmlformats.org/drawingml/2006/main" xmlns:r="http://schemas.openxmlformats.org/officeDocument/2006/relationships">
-  <a:themeElements>
-    <a:clrScheme name="Default">
-      <a:dk1>
-        <a:srgbClr val="000000"/>
-      </a:dk1>
-      <a:lt1>
-        <a:srgbClr val="FFFFFF"/>
-      </a:lt1>
-      <a:dk2>
-        <a:srgbClr val="158158"/>
-      </a:dk2>
-      <a:lt2>
-        <a:srgbClr val="F3F3F3"/>
-      </a:lt2>
-      <a:accent1>
-        <a:srgbClr val="058DC7"/>
-      </a:accent1>
-      <a:accent2>
-        <a:srgbClr val="50B432"/>
-      </a:accent2>
-      <a:accent3>
-        <a:srgbClr val="ED561B"/>
-      </a:accent3>
-      <a:accent4>
-        <a:srgbClr val="EDEF00"/>
-      </a:accent4>
-      <a:accent5>
-        <a:srgbClr val="24CBE5"/>
-      </a:accent5>
-      <a:accent6>
-        <a:srgbClr val="64E572"/>
-      </a:accent6>
-      <a:hlink>
-        <a:srgbClr val="2200CC"/>
-      </a:hlink>
-      <a:folHlink>
-        <a:srgbClr val="551A8B"/>
-      </a:folHlink>
-    </a:clrScheme>
-    <a:fontScheme name="Office">
-      <a:majorFont>
-        <a:latin typeface="Arial"/>
-        <a:ea typeface=""/>
-        <a:cs typeface=""/>
-        <a:font script="Jpan" typeface="ＭＳ Ｐゴシック"/>
-        <a:font script="Hang" typeface="맑은 고딕"/>
-        <a:font script="Hans" typeface="宋体"/>
-        <a:font script="Hant" typeface="新細明體"/>
-        <a:font script="Arab" typeface="Times New Roman"/>
-        <a:font script="Hebr" typeface="Times New Roman"/>
-        <a:font script="Thai" typeface="Angsana New"/>
-        <a:font script="Ethi" typeface="Nyala"/>
-        <a:font script="Beng" typeface="Vrinda"/>
-        <a:font script="Gujr" typeface="Shruti"/>
-        <a:font script="Khmr" typeface="MoolBoran"/>
-        <a:font script="Knda" typeface="Tunga"/>
-        <a:font script="Guru" typeface="Raavi"/>
-        <a:font script="Cans" typeface="Euphemia"/>
-        <a:font script="Cher" typeface="Plantagenet Cherokee"/>
-        <a:font script="Yiii" typeface="Microsoft Yi Baiti"/>
-        <a:font script="Tibt" typeface="Microsoft Himalaya"/>
-        <a:font script="Thaa" typeface="MV Boli"/>
-        <a:font script="Deva" typeface="Mangal"/>
-        <a:font script="Telu" typeface="Gautami"/>
-        <a:font script="Taml" typeface="Latha"/>
-        <a:font script="Syrc" typeface="Estrangelo Edessa"/>
-        <a:font script="Orya" typeface="Kalinga"/>
-        <a:font script="Mlym" typeface="Kartika"/>
-        <a:font script="Laoo" typeface="DokChampa"/>
-        <a:font script="Sinh" typeface="Iskoola Pota"/>
-        <a:font script="Mong" typeface="Mongolian Baiti"/>
-        <a:font script="Viet" typeface="Times New Roman"/>
-        <a:font script="Uigh" typeface="Microsoft Uighur"/>
-        <a:font script="Geor" typeface="Sylfaen"/>
-      </a:majorFont>
-      <a:minorFont>
-        <a:latin typeface="Arial"/>
-        <a:ea typeface=""/>
-        <a:cs typeface=""/>
-        <a:font script="Jpan" typeface="ＭＳ Ｐゴシック"/>
-        <a:font script="Hang" typeface="맑은 고딕"/>
-        <a:font script="Hans" typeface="宋体"/>
-        <a:font script="Hant" typeface="新細明體"/>
-        <a:font script="Arab" typeface="Arial"/>
-        <a:font script="Hebr" typeface="Arial"/>
-        <a:font script="Thai" typeface="Cordia New"/>
-        <a:font script="Ethi" typeface="Nyala"/>
-        <a:font script="Beng" typeface="Vrinda"/>
-        <a:font script="Gujr" typeface="Shruti"/>
-        <a:font script="Khmr" typeface="DaunPenh"/>
-        <a:font script="Knda" typeface="Tunga"/>
-        <a:font script="Guru" typeface="Raavi"/>
-        <a:font script="Cans" typeface="Euphemia"/>
-        <a:font script="Cher" typeface="Plantagenet Cherokee"/>
-        <a:font script="Yiii" typeface="Microsoft Yi Baiti"/>
-        <a:font script="Tibt" typeface="Microsoft Himalaya"/>
-        <a:font script="Thaa" typeface="MV Boli"/>
-        <a:font script="Deva" typeface="Mangal"/>
-        <a:font script="Telu" typeface="Gautami"/>
-        <a:font script="Taml" typeface="Latha"/>
-        <a:font script="Syrc" typeface="Estrangelo Edessa"/>
-        <a:font script="Orya" typeface="Kalinga"/>
-        <a:font script="Mlym" typeface="Kartika"/>
-        <a:font script="Laoo" typeface="DokChampa"/>
-        <a:font script="Sinh" typeface="Iskoola Pota"/>
-        <a:font script="Mong" typeface="Mongolian Baiti"/>
-        <a:font script="Viet" typeface="Arial"/>
-        <a:font script="Uigh" typeface="Microsoft Uighur"/>
-        <a:font script="Geor" typeface="Sylfaen"/>
-      </a:minorFont>
-    </a:fontScheme>
-    <a:fmtScheme name="Office">
-      <a:fillStyleLst>
-        <a:solidFill>
-          <a:schemeClr val="phClr"/>
-        </a:solidFill>
-        <a:gradFill rotWithShape="1">
-          <a:gsLst>
-            <a:gs pos="0">
-              <a:schemeClr val="phClr">
-                <a:tint val="50000"/>
-                <a:satMod val="300000"/>
-              </a:schemeClr>
-            </a:gs>
-            <a:gs pos="35000">
-              <a:schemeClr val="phClr">
-                <a:tint val="37000"/>
-                <a:satMod val="300000"/>
-              </a:schemeClr>
-            </a:gs>
-            <a:gs pos="100000">
-              <a:schemeClr val="phClr">
-                <a:tint val="15000"/>
-                <a:satMod val="350000"/>
-              </a:schemeClr>
-            </a:gs>
-          </a:gsLst>
-          <a:lin ang="16200000" scaled="1"/>
-        </a:gradFill>
-        <a:gradFill rotWithShape="1">
-          <a:gsLst>
-            <a:gs pos="0">
-              <a:schemeClr val="phClr">
-                <a:tint val="100000"/>
-                <a:shade val="100000"/>
-                <a:satMod val="130000"/>
-              </a:schemeClr>
-            </a:gs>
-            <a:gs pos="100000">
-              <a:schemeClr val="phClr">
-                <a:tint val="50000"/>
-                <a:shade val="100000"/>
-                <a:satMod val="350000"/>
-              </a:schemeClr>
-            </a:gs>
-          </a:gsLst>
-          <a:lin ang="16200000" scaled="0"/>
-        </a:gradFill>
-      </a:fillStyleLst>
-      <a:lnStyleLst>
-        <a:ln w="9525" cap="flat" cmpd="sng" algn="ctr">
-          <a:solidFill>
-            <a:schemeClr val="phClr">
-              <a:shade val="95000"/>
-              <a:satMod val="105000"/>
-            </a:schemeClr>
-          </a:solidFill>
-          <a:prstDash val="solid"/>
-        </a:ln>
-        <a:ln w="25400" cap="flat" cmpd="sng" algn="ctr">
-          <a:solidFill>
-            <a:schemeClr val="phClr"/>
-          </a:solidFill>
-          <a:prstDash val="solid"/>
-        </a:ln>
-        <a:ln w="38100" cap="flat" cmpd="sng" algn="ctr">
-          <a:solidFill>
-            <a:schemeClr val="phClr"/>
-          </a:solidFill>
-          <a:prstDash val="solid"/>
-        </a:ln>
-      </a:lnStyleLst>
-      <a:effectStyleLst>
-        <a:effectStyle>
-          <a:effectLst>
-            <a:outerShdw blurRad="40000" dist="20000" dir="5400000" rotWithShape="0">
-              <a:srgbClr val="000000">
-                <a:alpha val="38000"/>
-              </a:srgbClr>
-            </a:outerShdw>
-          </a:effectLst>
-        </a:effectStyle>
-        <a:effectStyle>
-          <a:effectLst>
-            <a:outerShdw blurRad="40000" dist="23000" dir="5400000" rotWithShape="0">
-              <a:srgbClr val="000000">
-                <a:alpha val="35000"/>
-              </a:srgbClr>
-            </a:outerShdw>
-          </a:effectLst>
-        </a:effectStyle>
-        <a:effectStyle>
-          <a:effectLst>
-            <a:outerShdw blurRad="40000" dist="23000" dir="5400000" rotWithShape="0">
-              <a:srgbClr val="000000">
-                <a:alpha val="35000"/>
-              </a:srgbClr>
-            </a:outerShdw>
-          </a:effectLst>
-          <a:scene3d>
-            <a:camera prst="orthographicFront">
-              <a:rot lat="0" lon="0" rev="0"/>
-            </a:camera>
-            <a:lightRig rig="threePt" dir="t">
-              <a:rot lat="0" lon="0" rev="1200000"/>
-            </a:lightRig>
-          </a:scene3d>
-          <a:sp3d>
-            <a:bevelT w="63500" h="25400"/>
-          </a:sp3d>
-        </a:effectStyle>
-      </a:effectStyleLst>
-      <a:bgFillStyleLst>
-        <a:solidFill>
-          <a:schemeClr val="phClr"/>
-        </a:solidFill>
-        <a:gradFill rotWithShape="1">
-          <a:gsLst>
-            <a:gs pos="0">
-              <a:schemeClr val="phClr">
-                <a:tint val="40000"/>
-                <a:satMod val="350000"/>
-              </a:schemeClr>
-            </a:gs>
-            <a:gs pos="40000">
-              <a:schemeClr val="phClr">
-                <a:tint val="45000"/>
-                <a:shade val="99000"/>
-                <a:satMod val="350000"/>
-              </a:schemeClr>
-            </a:gs>
-            <a:gs pos="100000">
-              <a:schemeClr val="phClr">
-                <a:shade val="20000"/>
-                <a:satMod val="255000"/>
-              </a:schemeClr>
-            </a:gs>
-          </a:gsLst>
-          <a:path path="circle">
-            <a:fillToRect l="50000" t="-80000" r="50000" b="180000"/>
-          </a:path>
-        </a:gradFill>
-        <a:gradFill rotWithShape="1">
-          <a:gsLst>
-            <a:gs pos="0">
-              <a:schemeClr val="phClr">
-                <a:tint val="80000"/>
-                <a:satMod val="300000"/>
-              </a:schemeClr>
-            </a:gs>
-            <a:gs pos="100000">
-              <a:schemeClr val="phClr">
-                <a:shade val="30000"/>
-                <a:satMod val="200000"/>
-              </a:schemeClr>
-            </a:gs>
-          </a:gsLst>
-          <a:path path="circle">
-            <a:fillToRect l="50000" t="50000" r="50000" b="50000"/>
-          </a:path>
-        </a:gradFill>
-      </a:bgFillStyleLst>
-    </a:fmtScheme>
-  </a:themeElements>
-</a:theme>
 </file>
--- a/Mild-Steel-Tempering-Presentation.pptx
+++ b/Mild-Steel-Tempering-Presentation.pptx
@@ -19,30 +19,32 @@
     <p:sldId id="264" r:id="rId15"/>
     <p:sldId id="265" r:id="rId16"/>
     <p:sldId id="266" r:id="rId17"/>
+    <p:sldId id="267" r:id="rId18"/>
+    <p:sldId id="268" r:id="rId19"/>
   </p:sldIdLst>
   <p:sldSz cy="5143500" cx="9144000"/>
   <p:notesSz cx="6858000" cy="9144000"/>
   <p:embeddedFontLst>
     <p:embeddedFont>
       <p:font typeface="Raleway"/>
-      <p:regular r:id="rId18"/>
-      <p:bold r:id="rId19"/>
-      <p:italic r:id="rId20"/>
-      <p:boldItalic r:id="rId21"/>
+      <p:regular r:id="rId20"/>
+      <p:bold r:id="rId21"/>
+      <p:italic r:id="rId22"/>
+      <p:boldItalic r:id="rId23"/>
     </p:embeddedFont>
     <p:embeddedFont>
       <p:font typeface="Lato"/>
-      <p:regular r:id="rId22"/>
-      <p:bold r:id="rId23"/>
-      <p:italic r:id="rId24"/>
-      <p:boldItalic r:id="rId25"/>
+      <p:regular r:id="rId24"/>
+      <p:bold r:id="rId25"/>
+      <p:italic r:id="rId26"/>
+      <p:boldItalic r:id="rId27"/>
     </p:embeddedFont>
     <p:embeddedFont>
       <p:font typeface="Inter Medium"/>
-      <p:regular r:id="rId26"/>
-      <p:bold r:id="rId27"/>
-      <p:italic r:id="rId28"/>
-      <p:boldItalic r:id="rId29"/>
+      <p:regular r:id="rId28"/>
+      <p:bold r:id="rId29"/>
+      <p:italic r:id="rId30"/>
+      <p:boldItalic r:id="rId31"/>
     </p:embeddedFont>
   </p:embeddedFontLst>
   <p:defaultTextStyle>
@@ -823,7 +825,7 @@
   <p:cSld>
     <p:spTree>
       <p:nvGrpSpPr>
-        <p:cNvPr id="166" name="Shape 166"/>
+        <p:cNvPr id="171" name="Shape 171"/>
         <p:cNvGrpSpPr/>
         <p:nvPr/>
       </p:nvGrpSpPr>
@@ -837,7 +839,7 @@
       </p:grpSpPr>
       <p:sp>
         <p:nvSpPr>
-          <p:cNvPr id="167" name="Google Shape;167;g2fa7fe9e695_0_0:notes"/>
+          <p:cNvPr id="172" name="Google Shape;172;g2fa7d275817_0_633:notes"/>
           <p:cNvSpPr/>
           <p:nvPr>
             <p:ph idx="2" type="sldImg"/>
@@ -872,7 +874,7 @@
       </p:sp>
       <p:sp>
         <p:nvSpPr>
-          <p:cNvPr id="168" name="Google Shape;168;g2fa7fe9e695_0_0:notes"/>
+          <p:cNvPr id="173" name="Google Shape;173;g2fa7d275817_0_633:notes"/>
           <p:cNvSpPr txBox="1"/>
           <p:nvPr>
             <p:ph idx="1" type="body"/>
@@ -922,7 +924,7 @@
   <p:cSld>
     <p:spTree>
       <p:nvGrpSpPr>
-        <p:cNvPr id="172" name="Shape 172"/>
+        <p:cNvPr id="181" name="Shape 181"/>
         <p:cNvGrpSpPr/>
         <p:nvPr/>
       </p:nvGrpSpPr>
@@ -936,7 +938,7 @@
       </p:grpSpPr>
       <p:sp>
         <p:nvSpPr>
-          <p:cNvPr id="173" name="Google Shape;173;g2fa7d275817_0_643:notes"/>
+          <p:cNvPr id="182" name="Google Shape;182;g2fa7fe9e695_0_0:notes"/>
           <p:cNvSpPr/>
           <p:nvPr>
             <p:ph idx="2" type="sldImg"/>
@@ -971,7 +973,205 @@
       </p:sp>
       <p:sp>
         <p:nvSpPr>
-          <p:cNvPr id="174" name="Google Shape;174;g2fa7d275817_0_643:notes"/>
+          <p:cNvPr id="183" name="Google Shape;183;g2fa7fe9e695_0_0:notes"/>
+          <p:cNvSpPr txBox="1"/>
+          <p:nvPr>
+            <p:ph idx="1" type="body"/>
+          </p:nvPr>
+        </p:nvSpPr>
+        <p:spPr>
+          <a:xfrm>
+            <a:off x="685800" y="4343400"/>
+            <a:ext cx="5486400" cy="4114800"/>
+          </a:xfrm>
+          <a:prstGeom prst="rect">
+            <a:avLst/>
+          </a:prstGeom>
+        </p:spPr>
+        <p:txBody>
+          <a:bodyPr anchorCtr="0" anchor="t" bIns="91425" lIns="91425" spcFirstLastPara="1" rIns="91425" wrap="square" tIns="91425">
+            <a:noAutofit/>
+          </a:bodyPr>
+          <a:lstStyle/>
+          <a:p>
+            <a:pPr indent="0" lvl="0" marL="0" rtl="0" algn="l">
+              <a:spcBef>
+                <a:spcPts val="0"/>
+              </a:spcBef>
+              <a:spcAft>
+                <a:spcPts val="0"/>
+              </a:spcAft>
+              <a:buNone/>
+            </a:pPr>
+            <a:r>
+              <a:t/>
+            </a:r>
+            <a:endParaRPr/>
+          </a:p>
+        </p:txBody>
+      </p:sp>
+    </p:spTree>
+  </p:cSld>
+  <p:clrMapOvr>
+    <a:masterClrMapping/>
+  </p:clrMapOvr>
+</p:notes>
+</file>
+
+<file path=ppt/notesSlides/notesSlide12.xml><?xml version="1.0" encoding="utf-8"?>
+<p:notes xmlns:a="http://schemas.openxmlformats.org/drawingml/2006/main" xmlns:r="http://schemas.openxmlformats.org/officeDocument/2006/relationships" xmlns:mc="http://schemas.openxmlformats.org/markup-compatibility/2006" xmlns:mv="urn:schemas-microsoft-com:mac:vml" xmlns:p="http://schemas.openxmlformats.org/presentationml/2006/main" xmlns:c="http://schemas.openxmlformats.org/drawingml/2006/chart" xmlns:dgm="http://schemas.openxmlformats.org/drawingml/2006/diagram" xmlns:o="urn:schemas-microsoft-com:office:office" xmlns:v="urn:schemas-microsoft-com:vml" xmlns:pvml="urn:schemas-microsoft-com:office:powerpoint" xmlns:com="http://schemas.openxmlformats.org/drawingml/2006/compatibility" xmlns:p14="http://schemas.microsoft.com/office/powerpoint/2010/main" xmlns:p15="http://schemas.microsoft.com/office/powerpoint/2012/main" xmlns:ahyp="http://schemas.microsoft.com/office/drawing/2018/hyperlinkcolor" showMasterPhAnim="0" showMasterSp="0">
+  <p:cSld>
+    <p:spTree>
+      <p:nvGrpSpPr>
+        <p:cNvPr id="187" name="Shape 187"/>
+        <p:cNvGrpSpPr/>
+        <p:nvPr/>
+      </p:nvGrpSpPr>
+      <p:grpSpPr>
+        <a:xfrm>
+          <a:off x="0" y="0"/>
+          <a:ext cx="0" cy="0"/>
+          <a:chOff x="0" y="0"/>
+          <a:chExt cx="0" cy="0"/>
+        </a:xfrm>
+      </p:grpSpPr>
+      <p:sp>
+        <p:nvSpPr>
+          <p:cNvPr id="188" name="Google Shape;188;g2fa7d275817_0_643:notes"/>
+          <p:cNvSpPr/>
+          <p:nvPr>
+            <p:ph idx="2" type="sldImg"/>
+          </p:nvPr>
+        </p:nvSpPr>
+        <p:spPr>
+          <a:xfrm>
+            <a:off x="381300" y="685800"/>
+            <a:ext cx="6096000" cy="3429000"/>
+          </a:xfrm>
+          <a:custGeom>
+            <a:rect b="b" l="l" r="r" t="t"/>
+            <a:pathLst>
+              <a:path extrusionOk="0" h="120000" w="120000">
+                <a:moveTo>
+                  <a:pt x="0" y="0"/>
+                </a:moveTo>
+                <a:lnTo>
+                  <a:pt x="120000" y="0"/>
+                </a:lnTo>
+                <a:lnTo>
+                  <a:pt x="120000" y="120000"/>
+                </a:lnTo>
+                <a:lnTo>
+                  <a:pt x="0" y="120000"/>
+                </a:lnTo>
+                <a:close/>
+              </a:path>
+            </a:pathLst>
+          </a:custGeom>
+        </p:spPr>
+      </p:sp>
+      <p:sp>
+        <p:nvSpPr>
+          <p:cNvPr id="189" name="Google Shape;189;g2fa7d275817_0_643:notes"/>
+          <p:cNvSpPr txBox="1"/>
+          <p:nvPr>
+            <p:ph idx="1" type="body"/>
+          </p:nvPr>
+        </p:nvSpPr>
+        <p:spPr>
+          <a:xfrm>
+            <a:off x="685800" y="4343400"/>
+            <a:ext cx="5486400" cy="4114800"/>
+          </a:xfrm>
+          <a:prstGeom prst="rect">
+            <a:avLst/>
+          </a:prstGeom>
+        </p:spPr>
+        <p:txBody>
+          <a:bodyPr anchorCtr="0" anchor="t" bIns="91425" lIns="91425" spcFirstLastPara="1" rIns="91425" wrap="square" tIns="91425">
+            <a:noAutofit/>
+          </a:bodyPr>
+          <a:lstStyle/>
+          <a:p>
+            <a:pPr indent="0" lvl="0" marL="0" rtl="0" algn="l">
+              <a:spcBef>
+                <a:spcPts val="0"/>
+              </a:spcBef>
+              <a:spcAft>
+                <a:spcPts val="0"/>
+              </a:spcAft>
+              <a:buNone/>
+            </a:pPr>
+            <a:r>
+              <a:t/>
+            </a:r>
+            <a:endParaRPr/>
+          </a:p>
+        </p:txBody>
+      </p:sp>
+    </p:spTree>
+  </p:cSld>
+  <p:clrMapOvr>
+    <a:masterClrMapping/>
+  </p:clrMapOvr>
+</p:notes>
+</file>
+
+<file path=ppt/notesSlides/notesSlide13.xml><?xml version="1.0" encoding="utf-8"?>
+<p:notes xmlns:a="http://schemas.openxmlformats.org/drawingml/2006/main" xmlns:r="http://schemas.openxmlformats.org/officeDocument/2006/relationships" xmlns:mc="http://schemas.openxmlformats.org/markup-compatibility/2006" xmlns:mv="urn:schemas-microsoft-com:mac:vml" xmlns:p="http://schemas.openxmlformats.org/presentationml/2006/main" xmlns:c="http://schemas.openxmlformats.org/drawingml/2006/chart" xmlns:dgm="http://schemas.openxmlformats.org/drawingml/2006/diagram" xmlns:o="urn:schemas-microsoft-com:office:office" xmlns:v="urn:schemas-microsoft-com:vml" xmlns:pvml="urn:schemas-microsoft-com:office:powerpoint" xmlns:com="http://schemas.openxmlformats.org/drawingml/2006/compatibility" xmlns:p14="http://schemas.microsoft.com/office/powerpoint/2010/main" xmlns:p15="http://schemas.microsoft.com/office/powerpoint/2012/main" xmlns:ahyp="http://schemas.microsoft.com/office/drawing/2018/hyperlinkcolor" showMasterPhAnim="0" showMasterSp="0">
+  <p:cSld>
+    <p:spTree>
+      <p:nvGrpSpPr>
+        <p:cNvPr id="197" name="Shape 197"/>
+        <p:cNvGrpSpPr/>
+        <p:nvPr/>
+      </p:nvGrpSpPr>
+      <p:grpSpPr>
+        <a:xfrm>
+          <a:off x="0" y="0"/>
+          <a:ext cx="0" cy="0"/>
+          <a:chOff x="0" y="0"/>
+          <a:chExt cx="0" cy="0"/>
+        </a:xfrm>
+      </p:grpSpPr>
+      <p:sp>
+        <p:nvSpPr>
+          <p:cNvPr id="198" name="Google Shape;198;g2fa9adea0ec_0_23:notes"/>
+          <p:cNvSpPr/>
+          <p:nvPr>
+            <p:ph idx="2" type="sldImg"/>
+          </p:nvPr>
+        </p:nvSpPr>
+        <p:spPr>
+          <a:xfrm>
+            <a:off x="381300" y="685800"/>
+            <a:ext cx="6096000" cy="3429000"/>
+          </a:xfrm>
+          <a:custGeom>
+            <a:rect b="b" l="l" r="r" t="t"/>
+            <a:pathLst>
+              <a:path extrusionOk="0" h="120000" w="120000">
+                <a:moveTo>
+                  <a:pt x="0" y="0"/>
+                </a:moveTo>
+                <a:lnTo>
+                  <a:pt x="120000" y="0"/>
+                </a:lnTo>
+                <a:lnTo>
+                  <a:pt x="120000" y="120000"/>
+                </a:lnTo>
+                <a:lnTo>
+                  <a:pt x="0" y="120000"/>
+                </a:lnTo>
+                <a:close/>
+              </a:path>
+            </a:pathLst>
+          </a:custGeom>
+        </p:spPr>
+      </p:sp>
+      <p:sp>
+        <p:nvSpPr>
+          <p:cNvPr id="199" name="Google Shape;199;g2fa9adea0ec_0_23:notes"/>
           <p:cNvSpPr txBox="1"/>
           <p:nvPr>
             <p:ph idx="1" type="body"/>
@@ -1332,7 +1532,7 @@
       </p:grpSpPr>
       <p:sp>
         <p:nvSpPr>
-          <p:cNvPr id="104" name="Google Shape;104;g2fa7d275817_0_557:notes"/>
+          <p:cNvPr id="104" name="Google Shape;104;g2fa9adea0ec_0_6:notes"/>
           <p:cNvSpPr/>
           <p:nvPr>
             <p:ph idx="2" type="sldImg"/>
@@ -1367,7 +1567,7 @@
       </p:sp>
       <p:sp>
         <p:nvSpPr>
-          <p:cNvPr id="105" name="Google Shape;105;g2fa7d275817_0_557:notes"/>
+          <p:cNvPr id="105" name="Google Shape;105;g2fa9adea0ec_0_6:notes"/>
           <p:cNvSpPr txBox="1"/>
           <p:nvPr>
             <p:ph idx="1" type="body"/>
@@ -1417,7 +1617,7 @@
   <p:cSld>
     <p:spTree>
       <p:nvGrpSpPr>
-        <p:cNvPr id="132" name="Shape 132"/>
+        <p:cNvPr id="114" name="Shape 114"/>
         <p:cNvGrpSpPr/>
         <p:nvPr/>
       </p:nvGrpSpPr>
@@ -1431,7 +1631,7 @@
       </p:grpSpPr>
       <p:sp>
         <p:nvSpPr>
-          <p:cNvPr id="133" name="Google Shape;133;g2fa7d275817_0_596:notes"/>
+          <p:cNvPr id="115" name="Google Shape;115;g2fa7d275817_0_557:notes"/>
           <p:cNvSpPr/>
           <p:nvPr>
             <p:ph idx="2" type="sldImg"/>
@@ -1466,7 +1666,7 @@
       </p:sp>
       <p:sp>
         <p:nvSpPr>
-          <p:cNvPr id="134" name="Google Shape;134;g2fa7d275817_0_596:notes"/>
+          <p:cNvPr id="116" name="Google Shape;116;g2fa7d275817_0_557:notes"/>
           <p:cNvSpPr txBox="1"/>
           <p:nvPr>
             <p:ph idx="1" type="body"/>
@@ -1516,7 +1716,7 @@
   <p:cSld>
     <p:spTree>
       <p:nvGrpSpPr>
-        <p:cNvPr id="140" name="Shape 140"/>
+        <p:cNvPr id="145" name="Shape 145"/>
         <p:cNvGrpSpPr/>
         <p:nvPr/>
       </p:nvGrpSpPr>
@@ -1530,7 +1730,7 @@
       </p:grpSpPr>
       <p:sp>
         <p:nvSpPr>
-          <p:cNvPr id="141" name="Google Shape;141;g2fa7d275817_0_608:notes"/>
+          <p:cNvPr id="146" name="Google Shape;146;g2fa7d275817_0_596:notes"/>
           <p:cNvSpPr/>
           <p:nvPr>
             <p:ph idx="2" type="sldImg"/>
@@ -1565,7 +1765,7 @@
       </p:sp>
       <p:sp>
         <p:nvSpPr>
-          <p:cNvPr id="142" name="Google Shape;142;g2fa7d275817_0_608:notes"/>
+          <p:cNvPr id="147" name="Google Shape;147;g2fa7d275817_0_596:notes"/>
           <p:cNvSpPr txBox="1"/>
           <p:nvPr>
             <p:ph idx="1" type="body"/>
@@ -1615,7 +1815,7 @@
   <p:cSld>
     <p:spTree>
       <p:nvGrpSpPr>
-        <p:cNvPr id="148" name="Shape 148"/>
+        <p:cNvPr id="153" name="Shape 153"/>
         <p:cNvGrpSpPr/>
         <p:nvPr/>
       </p:nvGrpSpPr>
@@ -1629,7 +1829,7 @@
       </p:grpSpPr>
       <p:sp>
         <p:nvSpPr>
-          <p:cNvPr id="149" name="Google Shape;149;g2fa7d275817_0_618:notes"/>
+          <p:cNvPr id="154" name="Google Shape;154;g2fa7d275817_0_608:notes"/>
           <p:cNvSpPr/>
           <p:nvPr>
             <p:ph idx="2" type="sldImg"/>
@@ -1664,7 +1864,7 @@
       </p:sp>
       <p:sp>
         <p:nvSpPr>
-          <p:cNvPr id="150" name="Google Shape;150;g2fa7d275817_0_618:notes"/>
+          <p:cNvPr id="155" name="Google Shape;155;g2fa7d275817_0_608:notes"/>
           <p:cNvSpPr txBox="1"/>
           <p:nvPr>
             <p:ph idx="1" type="body"/>
@@ -1714,7 +1914,7 @@
   <p:cSld>
     <p:spTree>
       <p:nvGrpSpPr>
-        <p:cNvPr id="156" name="Shape 156"/>
+        <p:cNvPr id="161" name="Shape 161"/>
         <p:cNvGrpSpPr/>
         <p:nvPr/>
       </p:nvGrpSpPr>
@@ -1728,7 +1928,7 @@
       </p:grpSpPr>
       <p:sp>
         <p:nvSpPr>
-          <p:cNvPr id="157" name="Google Shape;157;g2fa7d275817_0_633:notes"/>
+          <p:cNvPr id="162" name="Google Shape;162;g2fa7d275817_0_618:notes"/>
           <p:cNvSpPr/>
           <p:nvPr>
             <p:ph idx="2" type="sldImg"/>
@@ -1763,7 +1963,7 @@
       </p:sp>
       <p:sp>
         <p:nvSpPr>
-          <p:cNvPr id="158" name="Google Shape;158;g2fa7d275817_0_633:notes"/>
+          <p:cNvPr id="163" name="Google Shape;163;g2fa7d275817_0_618:notes"/>
           <p:cNvSpPr txBox="1"/>
           <p:nvPr>
             <p:ph idx="1" type="body"/>
@@ -7928,7 +8128,7 @@
   <p:cSld>
     <p:spTree>
       <p:nvGrpSpPr>
-        <p:cNvPr id="169" name="Shape 169"/>
+        <p:cNvPr id="174" name="Shape 174"/>
         <p:cNvGrpSpPr/>
         <p:nvPr/>
       </p:nvGrpSpPr>
@@ -7942,7 +8142,374 @@
       </p:grpSpPr>
       <p:sp>
         <p:nvSpPr>
-          <p:cNvPr id="170" name="Google Shape;170;p20"/>
+          <p:cNvPr id="175" name="Google Shape;175;p20"/>
+          <p:cNvSpPr txBox="1"/>
+          <p:nvPr>
+            <p:ph type="title"/>
+          </p:nvPr>
+        </p:nvSpPr>
+        <p:spPr>
+          <a:xfrm>
+            <a:off x="447251" y="575950"/>
+            <a:ext cx="8274600" cy="635400"/>
+          </a:xfrm>
+          <a:prstGeom prst="rect">
+            <a:avLst/>
+          </a:prstGeom>
+        </p:spPr>
+        <p:txBody>
+          <a:bodyPr anchorCtr="0" anchor="t" bIns="91425" lIns="91425" spcFirstLastPara="1" rIns="91425" wrap="square" tIns="91425">
+            <a:normAutofit fontScale="90000"/>
+          </a:bodyPr>
+          <a:lstStyle/>
+          <a:p>
+            <a:pPr indent="0" lvl="0" marL="0" rtl="0" algn="l">
+              <a:spcBef>
+                <a:spcPts val="0"/>
+              </a:spcBef>
+              <a:spcAft>
+                <a:spcPts val="0"/>
+              </a:spcAft>
+              <a:buNone/>
+            </a:pPr>
+            <a:r>
+              <a:rPr lang="en"/>
+              <a:t>Next Steps: </a:t>
+            </a:r>
+            <a:r>
+              <a:rPr lang="en"/>
+              <a:t>Develop an Explainable model</a:t>
+            </a:r>
+            <a:endParaRPr/>
+          </a:p>
+          <a:p>
+            <a:pPr indent="0" lvl="0" marL="0" rtl="0" algn="l">
+              <a:spcBef>
+                <a:spcPts val="0"/>
+              </a:spcBef>
+              <a:spcAft>
+                <a:spcPts val="0"/>
+              </a:spcAft>
+              <a:buNone/>
+            </a:pPr>
+            <a:r>
+              <a:t/>
+            </a:r>
+            <a:endParaRPr/>
+          </a:p>
+        </p:txBody>
+      </p:sp>
+      <p:sp>
+        <p:nvSpPr>
+          <p:cNvPr id="176" name="Google Shape;176;p20"/>
+          <p:cNvSpPr txBox="1"/>
+          <p:nvPr>
+            <p:ph idx="12" type="sldNum"/>
+          </p:nvPr>
+        </p:nvSpPr>
+        <p:spPr>
+          <a:xfrm>
+            <a:off x="8497999" y="4688759"/>
+            <a:ext cx="548700" cy="393600"/>
+          </a:xfrm>
+          <a:prstGeom prst="rect">
+            <a:avLst/>
+          </a:prstGeom>
+        </p:spPr>
+        <p:txBody>
+          <a:bodyPr anchorCtr="0" anchor="ctr" bIns="91425" lIns="91425" spcFirstLastPara="1" rIns="91425" wrap="square" tIns="91425">
+            <a:normAutofit/>
+          </a:bodyPr>
+          <a:lstStyle/>
+          <a:p>
+            <a:pPr indent="0" lvl="0" marL="0" rtl="0" algn="r">
+              <a:spcBef>
+                <a:spcPts val="0"/>
+              </a:spcBef>
+              <a:spcAft>
+                <a:spcPts val="0"/>
+              </a:spcAft>
+              <a:buNone/>
+            </a:pPr>
+            <a:fld id="{00000000-1234-1234-1234-123412341234}" type="slidenum">
+              <a:rPr lang="en"/>
+              <a:t>‹#›</a:t>
+            </a:fld>
+            <a:endParaRPr/>
+          </a:p>
+        </p:txBody>
+      </p:sp>
+      <p:sp>
+        <p:nvSpPr>
+          <p:cNvPr id="177" name="Google Shape;177;p20"/>
+          <p:cNvSpPr txBox="1"/>
+          <p:nvPr>
+            <p:ph idx="1" type="body"/>
+          </p:nvPr>
+        </p:nvSpPr>
+        <p:spPr>
+          <a:xfrm>
+            <a:off x="447325" y="1651925"/>
+            <a:ext cx="3082200" cy="3083700"/>
+          </a:xfrm>
+          <a:prstGeom prst="rect">
+            <a:avLst/>
+          </a:prstGeom>
+        </p:spPr>
+        <p:txBody>
+          <a:bodyPr anchorCtr="0" anchor="t" bIns="91425" lIns="91425" spcFirstLastPara="1" rIns="91425" wrap="square" tIns="91425">
+            <a:normAutofit/>
+          </a:bodyPr>
+          <a:lstStyle/>
+          <a:p>
+            <a:pPr indent="0" lvl="0" marL="0" rtl="0" algn="l">
+              <a:spcBef>
+                <a:spcPts val="0"/>
+              </a:spcBef>
+              <a:spcAft>
+                <a:spcPts val="0"/>
+              </a:spcAft>
+              <a:buNone/>
+            </a:pPr>
+            <a:r>
+              <a:t/>
+            </a:r>
+            <a:endParaRPr sz="100"/>
+          </a:p>
+          <a:p>
+            <a:pPr indent="-317500" lvl="0" marL="457200" rtl="0" algn="l">
+              <a:spcBef>
+                <a:spcPts val="1200"/>
+              </a:spcBef>
+              <a:spcAft>
+                <a:spcPts val="0"/>
+              </a:spcAft>
+              <a:buSzPts val="1400"/>
+              <a:buChar char="●"/>
+            </a:pPr>
+            <a:r>
+              <a:rPr lang="en"/>
+              <a:t>7 PCA features dominate</a:t>
+            </a:r>
+            <a:br>
+              <a:rPr lang="en"/>
+            </a:br>
+            <a:endParaRPr/>
+          </a:p>
+          <a:p>
+            <a:pPr indent="-317500" lvl="0" marL="457200" rtl="0" algn="l">
+              <a:spcBef>
+                <a:spcPts val="0"/>
+              </a:spcBef>
+              <a:spcAft>
+                <a:spcPts val="0"/>
+              </a:spcAft>
+              <a:buSzPts val="1400"/>
+              <a:buChar char="●"/>
+            </a:pPr>
+            <a:r>
+              <a:rPr lang="en"/>
+              <a:t>10 alloying elements were used initially</a:t>
+            </a:r>
+            <a:br>
+              <a:rPr lang="en"/>
+            </a:br>
+            <a:endParaRPr/>
+          </a:p>
+          <a:p>
+            <a:pPr indent="-317500" lvl="0" marL="457200" rtl="0" algn="l">
+              <a:spcBef>
+                <a:spcPts val="0"/>
+              </a:spcBef>
+              <a:spcAft>
+                <a:spcPts val="0"/>
+              </a:spcAft>
+              <a:buSzPts val="1400"/>
+              <a:buChar char="●"/>
+            </a:pPr>
+            <a:r>
+              <a:rPr lang="en"/>
+              <a:t>Consult a subject matter expert - Does this model correlate to known properties? </a:t>
+            </a:r>
+            <a:endParaRPr/>
+          </a:p>
+        </p:txBody>
+      </p:sp>
+      <p:pic>
+        <p:nvPicPr>
+          <p:cNvPr id="178" name="Google Shape;178;p20"/>
+          <p:cNvPicPr preferRelativeResize="0"/>
+          <p:nvPr/>
+        </p:nvPicPr>
+        <p:blipFill>
+          <a:blip r:embed="rId3">
+            <a:alphaModFix/>
+          </a:blip>
+          <a:stretch>
+            <a:fillRect/>
+          </a:stretch>
+        </p:blipFill>
+        <p:spPr>
+          <a:xfrm>
+            <a:off x="3529425" y="1651927"/>
+            <a:ext cx="5192424" cy="2596225"/>
+          </a:xfrm>
+          <a:prstGeom prst="rect">
+            <a:avLst/>
+          </a:prstGeom>
+          <a:noFill/>
+          <a:ln>
+            <a:noFill/>
+          </a:ln>
+        </p:spPr>
+      </p:pic>
+      <p:sp>
+        <p:nvSpPr>
+          <p:cNvPr id="179" name="Google Shape;179;p20"/>
+          <p:cNvSpPr txBox="1"/>
+          <p:nvPr/>
+        </p:nvSpPr>
+        <p:spPr>
+          <a:xfrm>
+            <a:off x="548125" y="1320925"/>
+            <a:ext cx="8173800" cy="589800"/>
+          </a:xfrm>
+          <a:prstGeom prst="rect">
+            <a:avLst/>
+          </a:prstGeom>
+          <a:noFill/>
+          <a:ln>
+            <a:noFill/>
+          </a:ln>
+        </p:spPr>
+        <p:txBody>
+          <a:bodyPr anchorCtr="0" anchor="t" bIns="91425" lIns="91425" spcFirstLastPara="1" rIns="91425" wrap="square" tIns="91425">
+            <a:noAutofit/>
+          </a:bodyPr>
+          <a:lstStyle/>
+          <a:p>
+            <a:pPr indent="0" lvl="0" marL="0" rtl="0" algn="l">
+              <a:lnSpc>
+                <a:spcPct val="115000"/>
+              </a:lnSpc>
+              <a:spcBef>
+                <a:spcPts val="0"/>
+              </a:spcBef>
+              <a:spcAft>
+                <a:spcPts val="1200"/>
+              </a:spcAft>
+              <a:buNone/>
+            </a:pPr>
+            <a:r>
+              <a:rPr lang="en" sz="1700">
+                <a:solidFill>
+                  <a:schemeClr val="dk2"/>
+                </a:solidFill>
+                <a:latin typeface="Inter Medium"/>
+                <a:ea typeface="Inter Medium"/>
+                <a:cs typeface="Inter Medium"/>
+                <a:sym typeface="Inter Medium"/>
+              </a:rPr>
+              <a:t>PCA confounds the explainability of the regression model</a:t>
+            </a:r>
+            <a:endParaRPr sz="2100">
+              <a:solidFill>
+                <a:schemeClr val="dk2"/>
+              </a:solidFill>
+              <a:latin typeface="Inter Medium"/>
+              <a:ea typeface="Inter Medium"/>
+              <a:cs typeface="Inter Medium"/>
+              <a:sym typeface="Inter Medium"/>
+            </a:endParaRPr>
+          </a:p>
+        </p:txBody>
+      </p:sp>
+      <p:sp>
+        <p:nvSpPr>
+          <p:cNvPr id="180" name="Google Shape;180;p20"/>
+          <p:cNvSpPr txBox="1"/>
+          <p:nvPr/>
+        </p:nvSpPr>
+        <p:spPr>
+          <a:xfrm>
+            <a:off x="3531450" y="4259300"/>
+            <a:ext cx="5192400" cy="467400"/>
+          </a:xfrm>
+          <a:prstGeom prst="rect">
+            <a:avLst/>
+          </a:prstGeom>
+          <a:noFill/>
+          <a:ln>
+            <a:noFill/>
+          </a:ln>
+        </p:spPr>
+        <p:txBody>
+          <a:bodyPr anchorCtr="0" anchor="t" bIns="91425" lIns="91425" spcFirstLastPara="1" rIns="91425" wrap="square" tIns="91425">
+            <a:normAutofit fontScale="85000"/>
+          </a:bodyPr>
+          <a:lstStyle/>
+          <a:p>
+            <a:pPr indent="0" lvl="0" marL="0" rtl="0" algn="l">
+              <a:spcBef>
+                <a:spcPts val="0"/>
+              </a:spcBef>
+              <a:spcAft>
+                <a:spcPts val="0"/>
+              </a:spcAft>
+              <a:buNone/>
+            </a:pPr>
+            <a:r>
+              <a:rPr lang="en" sz="1800">
+                <a:solidFill>
+                  <a:schemeClr val="dk2"/>
+                </a:solidFill>
+                <a:latin typeface="Inter Medium"/>
+                <a:ea typeface="Inter Medium"/>
+                <a:cs typeface="Inter Medium"/>
+                <a:sym typeface="Inter Medium"/>
+              </a:rPr>
+              <a:t>Alloying elements: C, Mn, Ni, Mo, Cr, V, Cu, Si, S, P</a:t>
+            </a:r>
+            <a:endParaRPr sz="1800">
+              <a:solidFill>
+                <a:schemeClr val="dk2"/>
+              </a:solidFill>
+              <a:latin typeface="Inter Medium"/>
+              <a:ea typeface="Inter Medium"/>
+              <a:cs typeface="Inter Medium"/>
+              <a:sym typeface="Inter Medium"/>
+            </a:endParaRPr>
+          </a:p>
+        </p:txBody>
+      </p:sp>
+    </p:spTree>
+  </p:cSld>
+  <p:clrMapOvr>
+    <a:masterClrMapping/>
+  </p:clrMapOvr>
+</p:sld>
+</file>
+
+<file path=ppt/slides/slide11.xml><?xml version="1.0" encoding="utf-8"?>
+<p:sld xmlns:a="http://schemas.openxmlformats.org/drawingml/2006/main" xmlns:r="http://schemas.openxmlformats.org/officeDocument/2006/relationships" xmlns:mc="http://schemas.openxmlformats.org/markup-compatibility/2006" xmlns:mv="urn:schemas-microsoft-com:mac:vml" xmlns:p="http://schemas.openxmlformats.org/presentationml/2006/main" xmlns:c="http://schemas.openxmlformats.org/drawingml/2006/chart" xmlns:dgm="http://schemas.openxmlformats.org/drawingml/2006/diagram" xmlns:o="urn:schemas-microsoft-com:office:office" xmlns:v="urn:schemas-microsoft-com:vml" xmlns:pvml="urn:schemas-microsoft-com:office:powerpoint" xmlns:com="http://schemas.openxmlformats.org/drawingml/2006/compatibility" xmlns:p14="http://schemas.microsoft.com/office/powerpoint/2010/main" xmlns:p15="http://schemas.microsoft.com/office/powerpoint/2012/main" xmlns:ahyp="http://schemas.microsoft.com/office/drawing/2018/hyperlinkcolor">
+  <p:cSld>
+    <p:spTree>
+      <p:nvGrpSpPr>
+        <p:cNvPr id="184" name="Shape 184"/>
+        <p:cNvGrpSpPr/>
+        <p:nvPr/>
+      </p:nvGrpSpPr>
+      <p:grpSpPr>
+        <a:xfrm>
+          <a:off x="0" y="0"/>
+          <a:ext cx="0" cy="0"/>
+          <a:chOff x="0" y="0"/>
+          <a:chExt cx="0" cy="0"/>
+        </a:xfrm>
+      </p:grpSpPr>
+      <p:sp>
+        <p:nvSpPr>
+          <p:cNvPr id="185" name="Google Shape;185;p21"/>
           <p:cNvSpPr txBox="1"/>
           <p:nvPr>
             <p:ph type="title"/>
@@ -7998,7 +8565,7 @@
       </p:sp>
       <p:sp>
         <p:nvSpPr>
-          <p:cNvPr id="171" name="Google Shape;171;p20"/>
+          <p:cNvPr id="186" name="Google Shape;186;p21"/>
           <p:cNvSpPr txBox="1"/>
           <p:nvPr>
             <p:ph idx="12" type="sldNum"/>
@@ -8044,12 +8611,12 @@
 </p:sld>
 </file>
 
-<file path=ppt/slides/slide11.xml><?xml version="1.0" encoding="utf-8"?>
+<file path=ppt/slides/slide12.xml><?xml version="1.0" encoding="utf-8"?>
 <p:sld xmlns:a="http://schemas.openxmlformats.org/drawingml/2006/main" xmlns:r="http://schemas.openxmlformats.org/officeDocument/2006/relationships" xmlns:mc="http://schemas.openxmlformats.org/markup-compatibility/2006" xmlns:mv="urn:schemas-microsoft-com:mac:vml" xmlns:p="http://schemas.openxmlformats.org/presentationml/2006/main" xmlns:c="http://schemas.openxmlformats.org/drawingml/2006/chart" xmlns:dgm="http://schemas.openxmlformats.org/drawingml/2006/diagram" xmlns:o="urn:schemas-microsoft-com:office:office" xmlns:v="urn:schemas-microsoft-com:vml" xmlns:pvml="urn:schemas-microsoft-com:office:powerpoint" xmlns:com="http://schemas.openxmlformats.org/drawingml/2006/compatibility" xmlns:p14="http://schemas.microsoft.com/office/powerpoint/2010/main" xmlns:p15="http://schemas.microsoft.com/office/powerpoint/2012/main" xmlns:ahyp="http://schemas.microsoft.com/office/drawing/2018/hyperlinkcolor">
   <p:cSld>
     <p:spTree>
       <p:nvGrpSpPr>
-        <p:cNvPr id="175" name="Shape 175"/>
+        <p:cNvPr id="190" name="Shape 190"/>
         <p:cNvGrpSpPr/>
         <p:nvPr/>
       </p:nvGrpSpPr>
@@ -8063,7 +8630,7 @@
       </p:grpSpPr>
       <p:sp>
         <p:nvSpPr>
-          <p:cNvPr id="176" name="Google Shape;176;p21"/>
+          <p:cNvPr id="191" name="Google Shape;191;p22"/>
           <p:cNvSpPr txBox="1"/>
           <p:nvPr>
             <p:ph idx="12" type="sldNum"/>
@@ -8111,7 +8678,7 @@
       </p:sp>
       <p:pic>
         <p:nvPicPr>
-          <p:cNvPr id="177" name="Google Shape;177;p21"/>
+          <p:cNvPr id="192" name="Google Shape;192;p22"/>
           <p:cNvPicPr preferRelativeResize="0"/>
           <p:nvPr/>
         </p:nvPicPr>
@@ -8139,7 +8706,7 @@
       </p:pic>
       <p:sp>
         <p:nvSpPr>
-          <p:cNvPr id="178" name="Google Shape;178;p21"/>
+          <p:cNvPr id="193" name="Google Shape;193;p22"/>
           <p:cNvSpPr txBox="1"/>
           <p:nvPr>
             <p:ph type="title"/>
@@ -8196,7 +8763,7 @@
       </p:sp>
       <p:sp>
         <p:nvSpPr>
-          <p:cNvPr id="179" name="Google Shape;179;p21"/>
+          <p:cNvPr id="194" name="Google Shape;194;p22"/>
           <p:cNvSpPr txBox="1"/>
           <p:nvPr>
             <p:ph idx="1" type="subTitle"/>
@@ -8240,7 +8807,7 @@
       </p:sp>
       <p:sp>
         <p:nvSpPr>
-          <p:cNvPr id="180" name="Google Shape;180;p21"/>
+          <p:cNvPr id="195" name="Google Shape;195;p22"/>
           <p:cNvSpPr txBox="1"/>
           <p:nvPr>
             <p:ph idx="2" type="body"/>
@@ -8279,7 +8846,7 @@
       </p:sp>
       <p:sp>
         <p:nvSpPr>
-          <p:cNvPr id="181" name="Google Shape;181;p21"/>
+          <p:cNvPr id="196" name="Google Shape;196;p22"/>
           <p:cNvSpPr txBox="1"/>
           <p:nvPr/>
         </p:nvSpPr>
@@ -8339,6 +8906,2508 @@
               <a:ea typeface="Inter Medium"/>
               <a:cs typeface="Inter Medium"/>
               <a:sym typeface="Inter Medium"/>
+            </a:endParaRPr>
+          </a:p>
+        </p:txBody>
+      </p:sp>
+    </p:spTree>
+  </p:cSld>
+  <p:clrMapOvr>
+    <a:masterClrMapping/>
+  </p:clrMapOvr>
+</p:sld>
+</file>
+
+<file path=ppt/slides/slide13.xml><?xml version="1.0" encoding="utf-8"?>
+<p:sld xmlns:a="http://schemas.openxmlformats.org/drawingml/2006/main" xmlns:r="http://schemas.openxmlformats.org/officeDocument/2006/relationships" xmlns:mc="http://schemas.openxmlformats.org/markup-compatibility/2006" xmlns:mv="urn:schemas-microsoft-com:mac:vml" xmlns:p="http://schemas.openxmlformats.org/presentationml/2006/main" xmlns:c="http://schemas.openxmlformats.org/drawingml/2006/chart" xmlns:dgm="http://schemas.openxmlformats.org/drawingml/2006/diagram" xmlns:o="urn:schemas-microsoft-com:office:office" xmlns:v="urn:schemas-microsoft-com:vml" xmlns:pvml="urn:schemas-microsoft-com:office:powerpoint" xmlns:com="http://schemas.openxmlformats.org/drawingml/2006/compatibility" xmlns:p14="http://schemas.microsoft.com/office/powerpoint/2010/main" xmlns:p15="http://schemas.microsoft.com/office/powerpoint/2012/main" xmlns:ahyp="http://schemas.microsoft.com/office/drawing/2018/hyperlinkcolor">
+  <p:cSld>
+    <p:spTree>
+      <p:nvGrpSpPr>
+        <p:cNvPr id="200" name="Shape 200"/>
+        <p:cNvGrpSpPr/>
+        <p:nvPr/>
+      </p:nvGrpSpPr>
+      <p:grpSpPr>
+        <a:xfrm>
+          <a:off x="0" y="0"/>
+          <a:ext cx="0" cy="0"/>
+          <a:chOff x="0" y="0"/>
+          <a:chExt cx="0" cy="0"/>
+        </a:xfrm>
+      </p:grpSpPr>
+      <p:graphicFrame>
+        <p:nvGraphicFramePr>
+          <p:cNvPr id="201" name="Google Shape;201;p23"/>
+          <p:cNvGraphicFramePr/>
+          <p:nvPr/>
+        </p:nvGraphicFramePr>
+        <p:xfrm>
+          <a:off x="545900" y="1211350"/>
+          <a:ext cx="3000000" cy="3000000"/>
+        </p:xfrm>
+        <a:graphic>
+          <a:graphicData uri="http://schemas.openxmlformats.org/drawingml/2006/table">
+            <a:tbl>
+              <a:tblPr>
+                <a:noFill/>
+                <a:tableStyleId>{F9421131-FA69-421E-910E-79E259B94192}</a:tableStyleId>
+              </a:tblPr>
+              <a:tblGrid>
+                <a:gridCol w="1537175"/>
+                <a:gridCol w="1106475"/>
+                <a:gridCol w="1106475"/>
+                <a:gridCol w="1106475"/>
+                <a:gridCol w="1106475"/>
+                <a:gridCol w="1106475"/>
+                <a:gridCol w="1106475"/>
+              </a:tblGrid>
+              <a:tr h="589225">
+                <a:tc rowSpan="2">
+                  <a:txBody>
+                    <a:bodyPr/>
+                    <a:lstStyle/>
+                    <a:p>
+                      <a:pPr indent="0" lvl="0" marL="0" rtl="0" algn="l">
+                        <a:spcBef>
+                          <a:spcPts val="0"/>
+                        </a:spcBef>
+                        <a:spcAft>
+                          <a:spcPts val="0"/>
+                        </a:spcAft>
+                        <a:buNone/>
+                      </a:pPr>
+                      <a:r>
+                        <a:rPr b="1" lang="en" sz="1500">
+                          <a:solidFill>
+                            <a:schemeClr val="dk2"/>
+                          </a:solidFill>
+                        </a:rPr>
+                        <a:t>Classifier </a:t>
+                      </a:r>
+                      <a:endParaRPr b="1" sz="1500">
+                        <a:solidFill>
+                          <a:schemeClr val="dk2"/>
+                        </a:solidFill>
+                      </a:endParaRPr>
+                    </a:p>
+                  </a:txBody>
+                  <a:tcPr marT="91425" marB="91425" marR="91425" marL="91425" anchor="b">
+                    <a:lnL cap="flat" cmpd="sng" w="9525">
+                      <a:solidFill>
+                        <a:schemeClr val="dk1"/>
+                      </a:solidFill>
+                      <a:prstDash val="solid"/>
+                      <a:round/>
+                      <a:headEnd len="sm" w="sm" type="none"/>
+                      <a:tailEnd len="sm" w="sm" type="none"/>
+                    </a:lnL>
+                    <a:lnR cap="flat" cmpd="sng" w="9525">
+                      <a:solidFill>
+                        <a:schemeClr val="dk1"/>
+                      </a:solidFill>
+                      <a:prstDash val="solid"/>
+                      <a:round/>
+                      <a:headEnd len="sm" w="sm" type="none"/>
+                      <a:tailEnd len="sm" w="sm" type="none"/>
+                    </a:lnR>
+                    <a:lnT cap="flat" cmpd="sng" w="9525">
+                      <a:solidFill>
+                        <a:schemeClr val="dk1"/>
+                      </a:solidFill>
+                      <a:prstDash val="solid"/>
+                      <a:round/>
+                      <a:headEnd len="sm" w="sm" type="none"/>
+                      <a:tailEnd len="sm" w="sm" type="none"/>
+                    </a:lnT>
+                    <a:lnB cap="flat" cmpd="sng" w="9525">
+                      <a:solidFill>
+                        <a:schemeClr val="dk1"/>
+                      </a:solidFill>
+                      <a:prstDash val="solid"/>
+                      <a:round/>
+                      <a:headEnd len="sm" w="sm" type="none"/>
+                      <a:tailEnd len="sm" w="sm" type="none"/>
+                    </a:lnB>
+                  </a:tcPr>
+                </a:tc>
+                <a:tc gridSpan="3">
+                  <a:txBody>
+                    <a:bodyPr/>
+                    <a:lstStyle/>
+                    <a:p>
+                      <a:pPr indent="0" lvl="0" marL="0" rtl="0" algn="l">
+                        <a:spcBef>
+                          <a:spcPts val="0"/>
+                        </a:spcBef>
+                        <a:spcAft>
+                          <a:spcPts val="0"/>
+                        </a:spcAft>
+                        <a:buNone/>
+                      </a:pPr>
+                      <a:r>
+                        <a:rPr b="1" lang="en" sz="1800">
+                          <a:solidFill>
+                            <a:schemeClr val="dk2"/>
+                          </a:solidFill>
+                        </a:rPr>
+                        <a:t>Training Set</a:t>
+                      </a:r>
+                      <a:endParaRPr b="1" sz="1800">
+                        <a:solidFill>
+                          <a:schemeClr val="dk2"/>
+                        </a:solidFill>
+                      </a:endParaRPr>
+                    </a:p>
+                  </a:txBody>
+                  <a:tcPr marT="91425" marB="91425" marR="91425" marL="91425" anchor="b">
+                    <a:lnL cap="flat" cmpd="sng" w="9525">
+                      <a:solidFill>
+                        <a:schemeClr val="dk1"/>
+                      </a:solidFill>
+                      <a:prstDash val="solid"/>
+                      <a:round/>
+                      <a:headEnd len="sm" w="sm" type="none"/>
+                      <a:tailEnd len="sm" w="sm" type="none"/>
+                    </a:lnL>
+                    <a:lnR cap="flat" cmpd="sng" w="9525">
+                      <a:solidFill>
+                        <a:schemeClr val="dk1"/>
+                      </a:solidFill>
+                      <a:prstDash val="solid"/>
+                      <a:round/>
+                      <a:headEnd len="sm" w="sm" type="none"/>
+                      <a:tailEnd len="sm" w="sm" type="none"/>
+                    </a:lnR>
+                    <a:lnT cap="flat" cmpd="sng" w="9525">
+                      <a:solidFill>
+                        <a:schemeClr val="dk1"/>
+                      </a:solidFill>
+                      <a:prstDash val="solid"/>
+                      <a:round/>
+                      <a:headEnd len="sm" w="sm" type="none"/>
+                      <a:tailEnd len="sm" w="sm" type="none"/>
+                    </a:lnT>
+                    <a:lnB cap="flat" cmpd="sng" w="9525">
+                      <a:solidFill>
+                        <a:schemeClr val="dk1"/>
+                      </a:solidFill>
+                      <a:prstDash val="solid"/>
+                      <a:round/>
+                      <a:headEnd len="sm" w="sm" type="none"/>
+                      <a:tailEnd len="sm" w="sm" type="none"/>
+                    </a:lnB>
+                  </a:tcPr>
+                </a:tc>
+                <a:tc hMerge="1"/>
+                <a:tc hMerge="1"/>
+                <a:tc gridSpan="3">
+                  <a:txBody>
+                    <a:bodyPr/>
+                    <a:lstStyle/>
+                    <a:p>
+                      <a:pPr indent="0" lvl="0" marL="0" rtl="0" algn="l">
+                        <a:spcBef>
+                          <a:spcPts val="0"/>
+                        </a:spcBef>
+                        <a:spcAft>
+                          <a:spcPts val="0"/>
+                        </a:spcAft>
+                        <a:buNone/>
+                      </a:pPr>
+                      <a:r>
+                        <a:rPr b="1" lang="en" sz="1800">
+                          <a:solidFill>
+                            <a:schemeClr val="dk2"/>
+                          </a:solidFill>
+                        </a:rPr>
+                        <a:t>Testing Set</a:t>
+                      </a:r>
+                      <a:endParaRPr b="1" sz="1800">
+                        <a:solidFill>
+                          <a:schemeClr val="dk2"/>
+                        </a:solidFill>
+                      </a:endParaRPr>
+                    </a:p>
+                  </a:txBody>
+                  <a:tcPr marT="91425" marB="91425" marR="91425" marL="91425" anchor="b">
+                    <a:lnL cap="flat" cmpd="sng" w="9525">
+                      <a:solidFill>
+                        <a:schemeClr val="dk1"/>
+                      </a:solidFill>
+                      <a:prstDash val="solid"/>
+                      <a:round/>
+                      <a:headEnd len="sm" w="sm" type="none"/>
+                      <a:tailEnd len="sm" w="sm" type="none"/>
+                    </a:lnL>
+                    <a:lnR cap="flat" cmpd="sng" w="9525">
+                      <a:solidFill>
+                        <a:schemeClr val="dk1"/>
+                      </a:solidFill>
+                      <a:prstDash val="solid"/>
+                      <a:round/>
+                      <a:headEnd len="sm" w="sm" type="none"/>
+                      <a:tailEnd len="sm" w="sm" type="none"/>
+                    </a:lnR>
+                    <a:lnT cap="flat" cmpd="sng" w="9525">
+                      <a:solidFill>
+                        <a:schemeClr val="dk1"/>
+                      </a:solidFill>
+                      <a:prstDash val="solid"/>
+                      <a:round/>
+                      <a:headEnd len="sm" w="sm" type="none"/>
+                      <a:tailEnd len="sm" w="sm" type="none"/>
+                    </a:lnT>
+                    <a:lnB cap="flat" cmpd="sng" w="9525">
+                      <a:solidFill>
+                        <a:schemeClr val="dk1"/>
+                      </a:solidFill>
+                      <a:prstDash val="solid"/>
+                      <a:round/>
+                      <a:headEnd len="sm" w="sm" type="none"/>
+                      <a:tailEnd len="sm" w="sm" type="none"/>
+                    </a:lnB>
+                  </a:tcPr>
+                </a:tc>
+                <a:tc hMerge="1"/>
+                <a:tc hMerge="1"/>
+              </a:tr>
+              <a:tr h="800500">
+                <a:tc vMerge="1"/>
+                <a:tc>
+                  <a:txBody>
+                    <a:bodyPr/>
+                    <a:lstStyle/>
+                    <a:p>
+                      <a:pPr indent="0" lvl="0" marL="0" rtl="0" algn="ctr">
+                        <a:spcBef>
+                          <a:spcPts val="0"/>
+                        </a:spcBef>
+                        <a:spcAft>
+                          <a:spcPts val="0"/>
+                        </a:spcAft>
+                        <a:buNone/>
+                      </a:pPr>
+                      <a:r>
+                        <a:rPr b="1" lang="en">
+                          <a:solidFill>
+                            <a:schemeClr val="dk2"/>
+                          </a:solidFill>
+                        </a:rPr>
+                        <a:t>Temp</a:t>
+                      </a:r>
+                      <a:r>
+                        <a:rPr b="1" lang="en">
+                          <a:solidFill>
+                            <a:schemeClr val="dk2"/>
+                          </a:solidFill>
+                        </a:rPr>
+                        <a:t>.</a:t>
+                      </a:r>
+                      <a:endParaRPr b="1">
+                        <a:solidFill>
+                          <a:schemeClr val="dk2"/>
+                        </a:solidFill>
+                      </a:endParaRPr>
+                    </a:p>
+                    <a:p>
+                      <a:pPr indent="0" lvl="0" marL="0" rtl="0" algn="ctr">
+                        <a:spcBef>
+                          <a:spcPts val="0"/>
+                        </a:spcBef>
+                        <a:spcAft>
+                          <a:spcPts val="0"/>
+                        </a:spcAft>
+                        <a:buNone/>
+                      </a:pPr>
+                      <a:r>
+                        <a:rPr b="1" lang="en">
+                          <a:solidFill>
+                            <a:schemeClr val="dk2"/>
+                          </a:solidFill>
+                        </a:rPr>
+                        <a:t>Acc.</a:t>
+                      </a:r>
+                      <a:endParaRPr b="1">
+                        <a:solidFill>
+                          <a:schemeClr val="dk2"/>
+                        </a:solidFill>
+                      </a:endParaRPr>
+                    </a:p>
+                    <a:p>
+                      <a:pPr indent="0" lvl="0" marL="0" rtl="0" algn="ctr">
+                        <a:spcBef>
+                          <a:spcPts val="0"/>
+                        </a:spcBef>
+                        <a:spcAft>
+                          <a:spcPts val="0"/>
+                        </a:spcAft>
+                        <a:buNone/>
+                      </a:pPr>
+                      <a:r>
+                        <a:rPr lang="en">
+                          <a:solidFill>
+                            <a:schemeClr val="dk2"/>
+                          </a:solidFill>
+                        </a:rPr>
+                        <a:t>(%)</a:t>
+                      </a:r>
+                      <a:endParaRPr>
+                        <a:solidFill>
+                          <a:schemeClr val="dk2"/>
+                        </a:solidFill>
+                      </a:endParaRPr>
+                    </a:p>
+                  </a:txBody>
+                  <a:tcPr marT="91425" marB="91425" marR="91425" marL="91425" anchor="ctr">
+                    <a:lnL cap="flat" cmpd="sng" w="9525">
+                      <a:solidFill>
+                        <a:schemeClr val="dk1"/>
+                      </a:solidFill>
+                      <a:prstDash val="solid"/>
+                      <a:round/>
+                      <a:headEnd len="sm" w="sm" type="none"/>
+                      <a:tailEnd len="sm" w="sm" type="none"/>
+                    </a:lnL>
+                    <a:lnR cap="flat" cmpd="sng" w="9525">
+                      <a:solidFill>
+                        <a:schemeClr val="dk1"/>
+                      </a:solidFill>
+                      <a:prstDash val="solid"/>
+                      <a:round/>
+                      <a:headEnd len="sm" w="sm" type="none"/>
+                      <a:tailEnd len="sm" w="sm" type="none"/>
+                    </a:lnR>
+                    <a:lnT cap="flat" cmpd="sng" w="9525">
+                      <a:solidFill>
+                        <a:schemeClr val="dk1"/>
+                      </a:solidFill>
+                      <a:prstDash val="solid"/>
+                      <a:round/>
+                      <a:headEnd len="sm" w="sm" type="none"/>
+                      <a:tailEnd len="sm" w="sm" type="none"/>
+                    </a:lnT>
+                    <a:lnB cap="flat" cmpd="sng" w="9525">
+                      <a:solidFill>
+                        <a:schemeClr val="dk1"/>
+                      </a:solidFill>
+                      <a:prstDash val="solid"/>
+                      <a:round/>
+                      <a:headEnd len="sm" w="sm" type="none"/>
+                      <a:tailEnd len="sm" w="sm" type="none"/>
+                    </a:lnB>
+                  </a:tcPr>
+                </a:tc>
+                <a:tc>
+                  <a:txBody>
+                    <a:bodyPr/>
+                    <a:lstStyle/>
+                    <a:p>
+                      <a:pPr indent="0" lvl="0" marL="0" rtl="0" algn="ctr">
+                        <a:spcBef>
+                          <a:spcPts val="0"/>
+                        </a:spcBef>
+                        <a:spcAft>
+                          <a:spcPts val="0"/>
+                        </a:spcAft>
+                        <a:buNone/>
+                      </a:pPr>
+                      <a:r>
+                        <a:rPr b="1" lang="en">
+                          <a:solidFill>
+                            <a:schemeClr val="dk2"/>
+                          </a:solidFill>
+                        </a:rPr>
+                        <a:t>Time</a:t>
+                      </a:r>
+                      <a:endParaRPr b="1">
+                        <a:solidFill>
+                          <a:schemeClr val="dk2"/>
+                        </a:solidFill>
+                      </a:endParaRPr>
+                    </a:p>
+                    <a:p>
+                      <a:pPr indent="0" lvl="0" marL="0" rtl="0" algn="ctr">
+                        <a:spcBef>
+                          <a:spcPts val="0"/>
+                        </a:spcBef>
+                        <a:spcAft>
+                          <a:spcPts val="0"/>
+                        </a:spcAft>
+                        <a:buNone/>
+                      </a:pPr>
+                      <a:r>
+                        <a:rPr b="1" lang="en">
+                          <a:solidFill>
+                            <a:schemeClr val="dk2"/>
+                          </a:solidFill>
+                        </a:rPr>
+                        <a:t>Acc.</a:t>
+                      </a:r>
+                      <a:endParaRPr b="1">
+                        <a:solidFill>
+                          <a:schemeClr val="dk2"/>
+                        </a:solidFill>
+                      </a:endParaRPr>
+                    </a:p>
+                    <a:p>
+                      <a:pPr indent="0" lvl="0" marL="0" rtl="0" algn="ctr">
+                        <a:spcBef>
+                          <a:spcPts val="0"/>
+                        </a:spcBef>
+                        <a:spcAft>
+                          <a:spcPts val="0"/>
+                        </a:spcAft>
+                        <a:buNone/>
+                      </a:pPr>
+                      <a:r>
+                        <a:rPr lang="en">
+                          <a:solidFill>
+                            <a:schemeClr val="dk2"/>
+                          </a:solidFill>
+                        </a:rPr>
+                        <a:t>(%)</a:t>
+                      </a:r>
+                      <a:endParaRPr>
+                        <a:solidFill>
+                          <a:schemeClr val="dk2"/>
+                        </a:solidFill>
+                      </a:endParaRPr>
+                    </a:p>
+                  </a:txBody>
+                  <a:tcPr marT="91425" marB="91425" marR="91425" marL="91425" anchor="ctr">
+                    <a:lnL cap="flat" cmpd="sng" w="9525">
+                      <a:solidFill>
+                        <a:schemeClr val="dk1"/>
+                      </a:solidFill>
+                      <a:prstDash val="solid"/>
+                      <a:round/>
+                      <a:headEnd len="sm" w="sm" type="none"/>
+                      <a:tailEnd len="sm" w="sm" type="none"/>
+                    </a:lnL>
+                    <a:lnR cap="flat" cmpd="sng" w="9525">
+                      <a:solidFill>
+                        <a:schemeClr val="dk1"/>
+                      </a:solidFill>
+                      <a:prstDash val="solid"/>
+                      <a:round/>
+                      <a:headEnd len="sm" w="sm" type="none"/>
+                      <a:tailEnd len="sm" w="sm" type="none"/>
+                    </a:lnR>
+                    <a:lnT cap="flat" cmpd="sng" w="9525">
+                      <a:solidFill>
+                        <a:schemeClr val="dk1"/>
+                      </a:solidFill>
+                      <a:prstDash val="solid"/>
+                      <a:round/>
+                      <a:headEnd len="sm" w="sm" type="none"/>
+                      <a:tailEnd len="sm" w="sm" type="none"/>
+                    </a:lnT>
+                    <a:lnB cap="flat" cmpd="sng" w="9525">
+                      <a:solidFill>
+                        <a:schemeClr val="dk1"/>
+                      </a:solidFill>
+                      <a:prstDash val="solid"/>
+                      <a:round/>
+                      <a:headEnd len="sm" w="sm" type="none"/>
+                      <a:tailEnd len="sm" w="sm" type="none"/>
+                    </a:lnB>
+                  </a:tcPr>
+                </a:tc>
+                <a:tc>
+                  <a:txBody>
+                    <a:bodyPr/>
+                    <a:lstStyle/>
+                    <a:p>
+                      <a:pPr indent="0" lvl="0" marL="0" rtl="0" algn="ctr">
+                        <a:spcBef>
+                          <a:spcPts val="0"/>
+                        </a:spcBef>
+                        <a:spcAft>
+                          <a:spcPts val="0"/>
+                        </a:spcAft>
+                        <a:buNone/>
+                      </a:pPr>
+                      <a:r>
+                        <a:rPr b="1" lang="en">
+                          <a:solidFill>
+                            <a:schemeClr val="dk2"/>
+                          </a:solidFill>
+                        </a:rPr>
+                        <a:t>Comb.</a:t>
+                      </a:r>
+                      <a:endParaRPr b="1">
+                        <a:solidFill>
+                          <a:schemeClr val="dk2"/>
+                        </a:solidFill>
+                      </a:endParaRPr>
+                    </a:p>
+                    <a:p>
+                      <a:pPr indent="0" lvl="0" marL="0" rtl="0" algn="ctr">
+                        <a:spcBef>
+                          <a:spcPts val="0"/>
+                        </a:spcBef>
+                        <a:spcAft>
+                          <a:spcPts val="0"/>
+                        </a:spcAft>
+                        <a:buNone/>
+                      </a:pPr>
+                      <a:r>
+                        <a:rPr b="1" lang="en">
+                          <a:solidFill>
+                            <a:schemeClr val="dk2"/>
+                          </a:solidFill>
+                        </a:rPr>
+                        <a:t>Acc.</a:t>
+                      </a:r>
+                      <a:endParaRPr b="1">
+                        <a:solidFill>
+                          <a:schemeClr val="dk2"/>
+                        </a:solidFill>
+                      </a:endParaRPr>
+                    </a:p>
+                    <a:p>
+                      <a:pPr indent="0" lvl="0" marL="0" rtl="0" algn="ctr">
+                        <a:spcBef>
+                          <a:spcPts val="0"/>
+                        </a:spcBef>
+                        <a:spcAft>
+                          <a:spcPts val="0"/>
+                        </a:spcAft>
+                        <a:buNone/>
+                      </a:pPr>
+                      <a:r>
+                        <a:rPr lang="en">
+                          <a:solidFill>
+                            <a:schemeClr val="dk2"/>
+                          </a:solidFill>
+                        </a:rPr>
+                        <a:t>(%)</a:t>
+                      </a:r>
+                      <a:endParaRPr>
+                        <a:solidFill>
+                          <a:schemeClr val="dk2"/>
+                        </a:solidFill>
+                      </a:endParaRPr>
+                    </a:p>
+                  </a:txBody>
+                  <a:tcPr marT="91425" marB="91425" marR="91425" marL="91425" anchor="ctr">
+                    <a:lnL cap="flat" cmpd="sng" w="9525">
+                      <a:solidFill>
+                        <a:schemeClr val="dk1"/>
+                      </a:solidFill>
+                      <a:prstDash val="solid"/>
+                      <a:round/>
+                      <a:headEnd len="sm" w="sm" type="none"/>
+                      <a:tailEnd len="sm" w="sm" type="none"/>
+                    </a:lnL>
+                    <a:lnR cap="flat" cmpd="sng" w="9525">
+                      <a:solidFill>
+                        <a:schemeClr val="dk1"/>
+                      </a:solidFill>
+                      <a:prstDash val="solid"/>
+                      <a:round/>
+                      <a:headEnd len="sm" w="sm" type="none"/>
+                      <a:tailEnd len="sm" w="sm" type="none"/>
+                    </a:lnR>
+                    <a:lnT cap="flat" cmpd="sng" w="9525">
+                      <a:solidFill>
+                        <a:schemeClr val="dk1"/>
+                      </a:solidFill>
+                      <a:prstDash val="solid"/>
+                      <a:round/>
+                      <a:headEnd len="sm" w="sm" type="none"/>
+                      <a:tailEnd len="sm" w="sm" type="none"/>
+                    </a:lnT>
+                    <a:lnB cap="flat" cmpd="sng" w="9525">
+                      <a:solidFill>
+                        <a:schemeClr val="dk1"/>
+                      </a:solidFill>
+                      <a:prstDash val="solid"/>
+                      <a:round/>
+                      <a:headEnd len="sm" w="sm" type="none"/>
+                      <a:tailEnd len="sm" w="sm" type="none"/>
+                    </a:lnB>
+                  </a:tcPr>
+                </a:tc>
+                <a:tc>
+                  <a:txBody>
+                    <a:bodyPr/>
+                    <a:lstStyle/>
+                    <a:p>
+                      <a:pPr indent="0" lvl="0" marL="0" rtl="0" algn="ctr">
+                        <a:spcBef>
+                          <a:spcPts val="0"/>
+                        </a:spcBef>
+                        <a:spcAft>
+                          <a:spcPts val="0"/>
+                        </a:spcAft>
+                        <a:buNone/>
+                      </a:pPr>
+                      <a:r>
+                        <a:rPr b="1" lang="en">
+                          <a:solidFill>
+                            <a:schemeClr val="dk2"/>
+                          </a:solidFill>
+                        </a:rPr>
+                        <a:t>Temp.</a:t>
+                      </a:r>
+                      <a:endParaRPr b="1">
+                        <a:solidFill>
+                          <a:schemeClr val="dk2"/>
+                        </a:solidFill>
+                      </a:endParaRPr>
+                    </a:p>
+                    <a:p>
+                      <a:pPr indent="0" lvl="0" marL="0" rtl="0" algn="ctr">
+                        <a:spcBef>
+                          <a:spcPts val="0"/>
+                        </a:spcBef>
+                        <a:spcAft>
+                          <a:spcPts val="0"/>
+                        </a:spcAft>
+                        <a:buNone/>
+                      </a:pPr>
+                      <a:r>
+                        <a:rPr b="1" lang="en">
+                          <a:solidFill>
+                            <a:schemeClr val="dk2"/>
+                          </a:solidFill>
+                        </a:rPr>
+                        <a:t>Acc.</a:t>
+                      </a:r>
+                      <a:endParaRPr b="1">
+                        <a:solidFill>
+                          <a:schemeClr val="dk2"/>
+                        </a:solidFill>
+                      </a:endParaRPr>
+                    </a:p>
+                    <a:p>
+                      <a:pPr indent="0" lvl="0" marL="0" rtl="0" algn="ctr">
+                        <a:spcBef>
+                          <a:spcPts val="0"/>
+                        </a:spcBef>
+                        <a:spcAft>
+                          <a:spcPts val="0"/>
+                        </a:spcAft>
+                        <a:buNone/>
+                      </a:pPr>
+                      <a:r>
+                        <a:rPr lang="en">
+                          <a:solidFill>
+                            <a:schemeClr val="dk2"/>
+                          </a:solidFill>
+                        </a:rPr>
+                        <a:t>(%)</a:t>
+                      </a:r>
+                      <a:endParaRPr>
+                        <a:solidFill>
+                          <a:schemeClr val="dk2"/>
+                        </a:solidFill>
+                      </a:endParaRPr>
+                    </a:p>
+                  </a:txBody>
+                  <a:tcPr marT="91425" marB="91425" marR="91425" marL="91425" anchor="ctr">
+                    <a:lnL cap="flat" cmpd="sng" w="9525">
+                      <a:solidFill>
+                        <a:schemeClr val="dk1"/>
+                      </a:solidFill>
+                      <a:prstDash val="solid"/>
+                      <a:round/>
+                      <a:headEnd len="sm" w="sm" type="none"/>
+                      <a:tailEnd len="sm" w="sm" type="none"/>
+                    </a:lnL>
+                    <a:lnR cap="flat" cmpd="sng" w="9525">
+                      <a:solidFill>
+                        <a:schemeClr val="dk1"/>
+                      </a:solidFill>
+                      <a:prstDash val="solid"/>
+                      <a:round/>
+                      <a:headEnd len="sm" w="sm" type="none"/>
+                      <a:tailEnd len="sm" w="sm" type="none"/>
+                    </a:lnR>
+                    <a:lnT cap="flat" cmpd="sng" w="9525">
+                      <a:solidFill>
+                        <a:schemeClr val="dk1"/>
+                      </a:solidFill>
+                      <a:prstDash val="solid"/>
+                      <a:round/>
+                      <a:headEnd len="sm" w="sm" type="none"/>
+                      <a:tailEnd len="sm" w="sm" type="none"/>
+                    </a:lnT>
+                    <a:lnB cap="flat" cmpd="sng" w="9525">
+                      <a:solidFill>
+                        <a:schemeClr val="dk1"/>
+                      </a:solidFill>
+                      <a:prstDash val="solid"/>
+                      <a:round/>
+                      <a:headEnd len="sm" w="sm" type="none"/>
+                      <a:tailEnd len="sm" w="sm" type="none"/>
+                    </a:lnB>
+                  </a:tcPr>
+                </a:tc>
+                <a:tc>
+                  <a:txBody>
+                    <a:bodyPr/>
+                    <a:lstStyle/>
+                    <a:p>
+                      <a:pPr indent="0" lvl="0" marL="0" rtl="0" algn="ctr">
+                        <a:spcBef>
+                          <a:spcPts val="0"/>
+                        </a:spcBef>
+                        <a:spcAft>
+                          <a:spcPts val="0"/>
+                        </a:spcAft>
+                        <a:buNone/>
+                      </a:pPr>
+                      <a:r>
+                        <a:rPr b="1" lang="en">
+                          <a:solidFill>
+                            <a:schemeClr val="dk2"/>
+                          </a:solidFill>
+                        </a:rPr>
+                        <a:t>Time</a:t>
+                      </a:r>
+                      <a:endParaRPr b="1">
+                        <a:solidFill>
+                          <a:schemeClr val="dk2"/>
+                        </a:solidFill>
+                      </a:endParaRPr>
+                    </a:p>
+                    <a:p>
+                      <a:pPr indent="0" lvl="0" marL="0" rtl="0" algn="ctr">
+                        <a:spcBef>
+                          <a:spcPts val="0"/>
+                        </a:spcBef>
+                        <a:spcAft>
+                          <a:spcPts val="0"/>
+                        </a:spcAft>
+                        <a:buNone/>
+                      </a:pPr>
+                      <a:r>
+                        <a:rPr b="1" lang="en">
+                          <a:solidFill>
+                            <a:schemeClr val="dk2"/>
+                          </a:solidFill>
+                        </a:rPr>
+                        <a:t>Acc.</a:t>
+                      </a:r>
+                      <a:endParaRPr b="1">
+                        <a:solidFill>
+                          <a:schemeClr val="dk2"/>
+                        </a:solidFill>
+                      </a:endParaRPr>
+                    </a:p>
+                    <a:p>
+                      <a:pPr indent="0" lvl="0" marL="0" rtl="0" algn="ctr">
+                        <a:spcBef>
+                          <a:spcPts val="0"/>
+                        </a:spcBef>
+                        <a:spcAft>
+                          <a:spcPts val="0"/>
+                        </a:spcAft>
+                        <a:buNone/>
+                      </a:pPr>
+                      <a:r>
+                        <a:rPr lang="en">
+                          <a:solidFill>
+                            <a:schemeClr val="dk2"/>
+                          </a:solidFill>
+                        </a:rPr>
+                        <a:t>(%)</a:t>
+                      </a:r>
+                      <a:endParaRPr>
+                        <a:solidFill>
+                          <a:schemeClr val="dk2"/>
+                        </a:solidFill>
+                      </a:endParaRPr>
+                    </a:p>
+                  </a:txBody>
+                  <a:tcPr marT="91425" marB="91425" marR="91425" marL="91425" anchor="ctr">
+                    <a:lnL cap="flat" cmpd="sng" w="9525">
+                      <a:solidFill>
+                        <a:schemeClr val="dk1"/>
+                      </a:solidFill>
+                      <a:prstDash val="solid"/>
+                      <a:round/>
+                      <a:headEnd len="sm" w="sm" type="none"/>
+                      <a:tailEnd len="sm" w="sm" type="none"/>
+                    </a:lnL>
+                    <a:lnR cap="flat" cmpd="sng" w="9525">
+                      <a:solidFill>
+                        <a:schemeClr val="dk1"/>
+                      </a:solidFill>
+                      <a:prstDash val="solid"/>
+                      <a:round/>
+                      <a:headEnd len="sm" w="sm" type="none"/>
+                      <a:tailEnd len="sm" w="sm" type="none"/>
+                    </a:lnR>
+                    <a:lnT cap="flat" cmpd="sng" w="9525">
+                      <a:solidFill>
+                        <a:schemeClr val="dk1"/>
+                      </a:solidFill>
+                      <a:prstDash val="solid"/>
+                      <a:round/>
+                      <a:headEnd len="sm" w="sm" type="none"/>
+                      <a:tailEnd len="sm" w="sm" type="none"/>
+                    </a:lnT>
+                    <a:lnB cap="flat" cmpd="sng" w="9525">
+                      <a:solidFill>
+                        <a:schemeClr val="dk1"/>
+                      </a:solidFill>
+                      <a:prstDash val="solid"/>
+                      <a:round/>
+                      <a:headEnd len="sm" w="sm" type="none"/>
+                      <a:tailEnd len="sm" w="sm" type="none"/>
+                    </a:lnB>
+                  </a:tcPr>
+                </a:tc>
+                <a:tc>
+                  <a:txBody>
+                    <a:bodyPr/>
+                    <a:lstStyle/>
+                    <a:p>
+                      <a:pPr indent="0" lvl="0" marL="0" rtl="0" algn="ctr">
+                        <a:spcBef>
+                          <a:spcPts val="0"/>
+                        </a:spcBef>
+                        <a:spcAft>
+                          <a:spcPts val="0"/>
+                        </a:spcAft>
+                        <a:buNone/>
+                      </a:pPr>
+                      <a:r>
+                        <a:rPr b="1" lang="en">
+                          <a:solidFill>
+                            <a:schemeClr val="dk2"/>
+                          </a:solidFill>
+                        </a:rPr>
+                        <a:t>Comb.</a:t>
+                      </a:r>
+                      <a:endParaRPr b="1">
+                        <a:solidFill>
+                          <a:schemeClr val="dk2"/>
+                        </a:solidFill>
+                      </a:endParaRPr>
+                    </a:p>
+                    <a:p>
+                      <a:pPr indent="0" lvl="0" marL="0" rtl="0" algn="ctr">
+                        <a:spcBef>
+                          <a:spcPts val="0"/>
+                        </a:spcBef>
+                        <a:spcAft>
+                          <a:spcPts val="0"/>
+                        </a:spcAft>
+                        <a:buNone/>
+                      </a:pPr>
+                      <a:r>
+                        <a:rPr b="1" lang="en">
+                          <a:solidFill>
+                            <a:schemeClr val="dk2"/>
+                          </a:solidFill>
+                        </a:rPr>
+                        <a:t>Acc.</a:t>
+                      </a:r>
+                      <a:endParaRPr b="1">
+                        <a:solidFill>
+                          <a:schemeClr val="dk2"/>
+                        </a:solidFill>
+                      </a:endParaRPr>
+                    </a:p>
+                    <a:p>
+                      <a:pPr indent="0" lvl="0" marL="0" rtl="0" algn="ctr">
+                        <a:spcBef>
+                          <a:spcPts val="0"/>
+                        </a:spcBef>
+                        <a:spcAft>
+                          <a:spcPts val="0"/>
+                        </a:spcAft>
+                        <a:buNone/>
+                      </a:pPr>
+                      <a:r>
+                        <a:rPr lang="en">
+                          <a:solidFill>
+                            <a:schemeClr val="dk2"/>
+                          </a:solidFill>
+                        </a:rPr>
+                        <a:t>(%)</a:t>
+                      </a:r>
+                      <a:endParaRPr>
+                        <a:solidFill>
+                          <a:schemeClr val="dk2"/>
+                        </a:solidFill>
+                      </a:endParaRPr>
+                    </a:p>
+                  </a:txBody>
+                  <a:tcPr marT="91425" marB="91425" marR="91425" marL="91425" anchor="ctr">
+                    <a:lnL cap="flat" cmpd="sng" w="9525">
+                      <a:solidFill>
+                        <a:schemeClr val="dk1"/>
+                      </a:solidFill>
+                      <a:prstDash val="solid"/>
+                      <a:round/>
+                      <a:headEnd len="sm" w="sm" type="none"/>
+                      <a:tailEnd len="sm" w="sm" type="none"/>
+                    </a:lnL>
+                    <a:lnR cap="flat" cmpd="sng" w="9525">
+                      <a:solidFill>
+                        <a:schemeClr val="dk1"/>
+                      </a:solidFill>
+                      <a:prstDash val="solid"/>
+                      <a:round/>
+                      <a:headEnd len="sm" w="sm" type="none"/>
+                      <a:tailEnd len="sm" w="sm" type="none"/>
+                    </a:lnR>
+                    <a:lnT cap="flat" cmpd="sng" w="9525">
+                      <a:solidFill>
+                        <a:schemeClr val="dk1"/>
+                      </a:solidFill>
+                      <a:prstDash val="solid"/>
+                      <a:round/>
+                      <a:headEnd len="sm" w="sm" type="none"/>
+                      <a:tailEnd len="sm" w="sm" type="none"/>
+                    </a:lnT>
+                    <a:lnB cap="flat" cmpd="sng" w="9525">
+                      <a:solidFill>
+                        <a:schemeClr val="dk1"/>
+                      </a:solidFill>
+                      <a:prstDash val="solid"/>
+                      <a:round/>
+                      <a:headEnd len="sm" w="sm" type="none"/>
+                      <a:tailEnd len="sm" w="sm" type="none"/>
+                    </a:lnB>
+                  </a:tcPr>
+                </a:tc>
+              </a:tr>
+              <a:tr h="770500">
+                <a:tc>
+                  <a:txBody>
+                    <a:bodyPr/>
+                    <a:lstStyle/>
+                    <a:p>
+                      <a:pPr indent="0" lvl="0" marL="0" rtl="0" algn="r">
+                        <a:spcBef>
+                          <a:spcPts val="0"/>
+                        </a:spcBef>
+                        <a:spcAft>
+                          <a:spcPts val="0"/>
+                        </a:spcAft>
+                        <a:buNone/>
+                      </a:pPr>
+                      <a:r>
+                        <a:rPr b="1" lang="en" sz="1500">
+                          <a:solidFill>
+                            <a:schemeClr val="dk2"/>
+                          </a:solidFill>
+                        </a:rPr>
+                        <a:t>Extra Trees</a:t>
+                      </a:r>
+                      <a:endParaRPr b="1" sz="1500">
+                        <a:solidFill>
+                          <a:schemeClr val="dk2"/>
+                        </a:solidFill>
+                      </a:endParaRPr>
+                    </a:p>
+                  </a:txBody>
+                  <a:tcPr marT="91425" marB="91425" marR="91425" marL="91425" anchor="ctr">
+                    <a:lnL cap="flat" cmpd="sng" w="9525">
+                      <a:solidFill>
+                        <a:schemeClr val="dk1"/>
+                      </a:solidFill>
+                      <a:prstDash val="solid"/>
+                      <a:round/>
+                      <a:headEnd len="sm" w="sm" type="none"/>
+                      <a:tailEnd len="sm" w="sm" type="none"/>
+                    </a:lnL>
+                    <a:lnR cap="flat" cmpd="sng" w="9525">
+                      <a:solidFill>
+                        <a:schemeClr val="dk1"/>
+                      </a:solidFill>
+                      <a:prstDash val="solid"/>
+                      <a:round/>
+                      <a:headEnd len="sm" w="sm" type="none"/>
+                      <a:tailEnd len="sm" w="sm" type="none"/>
+                    </a:lnR>
+                    <a:lnT cap="flat" cmpd="sng" w="9525">
+                      <a:solidFill>
+                        <a:schemeClr val="dk1"/>
+                      </a:solidFill>
+                      <a:prstDash val="solid"/>
+                      <a:round/>
+                      <a:headEnd len="sm" w="sm" type="none"/>
+                      <a:tailEnd len="sm" w="sm" type="none"/>
+                    </a:lnT>
+                    <a:lnB cap="flat" cmpd="sng" w="9525">
+                      <a:solidFill>
+                        <a:schemeClr val="dk1"/>
+                      </a:solidFill>
+                      <a:prstDash val="solid"/>
+                      <a:round/>
+                      <a:headEnd len="sm" w="sm" type="none"/>
+                      <a:tailEnd len="sm" w="sm" type="none"/>
+                    </a:lnB>
+                  </a:tcPr>
+                </a:tc>
+                <a:tc>
+                  <a:txBody>
+                    <a:bodyPr/>
+                    <a:lstStyle/>
+                    <a:p>
+                      <a:pPr indent="0" lvl="0" marL="0" rtl="0" algn="ctr">
+                        <a:spcBef>
+                          <a:spcPts val="0"/>
+                        </a:spcBef>
+                        <a:spcAft>
+                          <a:spcPts val="0"/>
+                        </a:spcAft>
+                        <a:buNone/>
+                      </a:pPr>
+                      <a:r>
+                        <a:rPr lang="en" sz="1600">
+                          <a:solidFill>
+                            <a:schemeClr val="dk2"/>
+                          </a:solidFill>
+                        </a:rPr>
+                        <a:t>93.7</a:t>
+                      </a:r>
+                      <a:endParaRPr sz="1600">
+                        <a:solidFill>
+                          <a:schemeClr val="dk2"/>
+                        </a:solidFill>
+                      </a:endParaRPr>
+                    </a:p>
+                  </a:txBody>
+                  <a:tcPr marT="91425" marB="91425" marR="91425" marL="91425" anchor="ctr">
+                    <a:lnL cap="flat" cmpd="sng" w="9525">
+                      <a:solidFill>
+                        <a:schemeClr val="dk1"/>
+                      </a:solidFill>
+                      <a:prstDash val="solid"/>
+                      <a:round/>
+                      <a:headEnd len="sm" w="sm" type="none"/>
+                      <a:tailEnd len="sm" w="sm" type="none"/>
+                    </a:lnL>
+                    <a:lnR cap="flat" cmpd="sng" w="9525">
+                      <a:solidFill>
+                        <a:schemeClr val="dk1"/>
+                      </a:solidFill>
+                      <a:prstDash val="solid"/>
+                      <a:round/>
+                      <a:headEnd len="sm" w="sm" type="none"/>
+                      <a:tailEnd len="sm" w="sm" type="none"/>
+                    </a:lnR>
+                    <a:lnT cap="flat" cmpd="sng" w="9525">
+                      <a:solidFill>
+                        <a:schemeClr val="dk1"/>
+                      </a:solidFill>
+                      <a:prstDash val="solid"/>
+                      <a:round/>
+                      <a:headEnd len="sm" w="sm" type="none"/>
+                      <a:tailEnd len="sm" w="sm" type="none"/>
+                    </a:lnT>
+                    <a:lnB cap="flat" cmpd="sng" w="9525">
+                      <a:solidFill>
+                        <a:schemeClr val="dk1"/>
+                      </a:solidFill>
+                      <a:prstDash val="solid"/>
+                      <a:round/>
+                      <a:headEnd len="sm" w="sm" type="none"/>
+                      <a:tailEnd len="sm" w="sm" type="none"/>
+                    </a:lnB>
+                  </a:tcPr>
+                </a:tc>
+                <a:tc>
+                  <a:txBody>
+                    <a:bodyPr/>
+                    <a:lstStyle/>
+                    <a:p>
+                      <a:pPr indent="0" lvl="0" marL="0" rtl="0" algn="ctr">
+                        <a:spcBef>
+                          <a:spcPts val="0"/>
+                        </a:spcBef>
+                        <a:spcAft>
+                          <a:spcPts val="0"/>
+                        </a:spcAft>
+                        <a:buNone/>
+                      </a:pPr>
+                      <a:r>
+                        <a:rPr lang="en" sz="1600">
+                          <a:solidFill>
+                            <a:schemeClr val="dk2"/>
+                          </a:solidFill>
+                        </a:rPr>
+                        <a:t>93.4</a:t>
+                      </a:r>
+                      <a:endParaRPr sz="1600">
+                        <a:solidFill>
+                          <a:schemeClr val="dk2"/>
+                        </a:solidFill>
+                      </a:endParaRPr>
+                    </a:p>
+                  </a:txBody>
+                  <a:tcPr marT="91425" marB="91425" marR="91425" marL="91425" anchor="ctr">
+                    <a:lnL cap="flat" cmpd="sng" w="9525">
+                      <a:solidFill>
+                        <a:schemeClr val="dk1"/>
+                      </a:solidFill>
+                      <a:prstDash val="solid"/>
+                      <a:round/>
+                      <a:headEnd len="sm" w="sm" type="none"/>
+                      <a:tailEnd len="sm" w="sm" type="none"/>
+                    </a:lnL>
+                    <a:lnR cap="flat" cmpd="sng" w="9525">
+                      <a:solidFill>
+                        <a:schemeClr val="dk1"/>
+                      </a:solidFill>
+                      <a:prstDash val="solid"/>
+                      <a:round/>
+                      <a:headEnd len="sm" w="sm" type="none"/>
+                      <a:tailEnd len="sm" w="sm" type="none"/>
+                    </a:lnR>
+                    <a:lnT cap="flat" cmpd="sng" w="9525">
+                      <a:solidFill>
+                        <a:schemeClr val="dk1"/>
+                      </a:solidFill>
+                      <a:prstDash val="solid"/>
+                      <a:round/>
+                      <a:headEnd len="sm" w="sm" type="none"/>
+                      <a:tailEnd len="sm" w="sm" type="none"/>
+                    </a:lnT>
+                    <a:lnB cap="flat" cmpd="sng" w="9525">
+                      <a:solidFill>
+                        <a:schemeClr val="dk1"/>
+                      </a:solidFill>
+                      <a:prstDash val="solid"/>
+                      <a:round/>
+                      <a:headEnd len="sm" w="sm" type="none"/>
+                      <a:tailEnd len="sm" w="sm" type="none"/>
+                    </a:lnB>
+                  </a:tcPr>
+                </a:tc>
+                <a:tc>
+                  <a:txBody>
+                    <a:bodyPr/>
+                    <a:lstStyle/>
+                    <a:p>
+                      <a:pPr indent="0" lvl="0" marL="0" rtl="0" algn="ctr">
+                        <a:spcBef>
+                          <a:spcPts val="0"/>
+                        </a:spcBef>
+                        <a:spcAft>
+                          <a:spcPts val="0"/>
+                        </a:spcAft>
+                        <a:buNone/>
+                      </a:pPr>
+                      <a:r>
+                        <a:rPr lang="en" sz="1600">
+                          <a:solidFill>
+                            <a:schemeClr val="dk2"/>
+                          </a:solidFill>
+                        </a:rPr>
+                        <a:t>93.5</a:t>
+                      </a:r>
+                      <a:endParaRPr sz="1600">
+                        <a:solidFill>
+                          <a:schemeClr val="dk2"/>
+                        </a:solidFill>
+                      </a:endParaRPr>
+                    </a:p>
+                  </a:txBody>
+                  <a:tcPr marT="91425" marB="91425" marR="91425" marL="91425" anchor="ctr">
+                    <a:lnL cap="flat" cmpd="sng" w="9525">
+                      <a:solidFill>
+                        <a:schemeClr val="dk1"/>
+                      </a:solidFill>
+                      <a:prstDash val="solid"/>
+                      <a:round/>
+                      <a:headEnd len="sm" w="sm" type="none"/>
+                      <a:tailEnd len="sm" w="sm" type="none"/>
+                    </a:lnL>
+                    <a:lnR cap="flat" cmpd="sng" w="9525">
+                      <a:solidFill>
+                        <a:schemeClr val="dk1"/>
+                      </a:solidFill>
+                      <a:prstDash val="solid"/>
+                      <a:round/>
+                      <a:headEnd len="sm" w="sm" type="none"/>
+                      <a:tailEnd len="sm" w="sm" type="none"/>
+                    </a:lnR>
+                    <a:lnT cap="flat" cmpd="sng" w="9525">
+                      <a:solidFill>
+                        <a:schemeClr val="dk1"/>
+                      </a:solidFill>
+                      <a:prstDash val="solid"/>
+                      <a:round/>
+                      <a:headEnd len="sm" w="sm" type="none"/>
+                      <a:tailEnd len="sm" w="sm" type="none"/>
+                    </a:lnT>
+                    <a:lnB cap="flat" cmpd="sng" w="9525">
+                      <a:solidFill>
+                        <a:schemeClr val="dk1"/>
+                      </a:solidFill>
+                      <a:prstDash val="solid"/>
+                      <a:round/>
+                      <a:headEnd len="sm" w="sm" type="none"/>
+                      <a:tailEnd len="sm" w="sm" type="none"/>
+                    </a:lnB>
+                  </a:tcPr>
+                </a:tc>
+                <a:tc>
+                  <a:txBody>
+                    <a:bodyPr/>
+                    <a:lstStyle/>
+                    <a:p>
+                      <a:pPr indent="0" lvl="0" marL="0" rtl="0" algn="ctr">
+                        <a:spcBef>
+                          <a:spcPts val="0"/>
+                        </a:spcBef>
+                        <a:spcAft>
+                          <a:spcPts val="0"/>
+                        </a:spcAft>
+                        <a:buNone/>
+                      </a:pPr>
+                      <a:r>
+                        <a:rPr lang="en" sz="1600">
+                          <a:solidFill>
+                            <a:schemeClr val="dk2"/>
+                          </a:solidFill>
+                        </a:rPr>
+                        <a:t>36.3</a:t>
+                      </a:r>
+                      <a:endParaRPr sz="1600">
+                        <a:solidFill>
+                          <a:schemeClr val="dk2"/>
+                        </a:solidFill>
+                      </a:endParaRPr>
+                    </a:p>
+                  </a:txBody>
+                  <a:tcPr marT="91425" marB="91425" marR="91425" marL="91425" anchor="ctr">
+                    <a:lnL cap="flat" cmpd="sng" w="9525">
+                      <a:solidFill>
+                        <a:schemeClr val="dk1"/>
+                      </a:solidFill>
+                      <a:prstDash val="solid"/>
+                      <a:round/>
+                      <a:headEnd len="sm" w="sm" type="none"/>
+                      <a:tailEnd len="sm" w="sm" type="none"/>
+                    </a:lnL>
+                    <a:lnR cap="flat" cmpd="sng" w="9525">
+                      <a:solidFill>
+                        <a:schemeClr val="dk1"/>
+                      </a:solidFill>
+                      <a:prstDash val="solid"/>
+                      <a:round/>
+                      <a:headEnd len="sm" w="sm" type="none"/>
+                      <a:tailEnd len="sm" w="sm" type="none"/>
+                    </a:lnR>
+                    <a:lnT cap="flat" cmpd="sng" w="9525">
+                      <a:solidFill>
+                        <a:schemeClr val="dk1"/>
+                      </a:solidFill>
+                      <a:prstDash val="solid"/>
+                      <a:round/>
+                      <a:headEnd len="sm" w="sm" type="none"/>
+                      <a:tailEnd len="sm" w="sm" type="none"/>
+                    </a:lnT>
+                    <a:lnB cap="flat" cmpd="sng" w="9525">
+                      <a:solidFill>
+                        <a:schemeClr val="dk1"/>
+                      </a:solidFill>
+                      <a:prstDash val="solid"/>
+                      <a:round/>
+                      <a:headEnd len="sm" w="sm" type="none"/>
+                      <a:tailEnd len="sm" w="sm" type="none"/>
+                    </a:lnB>
+                  </a:tcPr>
+                </a:tc>
+                <a:tc>
+                  <a:txBody>
+                    <a:bodyPr/>
+                    <a:lstStyle/>
+                    <a:p>
+                      <a:pPr indent="0" lvl="0" marL="0" rtl="0" algn="ctr">
+                        <a:spcBef>
+                          <a:spcPts val="0"/>
+                        </a:spcBef>
+                        <a:spcAft>
+                          <a:spcPts val="0"/>
+                        </a:spcAft>
+                        <a:buNone/>
+                      </a:pPr>
+                      <a:r>
+                        <a:rPr lang="en" sz="1600">
+                          <a:solidFill>
+                            <a:schemeClr val="dk2"/>
+                          </a:solidFill>
+                        </a:rPr>
+                        <a:t>17.1</a:t>
+                      </a:r>
+                      <a:endParaRPr sz="1600">
+                        <a:solidFill>
+                          <a:schemeClr val="dk2"/>
+                        </a:solidFill>
+                      </a:endParaRPr>
+                    </a:p>
+                  </a:txBody>
+                  <a:tcPr marT="91425" marB="91425" marR="91425" marL="91425" anchor="ctr">
+                    <a:lnL cap="flat" cmpd="sng" w="9525">
+                      <a:solidFill>
+                        <a:schemeClr val="dk1"/>
+                      </a:solidFill>
+                      <a:prstDash val="solid"/>
+                      <a:round/>
+                      <a:headEnd len="sm" w="sm" type="none"/>
+                      <a:tailEnd len="sm" w="sm" type="none"/>
+                    </a:lnL>
+                    <a:lnR cap="flat" cmpd="sng" w="9525">
+                      <a:solidFill>
+                        <a:schemeClr val="dk1"/>
+                      </a:solidFill>
+                      <a:prstDash val="solid"/>
+                      <a:round/>
+                      <a:headEnd len="sm" w="sm" type="none"/>
+                      <a:tailEnd len="sm" w="sm" type="none"/>
+                    </a:lnR>
+                    <a:lnT cap="flat" cmpd="sng" w="9525">
+                      <a:solidFill>
+                        <a:schemeClr val="dk1"/>
+                      </a:solidFill>
+                      <a:prstDash val="solid"/>
+                      <a:round/>
+                      <a:headEnd len="sm" w="sm" type="none"/>
+                      <a:tailEnd len="sm" w="sm" type="none"/>
+                    </a:lnT>
+                    <a:lnB cap="flat" cmpd="sng" w="9525">
+                      <a:solidFill>
+                        <a:schemeClr val="dk1"/>
+                      </a:solidFill>
+                      <a:prstDash val="solid"/>
+                      <a:round/>
+                      <a:headEnd len="sm" w="sm" type="none"/>
+                      <a:tailEnd len="sm" w="sm" type="none"/>
+                    </a:lnB>
+                  </a:tcPr>
+                </a:tc>
+                <a:tc>
+                  <a:txBody>
+                    <a:bodyPr/>
+                    <a:lstStyle/>
+                    <a:p>
+                      <a:pPr indent="0" lvl="0" marL="0" rtl="0" algn="ctr">
+                        <a:spcBef>
+                          <a:spcPts val="0"/>
+                        </a:spcBef>
+                        <a:spcAft>
+                          <a:spcPts val="0"/>
+                        </a:spcAft>
+                        <a:buNone/>
+                      </a:pPr>
+                      <a:r>
+                        <a:rPr lang="en" sz="1600">
+                          <a:solidFill>
+                            <a:schemeClr val="dk2"/>
+                          </a:solidFill>
+                        </a:rPr>
+                        <a:t>26.7</a:t>
+                      </a:r>
+                      <a:endParaRPr sz="1600">
+                        <a:solidFill>
+                          <a:schemeClr val="dk2"/>
+                        </a:solidFill>
+                      </a:endParaRPr>
+                    </a:p>
+                  </a:txBody>
+                  <a:tcPr marT="91425" marB="91425" marR="91425" marL="91425" anchor="ctr">
+                    <a:lnL cap="flat" cmpd="sng" w="9525">
+                      <a:solidFill>
+                        <a:schemeClr val="dk1"/>
+                      </a:solidFill>
+                      <a:prstDash val="solid"/>
+                      <a:round/>
+                      <a:headEnd len="sm" w="sm" type="none"/>
+                      <a:tailEnd len="sm" w="sm" type="none"/>
+                    </a:lnL>
+                    <a:lnR cap="flat" cmpd="sng" w="9525">
+                      <a:solidFill>
+                        <a:schemeClr val="dk1"/>
+                      </a:solidFill>
+                      <a:prstDash val="solid"/>
+                      <a:round/>
+                      <a:headEnd len="sm" w="sm" type="none"/>
+                      <a:tailEnd len="sm" w="sm" type="none"/>
+                    </a:lnR>
+                    <a:lnT cap="flat" cmpd="sng" w="9525">
+                      <a:solidFill>
+                        <a:schemeClr val="dk1"/>
+                      </a:solidFill>
+                      <a:prstDash val="solid"/>
+                      <a:round/>
+                      <a:headEnd len="sm" w="sm" type="none"/>
+                      <a:tailEnd len="sm" w="sm" type="none"/>
+                    </a:lnT>
+                    <a:lnB cap="flat" cmpd="sng" w="9525">
+                      <a:solidFill>
+                        <a:schemeClr val="dk1"/>
+                      </a:solidFill>
+                      <a:prstDash val="solid"/>
+                      <a:round/>
+                      <a:headEnd len="sm" w="sm" type="none"/>
+                      <a:tailEnd len="sm" w="sm" type="none"/>
+                    </a:lnB>
+                  </a:tcPr>
+                </a:tc>
+              </a:tr>
+              <a:tr h="543875">
+                <a:tc>
+                  <a:txBody>
+                    <a:bodyPr/>
+                    <a:lstStyle/>
+                    <a:p>
+                      <a:pPr indent="0" lvl="0" marL="0" rtl="0" algn="r">
+                        <a:spcBef>
+                          <a:spcPts val="0"/>
+                        </a:spcBef>
+                        <a:spcAft>
+                          <a:spcPts val="0"/>
+                        </a:spcAft>
+                        <a:buNone/>
+                      </a:pPr>
+                      <a:r>
+                        <a:rPr b="1" lang="en" sz="1500">
+                          <a:solidFill>
+                            <a:schemeClr val="dk2"/>
+                          </a:solidFill>
+                        </a:rPr>
+                        <a:t>Deep NN</a:t>
+                      </a:r>
+                      <a:endParaRPr b="1" sz="1500">
+                        <a:solidFill>
+                          <a:schemeClr val="dk2"/>
+                        </a:solidFill>
+                      </a:endParaRPr>
+                    </a:p>
+                  </a:txBody>
+                  <a:tcPr marT="91425" marB="91425" marR="91425" marL="91425" anchor="ctr">
+                    <a:lnL cap="flat" cmpd="sng" w="9525">
+                      <a:solidFill>
+                        <a:schemeClr val="dk1"/>
+                      </a:solidFill>
+                      <a:prstDash val="solid"/>
+                      <a:round/>
+                      <a:headEnd len="sm" w="sm" type="none"/>
+                      <a:tailEnd len="sm" w="sm" type="none"/>
+                    </a:lnL>
+                    <a:lnR cap="flat" cmpd="sng" w="9525">
+                      <a:solidFill>
+                        <a:schemeClr val="dk1"/>
+                      </a:solidFill>
+                      <a:prstDash val="solid"/>
+                      <a:round/>
+                      <a:headEnd len="sm" w="sm" type="none"/>
+                      <a:tailEnd len="sm" w="sm" type="none"/>
+                    </a:lnR>
+                    <a:lnT cap="flat" cmpd="sng" w="9525">
+                      <a:solidFill>
+                        <a:schemeClr val="dk1"/>
+                      </a:solidFill>
+                      <a:prstDash val="solid"/>
+                      <a:round/>
+                      <a:headEnd len="sm" w="sm" type="none"/>
+                      <a:tailEnd len="sm" w="sm" type="none"/>
+                    </a:lnT>
+                    <a:lnB cap="flat" cmpd="sng" w="9525">
+                      <a:solidFill>
+                        <a:schemeClr val="dk1"/>
+                      </a:solidFill>
+                      <a:prstDash val="solid"/>
+                      <a:round/>
+                      <a:headEnd len="sm" w="sm" type="none"/>
+                      <a:tailEnd len="sm" w="sm" type="none"/>
+                    </a:lnB>
+                  </a:tcPr>
+                </a:tc>
+                <a:tc>
+                  <a:txBody>
+                    <a:bodyPr/>
+                    <a:lstStyle/>
+                    <a:p>
+                      <a:pPr indent="0" lvl="0" marL="0" rtl="0" algn="ctr">
+                        <a:spcBef>
+                          <a:spcPts val="0"/>
+                        </a:spcBef>
+                        <a:spcAft>
+                          <a:spcPts val="0"/>
+                        </a:spcAft>
+                        <a:buNone/>
+                      </a:pPr>
+                      <a:r>
+                        <a:rPr lang="en" sz="1600">
+                          <a:solidFill>
+                            <a:schemeClr val="dk2"/>
+                          </a:solidFill>
+                        </a:rPr>
+                        <a:t>51.2 </a:t>
+                      </a:r>
+                      <a:endParaRPr sz="1600">
+                        <a:solidFill>
+                          <a:schemeClr val="dk2"/>
+                        </a:solidFill>
+                      </a:endParaRPr>
+                    </a:p>
+                  </a:txBody>
+                  <a:tcPr marT="91425" marB="91425" marR="91425" marL="91425" anchor="ctr">
+                    <a:lnL cap="flat" cmpd="sng" w="9525">
+                      <a:solidFill>
+                        <a:schemeClr val="dk1"/>
+                      </a:solidFill>
+                      <a:prstDash val="solid"/>
+                      <a:round/>
+                      <a:headEnd len="sm" w="sm" type="none"/>
+                      <a:tailEnd len="sm" w="sm" type="none"/>
+                    </a:lnL>
+                    <a:lnR cap="flat" cmpd="sng" w="9525">
+                      <a:solidFill>
+                        <a:schemeClr val="dk1"/>
+                      </a:solidFill>
+                      <a:prstDash val="solid"/>
+                      <a:round/>
+                      <a:headEnd len="sm" w="sm" type="none"/>
+                      <a:tailEnd len="sm" w="sm" type="none"/>
+                    </a:lnR>
+                    <a:lnT cap="flat" cmpd="sng" w="9525">
+                      <a:solidFill>
+                        <a:schemeClr val="dk1"/>
+                      </a:solidFill>
+                      <a:prstDash val="solid"/>
+                      <a:round/>
+                      <a:headEnd len="sm" w="sm" type="none"/>
+                      <a:tailEnd len="sm" w="sm" type="none"/>
+                    </a:lnT>
+                    <a:lnB cap="flat" cmpd="sng" w="9525">
+                      <a:solidFill>
+                        <a:schemeClr val="dk1"/>
+                      </a:solidFill>
+                      <a:prstDash val="solid"/>
+                      <a:round/>
+                      <a:headEnd len="sm" w="sm" type="none"/>
+                      <a:tailEnd len="sm" w="sm" type="none"/>
+                    </a:lnB>
+                  </a:tcPr>
+                </a:tc>
+                <a:tc>
+                  <a:txBody>
+                    <a:bodyPr/>
+                    <a:lstStyle/>
+                    <a:p>
+                      <a:pPr indent="0" lvl="0" marL="0" rtl="0" algn="ctr">
+                        <a:spcBef>
+                          <a:spcPts val="0"/>
+                        </a:spcBef>
+                        <a:spcAft>
+                          <a:spcPts val="0"/>
+                        </a:spcAft>
+                        <a:buNone/>
+                      </a:pPr>
+                      <a:r>
+                        <a:rPr lang="en" sz="1600">
+                          <a:solidFill>
+                            <a:schemeClr val="dk2"/>
+                          </a:solidFill>
+                        </a:rPr>
+                        <a:t>42.9</a:t>
+                      </a:r>
+                      <a:endParaRPr sz="1600">
+                        <a:solidFill>
+                          <a:schemeClr val="dk2"/>
+                        </a:solidFill>
+                      </a:endParaRPr>
+                    </a:p>
+                  </a:txBody>
+                  <a:tcPr marT="91425" marB="91425" marR="91425" marL="91425" anchor="ctr">
+                    <a:lnL cap="flat" cmpd="sng" w="9525">
+                      <a:solidFill>
+                        <a:schemeClr val="dk1"/>
+                      </a:solidFill>
+                      <a:prstDash val="solid"/>
+                      <a:round/>
+                      <a:headEnd len="sm" w="sm" type="none"/>
+                      <a:tailEnd len="sm" w="sm" type="none"/>
+                    </a:lnL>
+                    <a:lnR cap="flat" cmpd="sng" w="9525">
+                      <a:solidFill>
+                        <a:schemeClr val="dk1"/>
+                      </a:solidFill>
+                      <a:prstDash val="solid"/>
+                      <a:round/>
+                      <a:headEnd len="sm" w="sm" type="none"/>
+                      <a:tailEnd len="sm" w="sm" type="none"/>
+                    </a:lnR>
+                    <a:lnT cap="flat" cmpd="sng" w="9525">
+                      <a:solidFill>
+                        <a:schemeClr val="dk1"/>
+                      </a:solidFill>
+                      <a:prstDash val="solid"/>
+                      <a:round/>
+                      <a:headEnd len="sm" w="sm" type="none"/>
+                      <a:tailEnd len="sm" w="sm" type="none"/>
+                    </a:lnT>
+                    <a:lnB cap="flat" cmpd="sng" w="9525">
+                      <a:solidFill>
+                        <a:schemeClr val="dk1"/>
+                      </a:solidFill>
+                      <a:prstDash val="solid"/>
+                      <a:round/>
+                      <a:headEnd len="sm" w="sm" type="none"/>
+                      <a:tailEnd len="sm" w="sm" type="none"/>
+                    </a:lnB>
+                  </a:tcPr>
+                </a:tc>
+                <a:tc>
+                  <a:txBody>
+                    <a:bodyPr/>
+                    <a:lstStyle/>
+                    <a:p>
+                      <a:pPr indent="0" lvl="0" marL="0" rtl="0" algn="ctr">
+                        <a:spcBef>
+                          <a:spcPts val="0"/>
+                        </a:spcBef>
+                        <a:spcAft>
+                          <a:spcPts val="0"/>
+                        </a:spcAft>
+                        <a:buNone/>
+                      </a:pPr>
+                      <a:r>
+                        <a:rPr lang="en" sz="1600">
+                          <a:solidFill>
+                            <a:schemeClr val="dk2"/>
+                          </a:solidFill>
+                        </a:rPr>
+                        <a:t>47.1</a:t>
+                      </a:r>
+                      <a:endParaRPr sz="1600">
+                        <a:solidFill>
+                          <a:schemeClr val="dk2"/>
+                        </a:solidFill>
+                      </a:endParaRPr>
+                    </a:p>
+                  </a:txBody>
+                  <a:tcPr marT="91425" marB="91425" marR="91425" marL="91425" anchor="ctr">
+                    <a:lnL cap="flat" cmpd="sng" w="9525">
+                      <a:solidFill>
+                        <a:schemeClr val="dk1"/>
+                      </a:solidFill>
+                      <a:prstDash val="solid"/>
+                      <a:round/>
+                      <a:headEnd len="sm" w="sm" type="none"/>
+                      <a:tailEnd len="sm" w="sm" type="none"/>
+                    </a:lnL>
+                    <a:lnR cap="flat" cmpd="sng" w="9525">
+                      <a:solidFill>
+                        <a:schemeClr val="dk1"/>
+                      </a:solidFill>
+                      <a:prstDash val="solid"/>
+                      <a:round/>
+                      <a:headEnd len="sm" w="sm" type="none"/>
+                      <a:tailEnd len="sm" w="sm" type="none"/>
+                    </a:lnR>
+                    <a:lnT cap="flat" cmpd="sng" w="9525">
+                      <a:solidFill>
+                        <a:schemeClr val="dk1"/>
+                      </a:solidFill>
+                      <a:prstDash val="solid"/>
+                      <a:round/>
+                      <a:headEnd len="sm" w="sm" type="none"/>
+                      <a:tailEnd len="sm" w="sm" type="none"/>
+                    </a:lnT>
+                    <a:lnB cap="flat" cmpd="sng" w="9525">
+                      <a:solidFill>
+                        <a:schemeClr val="dk1"/>
+                      </a:solidFill>
+                      <a:prstDash val="solid"/>
+                      <a:round/>
+                      <a:headEnd len="sm" w="sm" type="none"/>
+                      <a:tailEnd len="sm" w="sm" type="none"/>
+                    </a:lnB>
+                  </a:tcPr>
+                </a:tc>
+                <a:tc>
+                  <a:txBody>
+                    <a:bodyPr/>
+                    <a:lstStyle/>
+                    <a:p>
+                      <a:pPr indent="0" lvl="0" marL="0" rtl="0" algn="ctr">
+                        <a:spcBef>
+                          <a:spcPts val="0"/>
+                        </a:spcBef>
+                        <a:spcAft>
+                          <a:spcPts val="0"/>
+                        </a:spcAft>
+                        <a:buNone/>
+                      </a:pPr>
+                      <a:r>
+                        <a:rPr lang="en" sz="1600">
+                          <a:solidFill>
+                            <a:schemeClr val="dk2"/>
+                          </a:solidFill>
+                        </a:rPr>
+                        <a:t>37.9</a:t>
+                      </a:r>
+                      <a:endParaRPr sz="1600">
+                        <a:solidFill>
+                          <a:schemeClr val="dk2"/>
+                        </a:solidFill>
+                      </a:endParaRPr>
+                    </a:p>
+                  </a:txBody>
+                  <a:tcPr marT="91425" marB="91425" marR="91425" marL="91425" anchor="ctr">
+                    <a:lnL cap="flat" cmpd="sng" w="9525">
+                      <a:solidFill>
+                        <a:schemeClr val="dk1"/>
+                      </a:solidFill>
+                      <a:prstDash val="solid"/>
+                      <a:round/>
+                      <a:headEnd len="sm" w="sm" type="none"/>
+                      <a:tailEnd len="sm" w="sm" type="none"/>
+                    </a:lnL>
+                    <a:lnR cap="flat" cmpd="sng" w="9525">
+                      <a:solidFill>
+                        <a:schemeClr val="dk1"/>
+                      </a:solidFill>
+                      <a:prstDash val="solid"/>
+                      <a:round/>
+                      <a:headEnd len="sm" w="sm" type="none"/>
+                      <a:tailEnd len="sm" w="sm" type="none"/>
+                    </a:lnR>
+                    <a:lnT cap="flat" cmpd="sng" w="9525">
+                      <a:solidFill>
+                        <a:schemeClr val="dk1"/>
+                      </a:solidFill>
+                      <a:prstDash val="solid"/>
+                      <a:round/>
+                      <a:headEnd len="sm" w="sm" type="none"/>
+                      <a:tailEnd len="sm" w="sm" type="none"/>
+                    </a:lnT>
+                    <a:lnB cap="flat" cmpd="sng" w="9525">
+                      <a:solidFill>
+                        <a:schemeClr val="dk1"/>
+                      </a:solidFill>
+                      <a:prstDash val="solid"/>
+                      <a:round/>
+                      <a:headEnd len="sm" w="sm" type="none"/>
+                      <a:tailEnd len="sm" w="sm" type="none"/>
+                    </a:lnB>
+                  </a:tcPr>
+                </a:tc>
+                <a:tc>
+                  <a:txBody>
+                    <a:bodyPr/>
+                    <a:lstStyle/>
+                    <a:p>
+                      <a:pPr indent="0" lvl="0" marL="0" rtl="0" algn="ctr">
+                        <a:spcBef>
+                          <a:spcPts val="0"/>
+                        </a:spcBef>
+                        <a:spcAft>
+                          <a:spcPts val="0"/>
+                        </a:spcAft>
+                        <a:buNone/>
+                      </a:pPr>
+                      <a:r>
+                        <a:rPr lang="en" sz="1600">
+                          <a:solidFill>
+                            <a:schemeClr val="dk2"/>
+                          </a:solidFill>
+                        </a:rPr>
+                        <a:t>32.5</a:t>
+                      </a:r>
+                      <a:endParaRPr sz="1600">
+                        <a:solidFill>
+                          <a:schemeClr val="dk2"/>
+                        </a:solidFill>
+                      </a:endParaRPr>
+                    </a:p>
+                  </a:txBody>
+                  <a:tcPr marT="91425" marB="91425" marR="91425" marL="91425" anchor="ctr">
+                    <a:lnL cap="flat" cmpd="sng" w="9525">
+                      <a:solidFill>
+                        <a:schemeClr val="dk1"/>
+                      </a:solidFill>
+                      <a:prstDash val="solid"/>
+                      <a:round/>
+                      <a:headEnd len="sm" w="sm" type="none"/>
+                      <a:tailEnd len="sm" w="sm" type="none"/>
+                    </a:lnL>
+                    <a:lnR cap="flat" cmpd="sng" w="9525">
+                      <a:solidFill>
+                        <a:schemeClr val="dk1"/>
+                      </a:solidFill>
+                      <a:prstDash val="solid"/>
+                      <a:round/>
+                      <a:headEnd len="sm" w="sm" type="none"/>
+                      <a:tailEnd len="sm" w="sm" type="none"/>
+                    </a:lnR>
+                    <a:lnT cap="flat" cmpd="sng" w="9525">
+                      <a:solidFill>
+                        <a:schemeClr val="dk1"/>
+                      </a:solidFill>
+                      <a:prstDash val="solid"/>
+                      <a:round/>
+                      <a:headEnd len="sm" w="sm" type="none"/>
+                      <a:tailEnd len="sm" w="sm" type="none"/>
+                    </a:lnT>
+                    <a:lnB cap="flat" cmpd="sng" w="9525">
+                      <a:solidFill>
+                        <a:schemeClr val="dk1"/>
+                      </a:solidFill>
+                      <a:prstDash val="solid"/>
+                      <a:round/>
+                      <a:headEnd len="sm" w="sm" type="none"/>
+                      <a:tailEnd len="sm" w="sm" type="none"/>
+                    </a:lnB>
+                  </a:tcPr>
+                </a:tc>
+                <a:tc>
+                  <a:txBody>
+                    <a:bodyPr/>
+                    <a:lstStyle/>
+                    <a:p>
+                      <a:pPr indent="0" lvl="0" marL="0" rtl="0" algn="ctr">
+                        <a:spcBef>
+                          <a:spcPts val="0"/>
+                        </a:spcBef>
+                        <a:spcAft>
+                          <a:spcPts val="0"/>
+                        </a:spcAft>
+                        <a:buNone/>
+                      </a:pPr>
+                      <a:r>
+                        <a:rPr lang="en" sz="1600">
+                          <a:solidFill>
+                            <a:schemeClr val="dk2"/>
+                          </a:solidFill>
+                        </a:rPr>
+                        <a:t>32.5</a:t>
+                      </a:r>
+                      <a:endParaRPr sz="1600">
+                        <a:solidFill>
+                          <a:schemeClr val="dk2"/>
+                        </a:solidFill>
+                      </a:endParaRPr>
+                    </a:p>
+                  </a:txBody>
+                  <a:tcPr marT="91425" marB="91425" marR="91425" marL="91425" anchor="ctr">
+                    <a:lnL cap="flat" cmpd="sng" w="9525">
+                      <a:solidFill>
+                        <a:schemeClr val="dk1"/>
+                      </a:solidFill>
+                      <a:prstDash val="solid"/>
+                      <a:round/>
+                      <a:headEnd len="sm" w="sm" type="none"/>
+                      <a:tailEnd len="sm" w="sm" type="none"/>
+                    </a:lnL>
+                    <a:lnR cap="flat" cmpd="sng" w="9525">
+                      <a:solidFill>
+                        <a:schemeClr val="dk1"/>
+                      </a:solidFill>
+                      <a:prstDash val="solid"/>
+                      <a:round/>
+                      <a:headEnd len="sm" w="sm" type="none"/>
+                      <a:tailEnd len="sm" w="sm" type="none"/>
+                    </a:lnR>
+                    <a:lnT cap="flat" cmpd="sng" w="9525">
+                      <a:solidFill>
+                        <a:schemeClr val="dk1"/>
+                      </a:solidFill>
+                      <a:prstDash val="solid"/>
+                      <a:round/>
+                      <a:headEnd len="sm" w="sm" type="none"/>
+                      <a:tailEnd len="sm" w="sm" type="none"/>
+                    </a:lnT>
+                    <a:lnB cap="flat" cmpd="sng" w="9525">
+                      <a:solidFill>
+                        <a:schemeClr val="dk1"/>
+                      </a:solidFill>
+                      <a:prstDash val="solid"/>
+                      <a:round/>
+                      <a:headEnd len="sm" w="sm" type="none"/>
+                      <a:tailEnd len="sm" w="sm" type="none"/>
+                    </a:lnB>
+                  </a:tcPr>
+                </a:tc>
+              </a:tr>
+              <a:tr h="703925">
+                <a:tc>
+                  <a:txBody>
+                    <a:bodyPr/>
+                    <a:lstStyle/>
+                    <a:p>
+                      <a:pPr indent="0" lvl="0" marL="0" rtl="0" algn="r">
+                        <a:spcBef>
+                          <a:spcPts val="0"/>
+                        </a:spcBef>
+                        <a:spcAft>
+                          <a:spcPts val="0"/>
+                        </a:spcAft>
+                        <a:buNone/>
+                      </a:pPr>
+                      <a:r>
+                        <a:rPr b="1" lang="en" sz="1500">
+                          <a:solidFill>
+                            <a:schemeClr val="dk2"/>
+                          </a:solidFill>
+                        </a:rPr>
+                        <a:t>Shallow NN</a:t>
+                      </a:r>
+                      <a:endParaRPr b="1" sz="1500">
+                        <a:solidFill>
+                          <a:schemeClr val="dk2"/>
+                        </a:solidFill>
+                      </a:endParaRPr>
+                    </a:p>
+                  </a:txBody>
+                  <a:tcPr marT="91425" marB="91425" marR="91425" marL="91425" anchor="ctr">
+                    <a:lnL cap="flat" cmpd="sng" w="9525">
+                      <a:solidFill>
+                        <a:schemeClr val="dk1"/>
+                      </a:solidFill>
+                      <a:prstDash val="solid"/>
+                      <a:round/>
+                      <a:headEnd len="sm" w="sm" type="none"/>
+                      <a:tailEnd len="sm" w="sm" type="none"/>
+                    </a:lnL>
+                    <a:lnR cap="flat" cmpd="sng" w="9525">
+                      <a:solidFill>
+                        <a:schemeClr val="dk1"/>
+                      </a:solidFill>
+                      <a:prstDash val="solid"/>
+                      <a:round/>
+                      <a:headEnd len="sm" w="sm" type="none"/>
+                      <a:tailEnd len="sm" w="sm" type="none"/>
+                    </a:lnR>
+                    <a:lnT cap="flat" cmpd="sng" w="9525">
+                      <a:solidFill>
+                        <a:schemeClr val="dk1"/>
+                      </a:solidFill>
+                      <a:prstDash val="solid"/>
+                      <a:round/>
+                      <a:headEnd len="sm" w="sm" type="none"/>
+                      <a:tailEnd len="sm" w="sm" type="none"/>
+                    </a:lnT>
+                    <a:lnB cap="flat" cmpd="sng" w="9525">
+                      <a:solidFill>
+                        <a:schemeClr val="dk1"/>
+                      </a:solidFill>
+                      <a:prstDash val="solid"/>
+                      <a:round/>
+                      <a:headEnd len="sm" w="sm" type="none"/>
+                      <a:tailEnd len="sm" w="sm" type="none"/>
+                    </a:lnB>
+                  </a:tcPr>
+                </a:tc>
+                <a:tc>
+                  <a:txBody>
+                    <a:bodyPr/>
+                    <a:lstStyle/>
+                    <a:p>
+                      <a:pPr indent="0" lvl="0" marL="0" rtl="0" algn="ctr">
+                        <a:spcBef>
+                          <a:spcPts val="0"/>
+                        </a:spcBef>
+                        <a:spcAft>
+                          <a:spcPts val="0"/>
+                        </a:spcAft>
+                        <a:buNone/>
+                      </a:pPr>
+                      <a:r>
+                        <a:rPr lang="en" sz="1600">
+                          <a:solidFill>
+                            <a:schemeClr val="dk2"/>
+                          </a:solidFill>
+                        </a:rPr>
+                        <a:t>34.9</a:t>
+                      </a:r>
+                      <a:endParaRPr sz="1600">
+                        <a:solidFill>
+                          <a:schemeClr val="dk2"/>
+                        </a:solidFill>
+                      </a:endParaRPr>
+                    </a:p>
+                  </a:txBody>
+                  <a:tcPr marT="91425" marB="91425" marR="91425" marL="91425" anchor="ctr">
+                    <a:lnL cap="flat" cmpd="sng" w="9525">
+                      <a:solidFill>
+                        <a:schemeClr val="dk1"/>
+                      </a:solidFill>
+                      <a:prstDash val="solid"/>
+                      <a:round/>
+                      <a:headEnd len="sm" w="sm" type="none"/>
+                      <a:tailEnd len="sm" w="sm" type="none"/>
+                    </a:lnL>
+                    <a:lnR cap="flat" cmpd="sng" w="9525">
+                      <a:solidFill>
+                        <a:schemeClr val="dk1"/>
+                      </a:solidFill>
+                      <a:prstDash val="solid"/>
+                      <a:round/>
+                      <a:headEnd len="sm" w="sm" type="none"/>
+                      <a:tailEnd len="sm" w="sm" type="none"/>
+                    </a:lnR>
+                    <a:lnT cap="flat" cmpd="sng" w="9525">
+                      <a:solidFill>
+                        <a:schemeClr val="dk1"/>
+                      </a:solidFill>
+                      <a:prstDash val="solid"/>
+                      <a:round/>
+                      <a:headEnd len="sm" w="sm" type="none"/>
+                      <a:tailEnd len="sm" w="sm" type="none"/>
+                    </a:lnT>
+                    <a:lnB cap="flat" cmpd="sng" w="9525">
+                      <a:solidFill>
+                        <a:schemeClr val="dk1"/>
+                      </a:solidFill>
+                      <a:prstDash val="solid"/>
+                      <a:round/>
+                      <a:headEnd len="sm" w="sm" type="none"/>
+                      <a:tailEnd len="sm" w="sm" type="none"/>
+                    </a:lnB>
+                  </a:tcPr>
+                </a:tc>
+                <a:tc>
+                  <a:txBody>
+                    <a:bodyPr/>
+                    <a:lstStyle/>
+                    <a:p>
+                      <a:pPr indent="0" lvl="0" marL="0" rtl="0" algn="ctr">
+                        <a:spcBef>
+                          <a:spcPts val="0"/>
+                        </a:spcBef>
+                        <a:spcAft>
+                          <a:spcPts val="0"/>
+                        </a:spcAft>
+                        <a:buNone/>
+                      </a:pPr>
+                      <a:r>
+                        <a:rPr lang="en" sz="1600">
+                          <a:solidFill>
+                            <a:schemeClr val="dk2"/>
+                          </a:solidFill>
+                        </a:rPr>
+                        <a:t>35.3</a:t>
+                      </a:r>
+                      <a:endParaRPr sz="1600">
+                        <a:solidFill>
+                          <a:schemeClr val="dk2"/>
+                        </a:solidFill>
+                      </a:endParaRPr>
+                    </a:p>
+                  </a:txBody>
+                  <a:tcPr marT="91425" marB="91425" marR="91425" marL="91425" anchor="ctr">
+                    <a:lnL cap="flat" cmpd="sng" w="9525">
+                      <a:solidFill>
+                        <a:schemeClr val="dk1"/>
+                      </a:solidFill>
+                      <a:prstDash val="solid"/>
+                      <a:round/>
+                      <a:headEnd len="sm" w="sm" type="none"/>
+                      <a:tailEnd len="sm" w="sm" type="none"/>
+                    </a:lnL>
+                    <a:lnR cap="flat" cmpd="sng" w="9525">
+                      <a:solidFill>
+                        <a:schemeClr val="dk1"/>
+                      </a:solidFill>
+                      <a:prstDash val="solid"/>
+                      <a:round/>
+                      <a:headEnd len="sm" w="sm" type="none"/>
+                      <a:tailEnd len="sm" w="sm" type="none"/>
+                    </a:lnR>
+                    <a:lnT cap="flat" cmpd="sng" w="9525">
+                      <a:solidFill>
+                        <a:schemeClr val="dk1"/>
+                      </a:solidFill>
+                      <a:prstDash val="solid"/>
+                      <a:round/>
+                      <a:headEnd len="sm" w="sm" type="none"/>
+                      <a:tailEnd len="sm" w="sm" type="none"/>
+                    </a:lnT>
+                    <a:lnB cap="flat" cmpd="sng" w="9525">
+                      <a:solidFill>
+                        <a:schemeClr val="dk1"/>
+                      </a:solidFill>
+                      <a:prstDash val="solid"/>
+                      <a:round/>
+                      <a:headEnd len="sm" w="sm" type="none"/>
+                      <a:tailEnd len="sm" w="sm" type="none"/>
+                    </a:lnB>
+                  </a:tcPr>
+                </a:tc>
+                <a:tc>
+                  <a:txBody>
+                    <a:bodyPr/>
+                    <a:lstStyle/>
+                    <a:p>
+                      <a:pPr indent="0" lvl="0" marL="0" rtl="0" algn="ctr">
+                        <a:spcBef>
+                          <a:spcPts val="0"/>
+                        </a:spcBef>
+                        <a:spcAft>
+                          <a:spcPts val="0"/>
+                        </a:spcAft>
+                        <a:buNone/>
+                      </a:pPr>
+                      <a:r>
+                        <a:rPr lang="en" sz="1600">
+                          <a:solidFill>
+                            <a:schemeClr val="dk2"/>
+                          </a:solidFill>
+                        </a:rPr>
+                        <a:t>35.1</a:t>
+                      </a:r>
+                      <a:endParaRPr sz="1600">
+                        <a:solidFill>
+                          <a:schemeClr val="dk2"/>
+                        </a:solidFill>
+                      </a:endParaRPr>
+                    </a:p>
+                  </a:txBody>
+                  <a:tcPr marT="91425" marB="91425" marR="91425" marL="91425" anchor="ctr">
+                    <a:lnL cap="flat" cmpd="sng" w="9525">
+                      <a:solidFill>
+                        <a:schemeClr val="dk1"/>
+                      </a:solidFill>
+                      <a:prstDash val="solid"/>
+                      <a:round/>
+                      <a:headEnd len="sm" w="sm" type="none"/>
+                      <a:tailEnd len="sm" w="sm" type="none"/>
+                    </a:lnL>
+                    <a:lnR cap="flat" cmpd="sng" w="9525">
+                      <a:solidFill>
+                        <a:schemeClr val="dk1"/>
+                      </a:solidFill>
+                      <a:prstDash val="solid"/>
+                      <a:round/>
+                      <a:headEnd len="sm" w="sm" type="none"/>
+                      <a:tailEnd len="sm" w="sm" type="none"/>
+                    </a:lnR>
+                    <a:lnT cap="flat" cmpd="sng" w="9525">
+                      <a:solidFill>
+                        <a:schemeClr val="dk1"/>
+                      </a:solidFill>
+                      <a:prstDash val="solid"/>
+                      <a:round/>
+                      <a:headEnd len="sm" w="sm" type="none"/>
+                      <a:tailEnd len="sm" w="sm" type="none"/>
+                    </a:lnT>
+                    <a:lnB cap="flat" cmpd="sng" w="9525">
+                      <a:solidFill>
+                        <a:schemeClr val="dk1"/>
+                      </a:solidFill>
+                      <a:prstDash val="solid"/>
+                      <a:round/>
+                      <a:headEnd len="sm" w="sm" type="none"/>
+                      <a:tailEnd len="sm" w="sm" type="none"/>
+                    </a:lnB>
+                  </a:tcPr>
+                </a:tc>
+                <a:tc>
+                  <a:txBody>
+                    <a:bodyPr/>
+                    <a:lstStyle/>
+                    <a:p>
+                      <a:pPr indent="0" lvl="0" marL="0" rtl="0" algn="ctr">
+                        <a:spcBef>
+                          <a:spcPts val="0"/>
+                        </a:spcBef>
+                        <a:spcAft>
+                          <a:spcPts val="0"/>
+                        </a:spcAft>
+                        <a:buNone/>
+                      </a:pPr>
+                      <a:r>
+                        <a:rPr lang="en" sz="1600">
+                          <a:solidFill>
+                            <a:schemeClr val="dk2"/>
+                          </a:solidFill>
+                        </a:rPr>
+                        <a:t>29.8</a:t>
+                      </a:r>
+                      <a:endParaRPr sz="1600">
+                        <a:solidFill>
+                          <a:schemeClr val="dk2"/>
+                        </a:solidFill>
+                      </a:endParaRPr>
+                    </a:p>
+                  </a:txBody>
+                  <a:tcPr marT="91425" marB="91425" marR="91425" marL="91425" anchor="ctr">
+                    <a:lnL cap="flat" cmpd="sng" w="9525">
+                      <a:solidFill>
+                        <a:schemeClr val="dk1"/>
+                      </a:solidFill>
+                      <a:prstDash val="solid"/>
+                      <a:round/>
+                      <a:headEnd len="sm" w="sm" type="none"/>
+                      <a:tailEnd len="sm" w="sm" type="none"/>
+                    </a:lnL>
+                    <a:lnR cap="flat" cmpd="sng" w="9525">
+                      <a:solidFill>
+                        <a:schemeClr val="dk1"/>
+                      </a:solidFill>
+                      <a:prstDash val="solid"/>
+                      <a:round/>
+                      <a:headEnd len="sm" w="sm" type="none"/>
+                      <a:tailEnd len="sm" w="sm" type="none"/>
+                    </a:lnR>
+                    <a:lnT cap="flat" cmpd="sng" w="9525">
+                      <a:solidFill>
+                        <a:schemeClr val="dk1"/>
+                      </a:solidFill>
+                      <a:prstDash val="solid"/>
+                      <a:round/>
+                      <a:headEnd len="sm" w="sm" type="none"/>
+                      <a:tailEnd len="sm" w="sm" type="none"/>
+                    </a:lnT>
+                    <a:lnB cap="flat" cmpd="sng" w="9525">
+                      <a:solidFill>
+                        <a:schemeClr val="dk1"/>
+                      </a:solidFill>
+                      <a:prstDash val="solid"/>
+                      <a:round/>
+                      <a:headEnd len="sm" w="sm" type="none"/>
+                      <a:tailEnd len="sm" w="sm" type="none"/>
+                    </a:lnB>
+                  </a:tcPr>
+                </a:tc>
+                <a:tc>
+                  <a:txBody>
+                    <a:bodyPr/>
+                    <a:lstStyle/>
+                    <a:p>
+                      <a:pPr indent="0" lvl="0" marL="0" rtl="0" algn="ctr">
+                        <a:spcBef>
+                          <a:spcPts val="0"/>
+                        </a:spcBef>
+                        <a:spcAft>
+                          <a:spcPts val="0"/>
+                        </a:spcAft>
+                        <a:buNone/>
+                      </a:pPr>
+                      <a:r>
+                        <a:rPr lang="en" sz="1600">
+                          <a:solidFill>
+                            <a:schemeClr val="dk2"/>
+                          </a:solidFill>
+                        </a:rPr>
+                        <a:t>28.9</a:t>
+                      </a:r>
+                      <a:endParaRPr sz="1600">
+                        <a:solidFill>
+                          <a:schemeClr val="dk2"/>
+                        </a:solidFill>
+                      </a:endParaRPr>
+                    </a:p>
+                  </a:txBody>
+                  <a:tcPr marT="91425" marB="91425" marR="91425" marL="91425" anchor="ctr">
+                    <a:lnL cap="flat" cmpd="sng" w="9525">
+                      <a:solidFill>
+                        <a:schemeClr val="dk1"/>
+                      </a:solidFill>
+                      <a:prstDash val="solid"/>
+                      <a:round/>
+                      <a:headEnd len="sm" w="sm" type="none"/>
+                      <a:tailEnd len="sm" w="sm" type="none"/>
+                    </a:lnL>
+                    <a:lnR cap="flat" cmpd="sng" w="9525">
+                      <a:solidFill>
+                        <a:schemeClr val="dk1"/>
+                      </a:solidFill>
+                      <a:prstDash val="solid"/>
+                      <a:round/>
+                      <a:headEnd len="sm" w="sm" type="none"/>
+                      <a:tailEnd len="sm" w="sm" type="none"/>
+                    </a:lnR>
+                    <a:lnT cap="flat" cmpd="sng" w="9525">
+                      <a:solidFill>
+                        <a:schemeClr val="dk1"/>
+                      </a:solidFill>
+                      <a:prstDash val="solid"/>
+                      <a:round/>
+                      <a:headEnd len="sm" w="sm" type="none"/>
+                      <a:tailEnd len="sm" w="sm" type="none"/>
+                    </a:lnT>
+                    <a:lnB cap="flat" cmpd="sng" w="9525">
+                      <a:solidFill>
+                        <a:schemeClr val="dk1"/>
+                      </a:solidFill>
+                      <a:prstDash val="solid"/>
+                      <a:round/>
+                      <a:headEnd len="sm" w="sm" type="none"/>
+                      <a:tailEnd len="sm" w="sm" type="none"/>
+                    </a:lnB>
+                  </a:tcPr>
+                </a:tc>
+                <a:tc>
+                  <a:txBody>
+                    <a:bodyPr/>
+                    <a:lstStyle/>
+                    <a:p>
+                      <a:pPr indent="0" lvl="0" marL="0" rtl="0" algn="ctr">
+                        <a:spcBef>
+                          <a:spcPts val="0"/>
+                        </a:spcBef>
+                        <a:spcAft>
+                          <a:spcPts val="0"/>
+                        </a:spcAft>
+                        <a:buNone/>
+                      </a:pPr>
+                      <a:r>
+                        <a:rPr lang="en" sz="1600">
+                          <a:solidFill>
+                            <a:schemeClr val="dk2"/>
+                          </a:solidFill>
+                        </a:rPr>
+                        <a:t>29.3</a:t>
+                      </a:r>
+                      <a:endParaRPr sz="1600">
+                        <a:solidFill>
+                          <a:schemeClr val="dk2"/>
+                        </a:solidFill>
+                      </a:endParaRPr>
+                    </a:p>
+                  </a:txBody>
+                  <a:tcPr marT="91425" marB="91425" marR="91425" marL="91425" anchor="ctr">
+                    <a:lnL cap="flat" cmpd="sng" w="9525">
+                      <a:solidFill>
+                        <a:schemeClr val="dk1"/>
+                      </a:solidFill>
+                      <a:prstDash val="solid"/>
+                      <a:round/>
+                      <a:headEnd len="sm" w="sm" type="none"/>
+                      <a:tailEnd len="sm" w="sm" type="none"/>
+                    </a:lnL>
+                    <a:lnR cap="flat" cmpd="sng" w="9525">
+                      <a:solidFill>
+                        <a:schemeClr val="dk1"/>
+                      </a:solidFill>
+                      <a:prstDash val="solid"/>
+                      <a:round/>
+                      <a:headEnd len="sm" w="sm" type="none"/>
+                      <a:tailEnd len="sm" w="sm" type="none"/>
+                    </a:lnR>
+                    <a:lnT cap="flat" cmpd="sng" w="9525">
+                      <a:solidFill>
+                        <a:schemeClr val="dk1"/>
+                      </a:solidFill>
+                      <a:prstDash val="solid"/>
+                      <a:round/>
+                      <a:headEnd len="sm" w="sm" type="none"/>
+                      <a:tailEnd len="sm" w="sm" type="none"/>
+                    </a:lnT>
+                    <a:lnB cap="flat" cmpd="sng" w="9525">
+                      <a:solidFill>
+                        <a:schemeClr val="dk1"/>
+                      </a:solidFill>
+                      <a:prstDash val="solid"/>
+                      <a:round/>
+                      <a:headEnd len="sm" w="sm" type="none"/>
+                      <a:tailEnd len="sm" w="sm" type="none"/>
+                    </a:lnB>
+                  </a:tcPr>
+                </a:tc>
+              </a:tr>
+            </a:tbl>
+          </a:graphicData>
+        </a:graphic>
+      </p:graphicFrame>
+      <p:sp>
+        <p:nvSpPr>
+          <p:cNvPr id="202" name="Google Shape;202;p23"/>
+          <p:cNvSpPr txBox="1"/>
+          <p:nvPr>
+            <p:ph type="title"/>
+          </p:nvPr>
+        </p:nvSpPr>
+        <p:spPr>
+          <a:xfrm>
+            <a:off x="447251" y="575950"/>
+            <a:ext cx="8274600" cy="635400"/>
+          </a:xfrm>
+          <a:prstGeom prst="rect">
+            <a:avLst/>
+          </a:prstGeom>
+        </p:spPr>
+        <p:txBody>
+          <a:bodyPr anchorCtr="0" anchor="t" bIns="91425" lIns="91425" spcFirstLastPara="1" rIns="91425" wrap="square" tIns="91425">
+            <a:normAutofit fontScale="90000"/>
+          </a:bodyPr>
+          <a:lstStyle/>
+          <a:p>
+            <a:pPr indent="0" lvl="0" marL="0" rtl="0" algn="l">
+              <a:spcBef>
+                <a:spcPts val="0"/>
+              </a:spcBef>
+              <a:spcAft>
+                <a:spcPts val="0"/>
+              </a:spcAft>
+              <a:buNone/>
+            </a:pPr>
+            <a:r>
+              <a:rPr lang="en"/>
+              <a:t>A</a:t>
+            </a:r>
+            <a:r>
+              <a:rPr lang="en"/>
+              <a:t>ccuracies</a:t>
+            </a:r>
+            <a:r>
+              <a:rPr lang="en"/>
+              <a:t> for Multi-output multi-class Classifier </a:t>
+            </a:r>
+            <a:endParaRPr/>
+          </a:p>
+        </p:txBody>
+      </p:sp>
+      <p:sp>
+        <p:nvSpPr>
+          <p:cNvPr id="203" name="Google Shape;203;p23"/>
+          <p:cNvSpPr txBox="1"/>
+          <p:nvPr>
+            <p:ph idx="12" type="sldNum"/>
+          </p:nvPr>
+        </p:nvSpPr>
+        <p:spPr>
+          <a:xfrm>
+            <a:off x="8497999" y="4688759"/>
+            <a:ext cx="548700" cy="393600"/>
+          </a:xfrm>
+          <a:prstGeom prst="rect">
+            <a:avLst/>
+          </a:prstGeom>
+        </p:spPr>
+        <p:txBody>
+          <a:bodyPr anchorCtr="0" anchor="ctr" bIns="91425" lIns="91425" spcFirstLastPara="1" rIns="91425" wrap="square" tIns="91425">
+            <a:normAutofit/>
+          </a:bodyPr>
+          <a:lstStyle/>
+          <a:p>
+            <a:pPr indent="0" lvl="0" marL="0" rtl="0" algn="r">
+              <a:spcBef>
+                <a:spcPts val="0"/>
+              </a:spcBef>
+              <a:spcAft>
+                <a:spcPts val="0"/>
+              </a:spcAft>
+              <a:buNone/>
+            </a:pPr>
+            <a:fld id="{00000000-1234-1234-1234-123412341234}" type="slidenum">
+              <a:rPr lang="en">
+                <a:solidFill>
+                  <a:schemeClr val="dk2"/>
+                </a:solidFill>
+              </a:rPr>
+              <a:t>‹#›</a:t>
+            </a:fld>
+            <a:endParaRPr>
+              <a:solidFill>
+                <a:schemeClr val="dk2"/>
+              </a:solidFill>
             </a:endParaRPr>
           </a:p>
         </p:txBody>
@@ -8644,8 +11713,17 @@
               <a:buChar char="●"/>
             </a:pPr>
             <a:r>
+              <a:rPr lang="en" u="sng">
+                <a:solidFill>
+                  <a:schemeClr val="hlink"/>
+                </a:solidFill>
+                <a:hlinkClick r:id="rId3"/>
+              </a:rPr>
+              <a:t>Raiipa Technologies</a:t>
+            </a:r>
+            <a:r>
               <a:rPr lang="en"/>
-              <a:t>Raiipa Technologies - AI Applications to </a:t>
+              <a:t> - AI Applications for </a:t>
             </a:r>
             <a:r>
               <a:rPr lang="en"/>
@@ -8689,8 +11767,17 @@
               <a:buChar char="●"/>
             </a:pPr>
             <a:r>
+              <a:rPr lang="en" u="sng">
+                <a:solidFill>
+                  <a:schemeClr val="hlink"/>
+                </a:solidFill>
+                <a:hlinkClick r:id="rId4"/>
+              </a:rPr>
+              <a:t>AZOM.com</a:t>
+            </a:r>
+            <a:r>
               <a:rPr lang="en"/>
-              <a:t>AZOM.com - AZO Materials </a:t>
+              <a:t> - AZO Materials </a:t>
             </a:r>
             <a:endParaRPr/>
           </a:p>
@@ -8726,8 +11813,17 @@
               <a:buChar char="●"/>
             </a:pPr>
             <a:r>
+              <a:rPr lang="en" u="sng">
+                <a:solidFill>
+                  <a:schemeClr val="hlink"/>
+                </a:solidFill>
+                <a:hlinkClick r:id="rId5"/>
+              </a:rPr>
+              <a:t>MakeItFrom.com</a:t>
+            </a:r>
+            <a:r>
               <a:rPr lang="en"/>
-              <a:t>MakeItFrom.com  - database of engineering material properties</a:t>
+              <a:t>  - database of engineering material properties</a:t>
             </a:r>
             <a:endParaRPr/>
           </a:p>
@@ -8831,7 +11927,7 @@
                 <a:solidFill>
                   <a:schemeClr val="hlink"/>
                 </a:solidFill>
-                <a:hlinkClick r:id="rId3"/>
+                <a:hlinkClick r:id="rId6"/>
               </a:rPr>
               <a:t>Raiipa Dataset</a:t>
             </a:r>
@@ -9339,6 +12435,46 @@
           <p:cNvPr id="107" name="Google Shape;107;p15"/>
           <p:cNvSpPr txBox="1"/>
           <p:nvPr>
+            <p:ph type="title"/>
+          </p:nvPr>
+        </p:nvSpPr>
+        <p:spPr>
+          <a:xfrm>
+            <a:off x="447251" y="575950"/>
+            <a:ext cx="8274600" cy="635400"/>
+          </a:xfrm>
+          <a:prstGeom prst="rect">
+            <a:avLst/>
+          </a:prstGeom>
+        </p:spPr>
+        <p:txBody>
+          <a:bodyPr anchorCtr="0" anchor="t" bIns="91425" lIns="91425" spcFirstLastPara="1" rIns="91425" wrap="square" tIns="91425">
+            <a:normAutofit fontScale="90000"/>
+          </a:bodyPr>
+          <a:lstStyle/>
+          <a:p>
+            <a:pPr indent="0" lvl="0" marL="0" rtl="0" algn="l">
+              <a:spcBef>
+                <a:spcPts val="0"/>
+              </a:spcBef>
+              <a:spcAft>
+                <a:spcPts val="0"/>
+              </a:spcAft>
+              <a:buNone/>
+            </a:pPr>
+            <a:r>
+              <a:rPr lang="en"/>
+              <a:t>Label Balancing</a:t>
+            </a:r>
+            <a:endParaRPr/>
+          </a:p>
+        </p:txBody>
+      </p:sp>
+      <p:sp>
+        <p:nvSpPr>
+          <p:cNvPr id="108" name="Google Shape;108;p15"/>
+          <p:cNvSpPr txBox="1"/>
+          <p:nvPr>
             <p:ph idx="12" type="sldNum"/>
           </p:nvPr>
         </p:nvSpPr>
@@ -9367,6 +12503,310 @@
               <a:buNone/>
             </a:pPr>
             <a:fld id="{00000000-1234-1234-1234-123412341234}" type="slidenum">
+              <a:rPr lang="en"/>
+              <a:t>‹#›</a:t>
+            </a:fld>
+            <a:endParaRPr/>
+          </a:p>
+        </p:txBody>
+      </p:sp>
+      <p:pic>
+        <p:nvPicPr>
+          <p:cNvPr id="109" name="Google Shape;109;p15"/>
+          <p:cNvPicPr preferRelativeResize="0"/>
+          <p:nvPr/>
+        </p:nvPicPr>
+        <p:blipFill rotWithShape="1">
+          <a:blip r:embed="rId3">
+            <a:alphaModFix/>
+          </a:blip>
+          <a:srcRect b="0" l="0" r="8925" t="0"/>
+          <a:stretch/>
+        </p:blipFill>
+        <p:spPr>
+          <a:xfrm>
+            <a:off x="866725" y="1542115"/>
+            <a:ext cx="5434038" cy="3190611"/>
+          </a:xfrm>
+          <a:prstGeom prst="rect">
+            <a:avLst/>
+          </a:prstGeom>
+          <a:noFill/>
+          <a:ln>
+            <a:noFill/>
+          </a:ln>
+        </p:spPr>
+      </p:pic>
+      <p:pic>
+        <p:nvPicPr>
+          <p:cNvPr id="110" name="Google Shape;110;p15"/>
+          <p:cNvPicPr preferRelativeResize="0"/>
+          <p:nvPr/>
+        </p:nvPicPr>
+        <p:blipFill rotWithShape="1">
+          <a:blip r:embed="rId4">
+            <a:alphaModFix/>
+          </a:blip>
+          <a:srcRect b="0" l="52841" r="0" t="4415"/>
+          <a:stretch/>
+        </p:blipFill>
+        <p:spPr>
+          <a:xfrm>
+            <a:off x="6300765" y="1542115"/>
+            <a:ext cx="2001635" cy="3190610"/>
+          </a:xfrm>
+          <a:prstGeom prst="rect">
+            <a:avLst/>
+          </a:prstGeom>
+          <a:noFill/>
+          <a:ln>
+            <a:noFill/>
+          </a:ln>
+        </p:spPr>
+      </p:pic>
+      <p:sp>
+        <p:nvSpPr>
+          <p:cNvPr id="111" name="Google Shape;111;p15"/>
+          <p:cNvSpPr txBox="1"/>
+          <p:nvPr/>
+        </p:nvSpPr>
+        <p:spPr>
+          <a:xfrm>
+            <a:off x="866726" y="1127475"/>
+            <a:ext cx="2529900" cy="475200"/>
+          </a:xfrm>
+          <a:prstGeom prst="rect">
+            <a:avLst/>
+          </a:prstGeom>
+          <a:noFill/>
+          <a:ln>
+            <a:noFill/>
+          </a:ln>
+        </p:spPr>
+        <p:txBody>
+          <a:bodyPr anchorCtr="0" anchor="b" bIns="91425" lIns="91425" spcFirstLastPara="1" rIns="91425" wrap="square" tIns="91425">
+            <a:noAutofit/>
+          </a:bodyPr>
+          <a:lstStyle/>
+          <a:p>
+            <a:pPr indent="0" lvl="0" marL="0" rtl="0" algn="l">
+              <a:lnSpc>
+                <a:spcPct val="100000"/>
+              </a:lnSpc>
+              <a:spcBef>
+                <a:spcPts val="0"/>
+              </a:spcBef>
+              <a:spcAft>
+                <a:spcPts val="0"/>
+              </a:spcAft>
+              <a:buSzPts val="440"/>
+              <a:buNone/>
+            </a:pPr>
+            <a:r>
+              <a:rPr lang="en" sz="1350">
+                <a:solidFill>
+                  <a:schemeClr val="dk2"/>
+                </a:solidFill>
+                <a:latin typeface="Inter Medium"/>
+                <a:ea typeface="Inter Medium"/>
+                <a:cs typeface="Inter Medium"/>
+                <a:sym typeface="Inter Medium"/>
+              </a:rPr>
+              <a:t>Binned Temperature (55 C)</a:t>
+            </a:r>
+            <a:endParaRPr sz="1350">
+              <a:solidFill>
+                <a:schemeClr val="dk2"/>
+              </a:solidFill>
+              <a:latin typeface="Inter Medium"/>
+              <a:ea typeface="Inter Medium"/>
+              <a:cs typeface="Inter Medium"/>
+              <a:sym typeface="Inter Medium"/>
+            </a:endParaRPr>
+          </a:p>
+        </p:txBody>
+      </p:sp>
+      <p:sp>
+        <p:nvSpPr>
+          <p:cNvPr id="112" name="Google Shape;112;p15"/>
+          <p:cNvSpPr txBox="1"/>
+          <p:nvPr/>
+        </p:nvSpPr>
+        <p:spPr>
+          <a:xfrm>
+            <a:off x="3471941" y="1127475"/>
+            <a:ext cx="2529900" cy="475200"/>
+          </a:xfrm>
+          <a:prstGeom prst="rect">
+            <a:avLst/>
+          </a:prstGeom>
+          <a:noFill/>
+          <a:ln>
+            <a:noFill/>
+          </a:ln>
+        </p:spPr>
+        <p:txBody>
+          <a:bodyPr anchorCtr="0" anchor="b" bIns="91425" lIns="91425" spcFirstLastPara="1" rIns="91425" wrap="square" tIns="91425">
+            <a:noAutofit/>
+          </a:bodyPr>
+          <a:lstStyle/>
+          <a:p>
+            <a:pPr indent="0" lvl="0" marL="0" rtl="0" algn="l">
+              <a:lnSpc>
+                <a:spcPct val="100000"/>
+              </a:lnSpc>
+              <a:spcBef>
+                <a:spcPts val="0"/>
+              </a:spcBef>
+              <a:spcAft>
+                <a:spcPts val="0"/>
+              </a:spcAft>
+              <a:buNone/>
+            </a:pPr>
+            <a:r>
+              <a:rPr lang="en" sz="1350">
+                <a:solidFill>
+                  <a:schemeClr val="dk2"/>
+                </a:solidFill>
+                <a:latin typeface="Inter Medium"/>
+                <a:ea typeface="Inter Medium"/>
+                <a:cs typeface="Inter Medium"/>
+                <a:sym typeface="Inter Medium"/>
+              </a:rPr>
+              <a:t>Before Binning Time</a:t>
+            </a:r>
+            <a:endParaRPr sz="1350">
+              <a:solidFill>
+                <a:schemeClr val="dk2"/>
+              </a:solidFill>
+              <a:latin typeface="Inter Medium"/>
+              <a:ea typeface="Inter Medium"/>
+              <a:cs typeface="Inter Medium"/>
+              <a:sym typeface="Inter Medium"/>
+            </a:endParaRPr>
+          </a:p>
+        </p:txBody>
+      </p:sp>
+      <p:sp>
+        <p:nvSpPr>
+          <p:cNvPr id="113" name="Google Shape;113;p15"/>
+          <p:cNvSpPr txBox="1"/>
+          <p:nvPr/>
+        </p:nvSpPr>
+        <p:spPr>
+          <a:xfrm>
+            <a:off x="6300765" y="1127475"/>
+            <a:ext cx="1857000" cy="475200"/>
+          </a:xfrm>
+          <a:prstGeom prst="rect">
+            <a:avLst/>
+          </a:prstGeom>
+          <a:noFill/>
+          <a:ln>
+            <a:noFill/>
+          </a:ln>
+        </p:spPr>
+        <p:txBody>
+          <a:bodyPr anchorCtr="0" anchor="b" bIns="91425" lIns="91425" spcFirstLastPara="1" rIns="91425" wrap="square" tIns="91425">
+            <a:noAutofit/>
+          </a:bodyPr>
+          <a:lstStyle/>
+          <a:p>
+            <a:pPr indent="0" lvl="0" marL="0" rtl="0" algn="l">
+              <a:lnSpc>
+                <a:spcPct val="100000"/>
+              </a:lnSpc>
+              <a:spcBef>
+                <a:spcPts val="0"/>
+              </a:spcBef>
+              <a:spcAft>
+                <a:spcPts val="0"/>
+              </a:spcAft>
+              <a:buSzPts val="605"/>
+              <a:buNone/>
+            </a:pPr>
+            <a:r>
+              <a:rPr lang="en" sz="1350">
+                <a:solidFill>
+                  <a:schemeClr val="dk2"/>
+                </a:solidFill>
+                <a:latin typeface="Inter Medium"/>
+                <a:ea typeface="Inter Medium"/>
+                <a:cs typeface="Inter Medium"/>
+                <a:sym typeface="Inter Medium"/>
+              </a:rPr>
+              <a:t>After Binning Time</a:t>
+            </a:r>
+            <a:endParaRPr sz="1350">
+              <a:solidFill>
+                <a:schemeClr val="dk2"/>
+              </a:solidFill>
+              <a:latin typeface="Inter Medium"/>
+              <a:ea typeface="Inter Medium"/>
+              <a:cs typeface="Inter Medium"/>
+              <a:sym typeface="Inter Medium"/>
+            </a:endParaRPr>
+          </a:p>
+        </p:txBody>
+      </p:sp>
+    </p:spTree>
+  </p:cSld>
+  <p:clrMapOvr>
+    <a:masterClrMapping/>
+  </p:clrMapOvr>
+</p:sld>
+</file>
+
+<file path=ppt/slides/slide6.xml><?xml version="1.0" encoding="utf-8"?>
+<p:sld xmlns:a="http://schemas.openxmlformats.org/drawingml/2006/main" xmlns:r="http://schemas.openxmlformats.org/officeDocument/2006/relationships" xmlns:mc="http://schemas.openxmlformats.org/markup-compatibility/2006" xmlns:mv="urn:schemas-microsoft-com:mac:vml" xmlns:p="http://schemas.openxmlformats.org/presentationml/2006/main" xmlns:c="http://schemas.openxmlformats.org/drawingml/2006/chart" xmlns:dgm="http://schemas.openxmlformats.org/drawingml/2006/diagram" xmlns:o="urn:schemas-microsoft-com:office:office" xmlns:v="urn:schemas-microsoft-com:vml" xmlns:pvml="urn:schemas-microsoft-com:office:powerpoint" xmlns:com="http://schemas.openxmlformats.org/drawingml/2006/compatibility" xmlns:p14="http://schemas.microsoft.com/office/powerpoint/2010/main" xmlns:p15="http://schemas.microsoft.com/office/powerpoint/2012/main" xmlns:ahyp="http://schemas.microsoft.com/office/drawing/2018/hyperlinkcolor">
+  <p:cSld>
+    <p:spTree>
+      <p:nvGrpSpPr>
+        <p:cNvPr id="117" name="Shape 117"/>
+        <p:cNvGrpSpPr/>
+        <p:nvPr/>
+      </p:nvGrpSpPr>
+      <p:grpSpPr>
+        <a:xfrm>
+          <a:off x="0" y="0"/>
+          <a:ext cx="0" cy="0"/>
+          <a:chOff x="0" y="0"/>
+          <a:chExt cx="0" cy="0"/>
+        </a:xfrm>
+      </p:grpSpPr>
+      <p:sp>
+        <p:nvSpPr>
+          <p:cNvPr id="118" name="Google Shape;118;p16"/>
+          <p:cNvSpPr txBox="1"/>
+          <p:nvPr>
+            <p:ph idx="12" type="sldNum"/>
+          </p:nvPr>
+        </p:nvSpPr>
+        <p:spPr>
+          <a:xfrm>
+            <a:off x="8497999" y="4688759"/>
+            <a:ext cx="548700" cy="393600"/>
+          </a:xfrm>
+          <a:prstGeom prst="rect">
+            <a:avLst/>
+          </a:prstGeom>
+        </p:spPr>
+        <p:txBody>
+          <a:bodyPr anchorCtr="0" anchor="ctr" bIns="91425" lIns="91425" spcFirstLastPara="1" rIns="91425" wrap="square" tIns="91425">
+            <a:normAutofit/>
+          </a:bodyPr>
+          <a:lstStyle/>
+          <a:p>
+            <a:pPr indent="0" lvl="0" marL="0" rtl="0" algn="r">
+              <a:spcBef>
+                <a:spcPts val="0"/>
+              </a:spcBef>
+              <a:spcAft>
+                <a:spcPts val="0"/>
+              </a:spcAft>
+              <a:buNone/>
+            </a:pPr>
+            <a:fld id="{00000000-1234-1234-1234-123412341234}" type="slidenum">
               <a:rPr lang="en">
                 <a:solidFill>
                   <a:schemeClr val="lt1"/>
@@ -9384,7 +12824,7 @@
       </p:sp>
       <p:sp>
         <p:nvSpPr>
-          <p:cNvPr id="108" name="Google Shape;108;p15"/>
+          <p:cNvPr id="119" name="Google Shape;119;p16"/>
           <p:cNvSpPr txBox="1"/>
           <p:nvPr>
             <p:ph type="title"/>
@@ -9420,7 +12860,7 @@
                   <a:schemeClr val="dk2"/>
                 </a:solidFill>
               </a:rPr>
-              <a:t>DNN model structure</a:t>
+              <a:t>NN model structures</a:t>
             </a:r>
             <a:endParaRPr sz="2700">
               <a:solidFill>
@@ -9430,71 +12870,15 @@
           </a:p>
         </p:txBody>
       </p:sp>
-      <p:pic>
-        <p:nvPicPr>
-          <p:cNvPr id="109" name="Google Shape;109;p15"/>
-          <p:cNvPicPr preferRelativeResize="0"/>
-          <p:nvPr/>
-        </p:nvPicPr>
-        <p:blipFill>
-          <a:blip r:embed="rId3">
-            <a:alphaModFix/>
-          </a:blip>
-          <a:stretch>
-            <a:fillRect/>
-          </a:stretch>
-        </p:blipFill>
-        <p:spPr>
-          <a:xfrm>
-            <a:off x="265491" y="567900"/>
-            <a:ext cx="3766368" cy="2051375"/>
-          </a:xfrm>
-          <a:prstGeom prst="rect">
-            <a:avLst/>
-          </a:prstGeom>
-          <a:noFill/>
-          <a:ln>
-            <a:noFill/>
-          </a:ln>
-        </p:spPr>
-      </p:pic>
-      <p:pic>
-        <p:nvPicPr>
-          <p:cNvPr id="110" name="Google Shape;110;p15"/>
-          <p:cNvPicPr preferRelativeResize="0"/>
-          <p:nvPr/>
-        </p:nvPicPr>
-        <p:blipFill>
-          <a:blip r:embed="rId4">
-            <a:alphaModFix/>
-          </a:blip>
-          <a:stretch>
-            <a:fillRect/>
-          </a:stretch>
-        </p:blipFill>
-        <p:spPr>
-          <a:xfrm>
-            <a:off x="265503" y="2646614"/>
-            <a:ext cx="2679244" cy="2051375"/>
-          </a:xfrm>
-          <a:prstGeom prst="rect">
-            <a:avLst/>
-          </a:prstGeom>
-          <a:noFill/>
-          <a:ln>
-            <a:noFill/>
-          </a:ln>
-        </p:spPr>
-      </p:pic>
       <p:sp>
         <p:nvSpPr>
-          <p:cNvPr id="111" name="Google Shape;111;p15"/>
+          <p:cNvPr id="120" name="Google Shape;120;p16"/>
           <p:cNvSpPr txBox="1"/>
           <p:nvPr/>
         </p:nvSpPr>
         <p:spPr>
           <a:xfrm>
-            <a:off x="6470500" y="567900"/>
+            <a:off x="6470450" y="567900"/>
             <a:ext cx="879900" cy="369300"/>
           </a:xfrm>
           <a:prstGeom prst="rect">
@@ -9554,7 +12938,7 @@
       </p:sp>
       <p:sp>
         <p:nvSpPr>
-          <p:cNvPr id="112" name="Google Shape;112;p15"/>
+          <p:cNvPr id="121" name="Google Shape;121;p16"/>
           <p:cNvSpPr txBox="1"/>
           <p:nvPr/>
         </p:nvSpPr>
@@ -9656,7 +13040,7 @@
       </p:sp>
       <p:sp>
         <p:nvSpPr>
-          <p:cNvPr id="113" name="Google Shape;113;p15"/>
+          <p:cNvPr id="122" name="Google Shape;122;p16"/>
           <p:cNvSpPr txBox="1"/>
           <p:nvPr/>
         </p:nvSpPr>
@@ -9722,7 +13106,7 @@
       </p:sp>
       <p:sp>
         <p:nvSpPr>
-          <p:cNvPr id="114" name="Google Shape;114;p15"/>
+          <p:cNvPr id="123" name="Google Shape;123;p16"/>
           <p:cNvSpPr txBox="1"/>
           <p:nvPr/>
         </p:nvSpPr>
@@ -9788,7 +13172,7 @@
       </p:sp>
       <p:sp>
         <p:nvSpPr>
-          <p:cNvPr id="115" name="Google Shape;115;p15"/>
+          <p:cNvPr id="124" name="Google Shape;124;p16"/>
           <p:cNvSpPr txBox="1"/>
           <p:nvPr/>
         </p:nvSpPr>
@@ -9854,7 +13238,7 @@
       </p:sp>
       <p:sp>
         <p:nvSpPr>
-          <p:cNvPr id="116" name="Google Shape;116;p15"/>
+          <p:cNvPr id="125" name="Google Shape;125;p16"/>
           <p:cNvSpPr txBox="1"/>
           <p:nvPr/>
         </p:nvSpPr>
@@ -9920,7 +13304,7 @@
       </p:sp>
       <p:sp>
         <p:nvSpPr>
-          <p:cNvPr id="117" name="Google Shape;117;p15"/>
+          <p:cNvPr id="126" name="Google Shape;126;p16"/>
           <p:cNvSpPr txBox="1"/>
           <p:nvPr/>
         </p:nvSpPr>
@@ -9986,7 +13370,7 @@
       </p:sp>
       <p:sp>
         <p:nvSpPr>
-          <p:cNvPr id="118" name="Google Shape;118;p15"/>
+          <p:cNvPr id="127" name="Google Shape;127;p16"/>
           <p:cNvSpPr txBox="1"/>
           <p:nvPr/>
         </p:nvSpPr>
@@ -10052,7 +13436,7 @@
       </p:sp>
       <p:sp>
         <p:nvSpPr>
-          <p:cNvPr id="119" name="Google Shape;119;p15"/>
+          <p:cNvPr id="128" name="Google Shape;128;p16"/>
           <p:cNvSpPr txBox="1"/>
           <p:nvPr/>
         </p:nvSpPr>
@@ -10130,7 +13514,7 @@
       </p:sp>
       <p:sp>
         <p:nvSpPr>
-          <p:cNvPr id="120" name="Google Shape;120;p15"/>
+          <p:cNvPr id="129" name="Google Shape;129;p16"/>
           <p:cNvSpPr txBox="1"/>
           <p:nvPr/>
         </p:nvSpPr>
@@ -10208,7 +13592,7 @@
       </p:sp>
       <p:sp>
         <p:nvSpPr>
-          <p:cNvPr id="121" name="Google Shape;121;p15"/>
+          <p:cNvPr id="130" name="Google Shape;130;p16"/>
           <p:cNvSpPr/>
           <p:nvPr/>
         </p:nvSpPr>
@@ -10267,7 +13651,7 @@
       </p:sp>
       <p:sp>
         <p:nvSpPr>
-          <p:cNvPr id="122" name="Google Shape;122;p15"/>
+          <p:cNvPr id="131" name="Google Shape;131;p16"/>
           <p:cNvSpPr/>
           <p:nvPr/>
         </p:nvSpPr>
@@ -10326,7 +13710,7 @@
       </p:sp>
       <p:sp>
         <p:nvSpPr>
-          <p:cNvPr id="123" name="Google Shape;123;p15"/>
+          <p:cNvPr id="132" name="Google Shape;132;p16"/>
           <p:cNvSpPr/>
           <p:nvPr/>
         </p:nvSpPr>
@@ -10383,7 +13767,7 @@
       </p:sp>
       <p:sp>
         <p:nvSpPr>
-          <p:cNvPr id="124" name="Google Shape;124;p15"/>
+          <p:cNvPr id="133" name="Google Shape;133;p16"/>
           <p:cNvSpPr/>
           <p:nvPr/>
         </p:nvSpPr>
@@ -10440,7 +13824,7 @@
       </p:sp>
       <p:sp>
         <p:nvSpPr>
-          <p:cNvPr id="125" name="Google Shape;125;p15"/>
+          <p:cNvPr id="134" name="Google Shape;134;p16"/>
           <p:cNvSpPr/>
           <p:nvPr/>
         </p:nvSpPr>
@@ -10497,7 +13881,7 @@
       </p:sp>
       <p:sp>
         <p:nvSpPr>
-          <p:cNvPr id="126" name="Google Shape;126;p15"/>
+          <p:cNvPr id="135" name="Google Shape;135;p16"/>
           <p:cNvSpPr/>
           <p:nvPr/>
         </p:nvSpPr>
@@ -10560,7 +13944,7 @@
       </p:sp>
       <p:sp>
         <p:nvSpPr>
-          <p:cNvPr id="127" name="Google Shape;127;p15"/>
+          <p:cNvPr id="136" name="Google Shape;136;p16"/>
           <p:cNvSpPr/>
           <p:nvPr/>
         </p:nvSpPr>
@@ -10617,7 +14001,7 @@
       </p:sp>
       <p:sp>
         <p:nvSpPr>
-          <p:cNvPr id="128" name="Google Shape;128;p15"/>
+          <p:cNvPr id="137" name="Google Shape;137;p16"/>
           <p:cNvSpPr/>
           <p:nvPr/>
         </p:nvSpPr>
@@ -10674,7 +14058,7 @@
       </p:sp>
       <p:sp>
         <p:nvSpPr>
-          <p:cNvPr id="129" name="Google Shape;129;p15"/>
+          <p:cNvPr id="138" name="Google Shape;138;p16"/>
           <p:cNvSpPr/>
           <p:nvPr/>
         </p:nvSpPr>
@@ -10731,7 +14115,7 @@
       </p:sp>
       <p:sp>
         <p:nvSpPr>
-          <p:cNvPr id="130" name="Google Shape;130;p15"/>
+          <p:cNvPr id="139" name="Google Shape;139;p16"/>
           <p:cNvSpPr txBox="1"/>
           <p:nvPr>
             <p:ph type="title"/>
@@ -10739,8 +14123,8 @@
         </p:nvSpPr>
         <p:spPr>
           <a:xfrm>
-            <a:off x="218275" y="21325"/>
-            <a:ext cx="4397700" cy="451800"/>
+            <a:off x="221425" y="473125"/>
+            <a:ext cx="4341300" cy="451800"/>
           </a:xfrm>
           <a:prstGeom prst="rect">
             <a:avLst/>
@@ -10767,7 +14151,7 @@
                   <a:schemeClr val="dk2"/>
                 </a:solidFill>
               </a:rPr>
-              <a:t>Class Imbalance </a:t>
+              <a:t>Model Accuricies</a:t>
             </a:r>
             <a:endParaRPr sz="2700">
               <a:solidFill>
@@ -10777,32 +14161,1082 @@
           </a:p>
         </p:txBody>
       </p:sp>
+      <p:graphicFrame>
+        <p:nvGraphicFramePr>
+          <p:cNvPr id="140" name="Google Shape;140;p16"/>
+          <p:cNvGraphicFramePr/>
+          <p:nvPr/>
+        </p:nvGraphicFramePr>
+        <p:xfrm>
+          <a:off x="221500" y="1327375"/>
+          <a:ext cx="3000000" cy="3000000"/>
+        </p:xfrm>
+        <a:graphic>
+          <a:graphicData uri="http://schemas.openxmlformats.org/drawingml/2006/table">
+            <a:tbl>
+              <a:tblPr>
+                <a:noFill/>
+                <a:tableStyleId>{F9421131-FA69-421E-910E-79E259B94192}</a:tableStyleId>
+              </a:tblPr>
+              <a:tblGrid>
+                <a:gridCol w="1779500"/>
+                <a:gridCol w="1280900"/>
+                <a:gridCol w="1280900"/>
+              </a:tblGrid>
+              <a:tr h="369650">
+                <a:tc rowSpan="2">
+                  <a:txBody>
+                    <a:bodyPr/>
+                    <a:lstStyle/>
+                    <a:p>
+                      <a:pPr indent="0" lvl="0" marL="0" rtl="0" algn="ctr">
+                        <a:spcBef>
+                          <a:spcPts val="0"/>
+                        </a:spcBef>
+                        <a:spcAft>
+                          <a:spcPts val="0"/>
+                        </a:spcAft>
+                        <a:buNone/>
+                      </a:pPr>
+                      <a:r>
+                        <a:rPr b="1" lang="en" sz="1300">
+                          <a:solidFill>
+                            <a:schemeClr val="dk2"/>
+                          </a:solidFill>
+                        </a:rPr>
+                        <a:t>Classifier </a:t>
+                      </a:r>
+                      <a:endParaRPr b="1" sz="1300">
+                        <a:solidFill>
+                          <a:schemeClr val="dk2"/>
+                        </a:solidFill>
+                      </a:endParaRPr>
+                    </a:p>
+                  </a:txBody>
+                  <a:tcPr marT="91425" marB="91425" marR="91425" marL="91425" anchor="b">
+                    <a:lnL cap="flat" cmpd="sng" w="9525">
+                      <a:solidFill>
+                        <a:schemeClr val="dk1"/>
+                      </a:solidFill>
+                      <a:prstDash val="solid"/>
+                      <a:round/>
+                      <a:headEnd len="sm" w="sm" type="none"/>
+                      <a:tailEnd len="sm" w="sm" type="none"/>
+                    </a:lnL>
+                    <a:lnR cap="flat" cmpd="sng" w="9525">
+                      <a:solidFill>
+                        <a:schemeClr val="dk1"/>
+                      </a:solidFill>
+                      <a:prstDash val="solid"/>
+                      <a:round/>
+                      <a:headEnd len="sm" w="sm" type="none"/>
+                      <a:tailEnd len="sm" w="sm" type="none"/>
+                    </a:lnR>
+                    <a:lnT cap="flat" cmpd="sng" w="9525">
+                      <a:solidFill>
+                        <a:schemeClr val="dk1"/>
+                      </a:solidFill>
+                      <a:prstDash val="solid"/>
+                      <a:round/>
+                      <a:headEnd len="sm" w="sm" type="none"/>
+                      <a:tailEnd len="sm" w="sm" type="none"/>
+                    </a:lnT>
+                    <a:lnB cap="flat" cmpd="sng" w="9525">
+                      <a:solidFill>
+                        <a:schemeClr val="dk1"/>
+                      </a:solidFill>
+                      <a:prstDash val="solid"/>
+                      <a:round/>
+                      <a:headEnd len="sm" w="sm" type="none"/>
+                      <a:tailEnd len="sm" w="sm" type="none"/>
+                    </a:lnB>
+                  </a:tcPr>
+                </a:tc>
+                <a:tc>
+                  <a:txBody>
+                    <a:bodyPr/>
+                    <a:lstStyle/>
+                    <a:p>
+                      <a:pPr indent="0" lvl="0" marL="0" rtl="0" algn="ctr">
+                        <a:spcBef>
+                          <a:spcPts val="0"/>
+                        </a:spcBef>
+                        <a:spcAft>
+                          <a:spcPts val="0"/>
+                        </a:spcAft>
+                        <a:buNone/>
+                      </a:pPr>
+                      <a:r>
+                        <a:rPr lang="en">
+                          <a:solidFill>
+                            <a:schemeClr val="dk2"/>
+                          </a:solidFill>
+                        </a:rPr>
+                        <a:t>Training Set </a:t>
+                      </a:r>
+                      <a:endParaRPr>
+                        <a:solidFill>
+                          <a:schemeClr val="dk2"/>
+                        </a:solidFill>
+                      </a:endParaRPr>
+                    </a:p>
+                  </a:txBody>
+                  <a:tcPr marT="91425" marB="91425" marR="91425" marL="91425">
+                    <a:lnL cap="flat" cmpd="sng" w="9525">
+                      <a:solidFill>
+                        <a:schemeClr val="dk1"/>
+                      </a:solidFill>
+                      <a:prstDash val="solid"/>
+                      <a:round/>
+                      <a:headEnd len="sm" w="sm" type="none"/>
+                      <a:tailEnd len="sm" w="sm" type="none"/>
+                    </a:lnL>
+                    <a:lnR cap="flat" cmpd="sng" w="9525">
+                      <a:solidFill>
+                        <a:schemeClr val="dk1"/>
+                      </a:solidFill>
+                      <a:prstDash val="solid"/>
+                      <a:round/>
+                      <a:headEnd len="sm" w="sm" type="none"/>
+                      <a:tailEnd len="sm" w="sm" type="none"/>
+                    </a:lnR>
+                    <a:lnT cap="flat" cmpd="sng" w="9525">
+                      <a:solidFill>
+                        <a:schemeClr val="dk1"/>
+                      </a:solidFill>
+                      <a:prstDash val="solid"/>
+                      <a:round/>
+                      <a:headEnd len="sm" w="sm" type="none"/>
+                      <a:tailEnd len="sm" w="sm" type="none"/>
+                    </a:lnT>
+                    <a:lnB cap="flat" cmpd="sng" w="9525">
+                      <a:solidFill>
+                        <a:schemeClr val="dk1"/>
+                      </a:solidFill>
+                      <a:prstDash val="solid"/>
+                      <a:round/>
+                      <a:headEnd len="sm" w="sm" type="none"/>
+                      <a:tailEnd len="sm" w="sm" type="none"/>
+                    </a:lnB>
+                  </a:tcPr>
+                </a:tc>
+                <a:tc>
+                  <a:txBody>
+                    <a:bodyPr/>
+                    <a:lstStyle/>
+                    <a:p>
+                      <a:pPr indent="0" lvl="0" marL="0" rtl="0" algn="ctr">
+                        <a:spcBef>
+                          <a:spcPts val="0"/>
+                        </a:spcBef>
+                        <a:spcAft>
+                          <a:spcPts val="0"/>
+                        </a:spcAft>
+                        <a:buNone/>
+                      </a:pPr>
+                      <a:r>
+                        <a:rPr lang="en">
+                          <a:solidFill>
+                            <a:schemeClr val="dk2"/>
+                          </a:solidFill>
+                        </a:rPr>
+                        <a:t>Testing Set </a:t>
+                      </a:r>
+                      <a:endParaRPr>
+                        <a:solidFill>
+                          <a:schemeClr val="dk2"/>
+                        </a:solidFill>
+                      </a:endParaRPr>
+                    </a:p>
+                  </a:txBody>
+                  <a:tcPr marT="91425" marB="91425" marR="91425" marL="91425">
+                    <a:lnL cap="flat" cmpd="sng" w="9525">
+                      <a:solidFill>
+                        <a:schemeClr val="dk1"/>
+                      </a:solidFill>
+                      <a:prstDash val="solid"/>
+                      <a:round/>
+                      <a:headEnd len="sm" w="sm" type="none"/>
+                      <a:tailEnd len="sm" w="sm" type="none"/>
+                    </a:lnL>
+                    <a:lnR cap="flat" cmpd="sng" w="9525">
+                      <a:solidFill>
+                        <a:schemeClr val="dk1"/>
+                      </a:solidFill>
+                      <a:prstDash val="solid"/>
+                      <a:round/>
+                      <a:headEnd len="sm" w="sm" type="none"/>
+                      <a:tailEnd len="sm" w="sm" type="none"/>
+                    </a:lnR>
+                    <a:lnT cap="flat" cmpd="sng" w="9525">
+                      <a:solidFill>
+                        <a:schemeClr val="dk1"/>
+                      </a:solidFill>
+                      <a:prstDash val="solid"/>
+                      <a:round/>
+                      <a:headEnd len="sm" w="sm" type="none"/>
+                      <a:tailEnd len="sm" w="sm" type="none"/>
+                    </a:lnT>
+                    <a:lnB cap="flat" cmpd="sng" w="9525">
+                      <a:solidFill>
+                        <a:schemeClr val="dk1"/>
+                      </a:solidFill>
+                      <a:prstDash val="solid"/>
+                      <a:round/>
+                      <a:headEnd len="sm" w="sm" type="none"/>
+                      <a:tailEnd len="sm" w="sm" type="none"/>
+                    </a:lnB>
+                  </a:tcPr>
+                </a:tc>
+              </a:tr>
+              <a:tr h="454975">
+                <a:tc vMerge="1"/>
+                <a:tc>
+                  <a:txBody>
+                    <a:bodyPr/>
+                    <a:lstStyle/>
+                    <a:p>
+                      <a:pPr indent="0" lvl="0" marL="0" rtl="0" algn="ctr">
+                        <a:spcBef>
+                          <a:spcPts val="0"/>
+                        </a:spcBef>
+                        <a:spcAft>
+                          <a:spcPts val="0"/>
+                        </a:spcAft>
+                        <a:buNone/>
+                      </a:pPr>
+                      <a:r>
+                        <a:rPr b="1" lang="en" sz="1300">
+                          <a:solidFill>
+                            <a:schemeClr val="dk2"/>
+                          </a:solidFill>
+                        </a:rPr>
+                        <a:t>Combined Accuracy</a:t>
+                      </a:r>
+                      <a:endParaRPr b="1" sz="1300">
+                        <a:solidFill>
+                          <a:schemeClr val="dk2"/>
+                        </a:solidFill>
+                      </a:endParaRPr>
+                    </a:p>
+                    <a:p>
+                      <a:pPr indent="0" lvl="0" marL="0" rtl="0" algn="ctr">
+                        <a:spcBef>
+                          <a:spcPts val="0"/>
+                        </a:spcBef>
+                        <a:spcAft>
+                          <a:spcPts val="0"/>
+                        </a:spcAft>
+                        <a:buNone/>
+                      </a:pPr>
+                      <a:r>
+                        <a:rPr lang="en" sz="1300">
+                          <a:solidFill>
+                            <a:schemeClr val="dk2"/>
+                          </a:solidFill>
+                        </a:rPr>
+                        <a:t>(%)</a:t>
+                      </a:r>
+                      <a:endParaRPr sz="1300">
+                        <a:solidFill>
+                          <a:schemeClr val="dk2"/>
+                        </a:solidFill>
+                      </a:endParaRPr>
+                    </a:p>
+                  </a:txBody>
+                  <a:tcPr marT="91425" marB="91425" marR="91425" marL="91425">
+                    <a:lnL cap="flat" cmpd="sng" w="9525">
+                      <a:solidFill>
+                        <a:schemeClr val="dk1"/>
+                      </a:solidFill>
+                      <a:prstDash val="solid"/>
+                      <a:round/>
+                      <a:headEnd len="sm" w="sm" type="none"/>
+                      <a:tailEnd len="sm" w="sm" type="none"/>
+                    </a:lnL>
+                    <a:lnR cap="flat" cmpd="sng" w="9525">
+                      <a:solidFill>
+                        <a:schemeClr val="dk1"/>
+                      </a:solidFill>
+                      <a:prstDash val="solid"/>
+                      <a:round/>
+                      <a:headEnd len="sm" w="sm" type="none"/>
+                      <a:tailEnd len="sm" w="sm" type="none"/>
+                    </a:lnR>
+                    <a:lnT cap="flat" cmpd="sng" w="9525">
+                      <a:solidFill>
+                        <a:schemeClr val="dk1"/>
+                      </a:solidFill>
+                      <a:prstDash val="solid"/>
+                      <a:round/>
+                      <a:headEnd len="sm" w="sm" type="none"/>
+                      <a:tailEnd len="sm" w="sm" type="none"/>
+                    </a:lnT>
+                    <a:lnB cap="flat" cmpd="sng" w="9525">
+                      <a:solidFill>
+                        <a:schemeClr val="dk1"/>
+                      </a:solidFill>
+                      <a:prstDash val="solid"/>
+                      <a:round/>
+                      <a:headEnd len="sm" w="sm" type="none"/>
+                      <a:tailEnd len="sm" w="sm" type="none"/>
+                    </a:lnB>
+                  </a:tcPr>
+                </a:tc>
+                <a:tc>
+                  <a:txBody>
+                    <a:bodyPr/>
+                    <a:lstStyle/>
+                    <a:p>
+                      <a:pPr indent="0" lvl="0" marL="0" rtl="0" algn="ctr">
+                        <a:spcBef>
+                          <a:spcPts val="0"/>
+                        </a:spcBef>
+                        <a:spcAft>
+                          <a:spcPts val="0"/>
+                        </a:spcAft>
+                        <a:buNone/>
+                      </a:pPr>
+                      <a:r>
+                        <a:rPr b="1" lang="en" sz="1300">
+                          <a:solidFill>
+                            <a:schemeClr val="dk2"/>
+                          </a:solidFill>
+                        </a:rPr>
+                        <a:t>Combined Accuracy</a:t>
+                      </a:r>
+                      <a:endParaRPr b="1" sz="1300">
+                        <a:solidFill>
+                          <a:schemeClr val="dk2"/>
+                        </a:solidFill>
+                      </a:endParaRPr>
+                    </a:p>
+                    <a:p>
+                      <a:pPr indent="0" lvl="0" marL="0" rtl="0" algn="ctr">
+                        <a:spcBef>
+                          <a:spcPts val="0"/>
+                        </a:spcBef>
+                        <a:spcAft>
+                          <a:spcPts val="0"/>
+                        </a:spcAft>
+                        <a:buNone/>
+                      </a:pPr>
+                      <a:r>
+                        <a:rPr lang="en" sz="1300">
+                          <a:solidFill>
+                            <a:schemeClr val="dk2"/>
+                          </a:solidFill>
+                        </a:rPr>
+                        <a:t>(%)</a:t>
+                      </a:r>
+                      <a:endParaRPr sz="1300">
+                        <a:solidFill>
+                          <a:schemeClr val="dk2"/>
+                        </a:solidFill>
+                      </a:endParaRPr>
+                    </a:p>
+                  </a:txBody>
+                  <a:tcPr marT="91425" marB="91425" marR="91425" marL="91425">
+                    <a:lnL cap="flat" cmpd="sng" w="9525">
+                      <a:solidFill>
+                        <a:schemeClr val="dk1"/>
+                      </a:solidFill>
+                      <a:prstDash val="solid"/>
+                      <a:round/>
+                      <a:headEnd len="sm" w="sm" type="none"/>
+                      <a:tailEnd len="sm" w="sm" type="none"/>
+                    </a:lnL>
+                    <a:lnR cap="flat" cmpd="sng" w="9525">
+                      <a:solidFill>
+                        <a:schemeClr val="dk1"/>
+                      </a:solidFill>
+                      <a:prstDash val="solid"/>
+                      <a:round/>
+                      <a:headEnd len="sm" w="sm" type="none"/>
+                      <a:tailEnd len="sm" w="sm" type="none"/>
+                    </a:lnR>
+                    <a:lnT cap="flat" cmpd="sng" w="9525">
+                      <a:solidFill>
+                        <a:schemeClr val="dk1"/>
+                      </a:solidFill>
+                      <a:prstDash val="solid"/>
+                      <a:round/>
+                      <a:headEnd len="sm" w="sm" type="none"/>
+                      <a:tailEnd len="sm" w="sm" type="none"/>
+                    </a:lnT>
+                    <a:lnB cap="flat" cmpd="sng" w="9525">
+                      <a:solidFill>
+                        <a:schemeClr val="dk1"/>
+                      </a:solidFill>
+                      <a:prstDash val="solid"/>
+                      <a:round/>
+                      <a:headEnd len="sm" w="sm" type="none"/>
+                      <a:tailEnd len="sm" w="sm" type="none"/>
+                    </a:lnB>
+                  </a:tcPr>
+                </a:tc>
+              </a:tr>
+              <a:tr h="473325">
+                <a:tc>
+                  <a:txBody>
+                    <a:bodyPr/>
+                    <a:lstStyle/>
+                    <a:p>
+                      <a:pPr indent="0" lvl="0" marL="0" rtl="0" algn="r">
+                        <a:spcBef>
+                          <a:spcPts val="0"/>
+                        </a:spcBef>
+                        <a:spcAft>
+                          <a:spcPts val="0"/>
+                        </a:spcAft>
+                        <a:buNone/>
+                      </a:pPr>
+                      <a:r>
+                        <a:rPr b="1" lang="en" sz="1300">
+                          <a:solidFill>
+                            <a:schemeClr val="dk2"/>
+                          </a:solidFill>
+                        </a:rPr>
+                        <a:t>Extra Trees</a:t>
+                      </a:r>
+                      <a:endParaRPr b="1" sz="1300">
+                        <a:solidFill>
+                          <a:schemeClr val="dk2"/>
+                        </a:solidFill>
+                      </a:endParaRPr>
+                    </a:p>
+                  </a:txBody>
+                  <a:tcPr marT="91425" marB="91425" marR="91425" marL="91425">
+                    <a:lnL cap="flat" cmpd="sng" w="9525">
+                      <a:solidFill>
+                        <a:schemeClr val="dk1"/>
+                      </a:solidFill>
+                      <a:prstDash val="solid"/>
+                      <a:round/>
+                      <a:headEnd len="sm" w="sm" type="none"/>
+                      <a:tailEnd len="sm" w="sm" type="none"/>
+                    </a:lnL>
+                    <a:lnR cap="flat" cmpd="sng" w="9525">
+                      <a:solidFill>
+                        <a:schemeClr val="dk1"/>
+                      </a:solidFill>
+                      <a:prstDash val="solid"/>
+                      <a:round/>
+                      <a:headEnd len="sm" w="sm" type="none"/>
+                      <a:tailEnd len="sm" w="sm" type="none"/>
+                    </a:lnR>
+                    <a:lnT cap="flat" cmpd="sng" w="9525">
+                      <a:solidFill>
+                        <a:schemeClr val="dk1"/>
+                      </a:solidFill>
+                      <a:prstDash val="solid"/>
+                      <a:round/>
+                      <a:headEnd len="sm" w="sm" type="none"/>
+                      <a:tailEnd len="sm" w="sm" type="none"/>
+                    </a:lnT>
+                    <a:lnB cap="flat" cmpd="sng" w="9525">
+                      <a:solidFill>
+                        <a:schemeClr val="dk1"/>
+                      </a:solidFill>
+                      <a:prstDash val="solid"/>
+                      <a:round/>
+                      <a:headEnd len="sm" w="sm" type="none"/>
+                      <a:tailEnd len="sm" w="sm" type="none"/>
+                    </a:lnB>
+                  </a:tcPr>
+                </a:tc>
+                <a:tc>
+                  <a:txBody>
+                    <a:bodyPr/>
+                    <a:lstStyle/>
+                    <a:p>
+                      <a:pPr indent="0" lvl="0" marL="0" rtl="0" algn="ctr">
+                        <a:spcBef>
+                          <a:spcPts val="0"/>
+                        </a:spcBef>
+                        <a:spcAft>
+                          <a:spcPts val="0"/>
+                        </a:spcAft>
+                        <a:buNone/>
+                      </a:pPr>
+                      <a:r>
+                        <a:rPr lang="en" sz="1300">
+                          <a:solidFill>
+                            <a:schemeClr val="dk2"/>
+                          </a:solidFill>
+                        </a:rPr>
+                        <a:t>93.5</a:t>
+                      </a:r>
+                      <a:endParaRPr sz="1300">
+                        <a:solidFill>
+                          <a:schemeClr val="dk2"/>
+                        </a:solidFill>
+                      </a:endParaRPr>
+                    </a:p>
+                  </a:txBody>
+                  <a:tcPr marT="91425" marB="91425" marR="91425" marL="91425">
+                    <a:lnL cap="flat" cmpd="sng" w="9525">
+                      <a:solidFill>
+                        <a:schemeClr val="dk1"/>
+                      </a:solidFill>
+                      <a:prstDash val="solid"/>
+                      <a:round/>
+                      <a:headEnd len="sm" w="sm" type="none"/>
+                      <a:tailEnd len="sm" w="sm" type="none"/>
+                    </a:lnL>
+                    <a:lnR cap="flat" cmpd="sng" w="9525">
+                      <a:solidFill>
+                        <a:schemeClr val="dk1"/>
+                      </a:solidFill>
+                      <a:prstDash val="solid"/>
+                      <a:round/>
+                      <a:headEnd len="sm" w="sm" type="none"/>
+                      <a:tailEnd len="sm" w="sm" type="none"/>
+                    </a:lnR>
+                    <a:lnT cap="flat" cmpd="sng" w="9525">
+                      <a:solidFill>
+                        <a:schemeClr val="dk1"/>
+                      </a:solidFill>
+                      <a:prstDash val="solid"/>
+                      <a:round/>
+                      <a:headEnd len="sm" w="sm" type="none"/>
+                      <a:tailEnd len="sm" w="sm" type="none"/>
+                    </a:lnT>
+                    <a:lnB cap="flat" cmpd="sng" w="9525">
+                      <a:solidFill>
+                        <a:schemeClr val="dk1"/>
+                      </a:solidFill>
+                      <a:prstDash val="solid"/>
+                      <a:round/>
+                      <a:headEnd len="sm" w="sm" type="none"/>
+                      <a:tailEnd len="sm" w="sm" type="none"/>
+                    </a:lnB>
+                  </a:tcPr>
+                </a:tc>
+                <a:tc>
+                  <a:txBody>
+                    <a:bodyPr/>
+                    <a:lstStyle/>
+                    <a:p>
+                      <a:pPr indent="0" lvl="0" marL="0" rtl="0" algn="ctr">
+                        <a:spcBef>
+                          <a:spcPts val="0"/>
+                        </a:spcBef>
+                        <a:spcAft>
+                          <a:spcPts val="0"/>
+                        </a:spcAft>
+                        <a:buNone/>
+                      </a:pPr>
+                      <a:r>
+                        <a:rPr lang="en" sz="1300">
+                          <a:solidFill>
+                            <a:schemeClr val="dk2"/>
+                          </a:solidFill>
+                        </a:rPr>
+                        <a:t>26.7</a:t>
+                      </a:r>
+                      <a:endParaRPr sz="1300">
+                        <a:solidFill>
+                          <a:schemeClr val="dk2"/>
+                        </a:solidFill>
+                      </a:endParaRPr>
+                    </a:p>
+                  </a:txBody>
+                  <a:tcPr marT="91425" marB="91425" marR="91425" marL="91425">
+                    <a:lnL cap="flat" cmpd="sng" w="9525">
+                      <a:solidFill>
+                        <a:schemeClr val="dk1"/>
+                      </a:solidFill>
+                      <a:prstDash val="solid"/>
+                      <a:round/>
+                      <a:headEnd len="sm" w="sm" type="none"/>
+                      <a:tailEnd len="sm" w="sm" type="none"/>
+                    </a:lnL>
+                    <a:lnR cap="flat" cmpd="sng" w="9525">
+                      <a:solidFill>
+                        <a:schemeClr val="dk1"/>
+                      </a:solidFill>
+                      <a:prstDash val="solid"/>
+                      <a:round/>
+                      <a:headEnd len="sm" w="sm" type="none"/>
+                      <a:tailEnd len="sm" w="sm" type="none"/>
+                    </a:lnR>
+                    <a:lnT cap="flat" cmpd="sng" w="9525">
+                      <a:solidFill>
+                        <a:schemeClr val="dk1"/>
+                      </a:solidFill>
+                      <a:prstDash val="solid"/>
+                      <a:round/>
+                      <a:headEnd len="sm" w="sm" type="none"/>
+                      <a:tailEnd len="sm" w="sm" type="none"/>
+                    </a:lnT>
+                    <a:lnB cap="flat" cmpd="sng" w="9525">
+                      <a:solidFill>
+                        <a:schemeClr val="dk1"/>
+                      </a:solidFill>
+                      <a:prstDash val="solid"/>
+                      <a:round/>
+                      <a:headEnd len="sm" w="sm" type="none"/>
+                      <a:tailEnd len="sm" w="sm" type="none"/>
+                    </a:lnB>
+                  </a:tcPr>
+                </a:tc>
+              </a:tr>
+              <a:tr h="327000">
+                <a:tc>
+                  <a:txBody>
+                    <a:bodyPr/>
+                    <a:lstStyle/>
+                    <a:p>
+                      <a:pPr indent="0" lvl="0" marL="0" rtl="0" algn="r">
+                        <a:spcBef>
+                          <a:spcPts val="0"/>
+                        </a:spcBef>
+                        <a:spcAft>
+                          <a:spcPts val="0"/>
+                        </a:spcAft>
+                        <a:buNone/>
+                      </a:pPr>
+                      <a:r>
+                        <a:rPr b="1" lang="en" sz="1300">
+                          <a:solidFill>
+                            <a:schemeClr val="dk2"/>
+                          </a:solidFill>
+                        </a:rPr>
+                        <a:t>DNN</a:t>
+                      </a:r>
+                      <a:endParaRPr b="1" sz="1300">
+                        <a:solidFill>
+                          <a:schemeClr val="dk2"/>
+                        </a:solidFill>
+                      </a:endParaRPr>
+                    </a:p>
+                  </a:txBody>
+                  <a:tcPr marT="91425" marB="91425" marR="91425" marL="91425">
+                    <a:lnL cap="flat" cmpd="sng" w="9525">
+                      <a:solidFill>
+                        <a:schemeClr val="dk1"/>
+                      </a:solidFill>
+                      <a:prstDash val="solid"/>
+                      <a:round/>
+                      <a:headEnd len="sm" w="sm" type="none"/>
+                      <a:tailEnd len="sm" w="sm" type="none"/>
+                    </a:lnL>
+                    <a:lnR cap="flat" cmpd="sng" w="9525">
+                      <a:solidFill>
+                        <a:schemeClr val="dk1"/>
+                      </a:solidFill>
+                      <a:prstDash val="solid"/>
+                      <a:round/>
+                      <a:headEnd len="sm" w="sm" type="none"/>
+                      <a:tailEnd len="sm" w="sm" type="none"/>
+                    </a:lnR>
+                    <a:lnT cap="flat" cmpd="sng" w="9525">
+                      <a:solidFill>
+                        <a:schemeClr val="dk1"/>
+                      </a:solidFill>
+                      <a:prstDash val="solid"/>
+                      <a:round/>
+                      <a:headEnd len="sm" w="sm" type="none"/>
+                      <a:tailEnd len="sm" w="sm" type="none"/>
+                    </a:lnT>
+                    <a:lnB cap="flat" cmpd="sng" w="9525">
+                      <a:solidFill>
+                        <a:schemeClr val="dk1"/>
+                      </a:solidFill>
+                      <a:prstDash val="solid"/>
+                      <a:round/>
+                      <a:headEnd len="sm" w="sm" type="none"/>
+                      <a:tailEnd len="sm" w="sm" type="none"/>
+                    </a:lnB>
+                  </a:tcPr>
+                </a:tc>
+                <a:tc>
+                  <a:txBody>
+                    <a:bodyPr/>
+                    <a:lstStyle/>
+                    <a:p>
+                      <a:pPr indent="0" lvl="0" marL="0" rtl="0" algn="ctr">
+                        <a:spcBef>
+                          <a:spcPts val="0"/>
+                        </a:spcBef>
+                        <a:spcAft>
+                          <a:spcPts val="0"/>
+                        </a:spcAft>
+                        <a:buNone/>
+                      </a:pPr>
+                      <a:r>
+                        <a:rPr lang="en" sz="1300">
+                          <a:solidFill>
+                            <a:schemeClr val="dk2"/>
+                          </a:solidFill>
+                        </a:rPr>
+                        <a:t>47.1</a:t>
+                      </a:r>
+                      <a:endParaRPr sz="1300">
+                        <a:solidFill>
+                          <a:schemeClr val="dk2"/>
+                        </a:solidFill>
+                      </a:endParaRPr>
+                    </a:p>
+                  </a:txBody>
+                  <a:tcPr marT="91425" marB="91425" marR="91425" marL="91425">
+                    <a:lnL cap="flat" cmpd="sng" w="9525">
+                      <a:solidFill>
+                        <a:schemeClr val="dk1"/>
+                      </a:solidFill>
+                      <a:prstDash val="solid"/>
+                      <a:round/>
+                      <a:headEnd len="sm" w="sm" type="none"/>
+                      <a:tailEnd len="sm" w="sm" type="none"/>
+                    </a:lnL>
+                    <a:lnR cap="flat" cmpd="sng" w="9525">
+                      <a:solidFill>
+                        <a:schemeClr val="dk1"/>
+                      </a:solidFill>
+                      <a:prstDash val="solid"/>
+                      <a:round/>
+                      <a:headEnd len="sm" w="sm" type="none"/>
+                      <a:tailEnd len="sm" w="sm" type="none"/>
+                    </a:lnR>
+                    <a:lnT cap="flat" cmpd="sng" w="9525">
+                      <a:solidFill>
+                        <a:schemeClr val="dk1"/>
+                      </a:solidFill>
+                      <a:prstDash val="solid"/>
+                      <a:round/>
+                      <a:headEnd len="sm" w="sm" type="none"/>
+                      <a:tailEnd len="sm" w="sm" type="none"/>
+                    </a:lnT>
+                    <a:lnB cap="flat" cmpd="sng" w="9525">
+                      <a:solidFill>
+                        <a:schemeClr val="dk1"/>
+                      </a:solidFill>
+                      <a:prstDash val="solid"/>
+                      <a:round/>
+                      <a:headEnd len="sm" w="sm" type="none"/>
+                      <a:tailEnd len="sm" w="sm" type="none"/>
+                    </a:lnB>
+                  </a:tcPr>
+                </a:tc>
+                <a:tc>
+                  <a:txBody>
+                    <a:bodyPr/>
+                    <a:lstStyle/>
+                    <a:p>
+                      <a:pPr indent="0" lvl="0" marL="0" rtl="0" algn="ctr">
+                        <a:spcBef>
+                          <a:spcPts val="0"/>
+                        </a:spcBef>
+                        <a:spcAft>
+                          <a:spcPts val="0"/>
+                        </a:spcAft>
+                        <a:buNone/>
+                      </a:pPr>
+                      <a:r>
+                        <a:rPr lang="en" sz="1300">
+                          <a:solidFill>
+                            <a:schemeClr val="dk2"/>
+                          </a:solidFill>
+                        </a:rPr>
+                        <a:t>32.5</a:t>
+                      </a:r>
+                      <a:endParaRPr sz="1300">
+                        <a:solidFill>
+                          <a:schemeClr val="dk2"/>
+                        </a:solidFill>
+                      </a:endParaRPr>
+                    </a:p>
+                  </a:txBody>
+                  <a:tcPr marT="91425" marB="91425" marR="91425" marL="91425">
+                    <a:lnL cap="flat" cmpd="sng" w="9525">
+                      <a:solidFill>
+                        <a:schemeClr val="dk1"/>
+                      </a:solidFill>
+                      <a:prstDash val="solid"/>
+                      <a:round/>
+                      <a:headEnd len="sm" w="sm" type="none"/>
+                      <a:tailEnd len="sm" w="sm" type="none"/>
+                    </a:lnL>
+                    <a:lnR cap="flat" cmpd="sng" w="9525">
+                      <a:solidFill>
+                        <a:schemeClr val="dk1"/>
+                      </a:solidFill>
+                      <a:prstDash val="solid"/>
+                      <a:round/>
+                      <a:headEnd len="sm" w="sm" type="none"/>
+                      <a:tailEnd len="sm" w="sm" type="none"/>
+                    </a:lnR>
+                    <a:lnT cap="flat" cmpd="sng" w="9525">
+                      <a:solidFill>
+                        <a:schemeClr val="dk1"/>
+                      </a:solidFill>
+                      <a:prstDash val="solid"/>
+                      <a:round/>
+                      <a:headEnd len="sm" w="sm" type="none"/>
+                      <a:tailEnd len="sm" w="sm" type="none"/>
+                    </a:lnT>
+                    <a:lnB cap="flat" cmpd="sng" w="9525">
+                      <a:solidFill>
+                        <a:schemeClr val="dk1"/>
+                      </a:solidFill>
+                      <a:prstDash val="solid"/>
+                      <a:round/>
+                      <a:headEnd len="sm" w="sm" type="none"/>
+                      <a:tailEnd len="sm" w="sm" type="none"/>
+                    </a:lnB>
+                  </a:tcPr>
+                </a:tc>
+              </a:tr>
+              <a:tr h="473325">
+                <a:tc>
+                  <a:txBody>
+                    <a:bodyPr/>
+                    <a:lstStyle/>
+                    <a:p>
+                      <a:pPr indent="0" lvl="0" marL="0" rtl="0" algn="r">
+                        <a:spcBef>
+                          <a:spcPts val="0"/>
+                        </a:spcBef>
+                        <a:spcAft>
+                          <a:spcPts val="0"/>
+                        </a:spcAft>
+                        <a:buNone/>
+                      </a:pPr>
+                      <a:r>
+                        <a:rPr b="1" lang="en" sz="1300">
+                          <a:solidFill>
+                            <a:schemeClr val="dk2"/>
+                          </a:solidFill>
+                        </a:rPr>
+                        <a:t>SNN</a:t>
+                      </a:r>
+                      <a:endParaRPr b="1" sz="1300">
+                        <a:solidFill>
+                          <a:schemeClr val="dk2"/>
+                        </a:solidFill>
+                      </a:endParaRPr>
+                    </a:p>
+                  </a:txBody>
+                  <a:tcPr marT="91425" marB="91425" marR="91425" marL="91425">
+                    <a:lnL cap="flat" cmpd="sng" w="9525">
+                      <a:solidFill>
+                        <a:schemeClr val="dk1"/>
+                      </a:solidFill>
+                      <a:prstDash val="solid"/>
+                      <a:round/>
+                      <a:headEnd len="sm" w="sm" type="none"/>
+                      <a:tailEnd len="sm" w="sm" type="none"/>
+                    </a:lnL>
+                    <a:lnR cap="flat" cmpd="sng" w="9525">
+                      <a:solidFill>
+                        <a:schemeClr val="dk1"/>
+                      </a:solidFill>
+                      <a:prstDash val="solid"/>
+                      <a:round/>
+                      <a:headEnd len="sm" w="sm" type="none"/>
+                      <a:tailEnd len="sm" w="sm" type="none"/>
+                    </a:lnR>
+                    <a:lnT cap="flat" cmpd="sng" w="9525">
+                      <a:solidFill>
+                        <a:schemeClr val="dk1"/>
+                      </a:solidFill>
+                      <a:prstDash val="solid"/>
+                      <a:round/>
+                      <a:headEnd len="sm" w="sm" type="none"/>
+                      <a:tailEnd len="sm" w="sm" type="none"/>
+                    </a:lnT>
+                    <a:lnB cap="flat" cmpd="sng" w="9525">
+                      <a:solidFill>
+                        <a:schemeClr val="dk1"/>
+                      </a:solidFill>
+                      <a:prstDash val="solid"/>
+                      <a:round/>
+                      <a:headEnd len="sm" w="sm" type="none"/>
+                      <a:tailEnd len="sm" w="sm" type="none"/>
+                    </a:lnB>
+                  </a:tcPr>
+                </a:tc>
+                <a:tc>
+                  <a:txBody>
+                    <a:bodyPr/>
+                    <a:lstStyle/>
+                    <a:p>
+                      <a:pPr indent="0" lvl="0" marL="0" rtl="0" algn="ctr">
+                        <a:spcBef>
+                          <a:spcPts val="0"/>
+                        </a:spcBef>
+                        <a:spcAft>
+                          <a:spcPts val="0"/>
+                        </a:spcAft>
+                        <a:buNone/>
+                      </a:pPr>
+                      <a:r>
+                        <a:rPr lang="en" sz="1300">
+                          <a:solidFill>
+                            <a:schemeClr val="dk2"/>
+                          </a:solidFill>
+                        </a:rPr>
+                        <a:t>35.1</a:t>
+                      </a:r>
+                      <a:endParaRPr sz="1300">
+                        <a:solidFill>
+                          <a:schemeClr val="dk2"/>
+                        </a:solidFill>
+                      </a:endParaRPr>
+                    </a:p>
+                  </a:txBody>
+                  <a:tcPr marT="91425" marB="91425" marR="91425" marL="91425">
+                    <a:lnL cap="flat" cmpd="sng" w="9525">
+                      <a:solidFill>
+                        <a:schemeClr val="dk1"/>
+                      </a:solidFill>
+                      <a:prstDash val="solid"/>
+                      <a:round/>
+                      <a:headEnd len="sm" w="sm" type="none"/>
+                      <a:tailEnd len="sm" w="sm" type="none"/>
+                    </a:lnL>
+                    <a:lnR cap="flat" cmpd="sng" w="9525">
+                      <a:solidFill>
+                        <a:schemeClr val="dk1"/>
+                      </a:solidFill>
+                      <a:prstDash val="solid"/>
+                      <a:round/>
+                      <a:headEnd len="sm" w="sm" type="none"/>
+                      <a:tailEnd len="sm" w="sm" type="none"/>
+                    </a:lnR>
+                    <a:lnT cap="flat" cmpd="sng" w="9525">
+                      <a:solidFill>
+                        <a:schemeClr val="dk1"/>
+                      </a:solidFill>
+                      <a:prstDash val="solid"/>
+                      <a:round/>
+                      <a:headEnd len="sm" w="sm" type="none"/>
+                      <a:tailEnd len="sm" w="sm" type="none"/>
+                    </a:lnT>
+                    <a:lnB cap="flat" cmpd="sng" w="9525">
+                      <a:solidFill>
+                        <a:schemeClr val="dk1"/>
+                      </a:solidFill>
+                      <a:prstDash val="solid"/>
+                      <a:round/>
+                      <a:headEnd len="sm" w="sm" type="none"/>
+                      <a:tailEnd len="sm" w="sm" type="none"/>
+                    </a:lnB>
+                  </a:tcPr>
+                </a:tc>
+                <a:tc>
+                  <a:txBody>
+                    <a:bodyPr/>
+                    <a:lstStyle/>
+                    <a:p>
+                      <a:pPr indent="0" lvl="0" marL="0" rtl="0" algn="ctr">
+                        <a:spcBef>
+                          <a:spcPts val="0"/>
+                        </a:spcBef>
+                        <a:spcAft>
+                          <a:spcPts val="0"/>
+                        </a:spcAft>
+                        <a:buNone/>
+                      </a:pPr>
+                      <a:r>
+                        <a:rPr lang="en" sz="1300">
+                          <a:solidFill>
+                            <a:schemeClr val="dk2"/>
+                          </a:solidFill>
+                        </a:rPr>
+                        <a:t>29.3</a:t>
+                      </a:r>
+                      <a:endParaRPr sz="1300">
+                        <a:solidFill>
+                          <a:schemeClr val="dk2"/>
+                        </a:solidFill>
+                      </a:endParaRPr>
+                    </a:p>
+                  </a:txBody>
+                  <a:tcPr marT="91425" marB="91425" marR="91425" marL="91425">
+                    <a:lnL cap="flat" cmpd="sng" w="9525">
+                      <a:solidFill>
+                        <a:schemeClr val="dk1"/>
+                      </a:solidFill>
+                      <a:prstDash val="solid"/>
+                      <a:round/>
+                      <a:headEnd len="sm" w="sm" type="none"/>
+                      <a:tailEnd len="sm" w="sm" type="none"/>
+                    </a:lnL>
+                    <a:lnR cap="flat" cmpd="sng" w="9525">
+                      <a:solidFill>
+                        <a:schemeClr val="dk1"/>
+                      </a:solidFill>
+                      <a:prstDash val="solid"/>
+                      <a:round/>
+                      <a:headEnd len="sm" w="sm" type="none"/>
+                      <a:tailEnd len="sm" w="sm" type="none"/>
+                    </a:lnR>
+                    <a:lnT cap="flat" cmpd="sng" w="9525">
+                      <a:solidFill>
+                        <a:schemeClr val="dk1"/>
+                      </a:solidFill>
+                      <a:prstDash val="solid"/>
+                      <a:round/>
+                      <a:headEnd len="sm" w="sm" type="none"/>
+                      <a:tailEnd len="sm" w="sm" type="none"/>
+                    </a:lnT>
+                    <a:lnB cap="flat" cmpd="sng" w="9525">
+                      <a:solidFill>
+                        <a:schemeClr val="dk1"/>
+                      </a:solidFill>
+                      <a:prstDash val="solid"/>
+                      <a:round/>
+                      <a:headEnd len="sm" w="sm" type="none"/>
+                      <a:tailEnd len="sm" w="sm" type="none"/>
+                    </a:lnB>
+                  </a:tcPr>
+                </a:tc>
+              </a:tr>
+            </a:tbl>
+          </a:graphicData>
+        </a:graphic>
+      </p:graphicFrame>
       <p:sp>
         <p:nvSpPr>
-          <p:cNvPr id="131" name="Google Shape;131;p15"/>
-          <p:cNvSpPr txBox="1"/>
+          <p:cNvPr id="141" name="Google Shape;141;p16"/>
+          <p:cNvSpPr/>
           <p:nvPr/>
         </p:nvSpPr>
         <p:spPr>
-          <a:xfrm>
-            <a:off x="3308500" y="2861125"/>
-            <a:ext cx="1988400" cy="1622400"/>
+          <a:xfrm flipH="1" rot="10800000">
+            <a:off x="6981200" y="937200"/>
+            <a:ext cx="403500" cy="2441100"/>
           </a:xfrm>
-          <a:prstGeom prst="rect">
-            <a:avLst/>
+          <a:prstGeom prst="bentArrow">
+            <a:avLst>
+              <a:gd fmla="val 11454" name="adj1"/>
+              <a:gd fmla="val 12786" name="adj2"/>
+              <a:gd fmla="val 17510" name="adj3"/>
+              <a:gd fmla="val 43750" name="adj4"/>
+            </a:avLst>
           </a:prstGeom>
-          <a:noFill/>
-          <a:ln>
-            <a:noFill/>
+          <a:solidFill>
+            <a:schemeClr val="lt1"/>
+          </a:solidFill>
+          <a:ln cap="flat" cmpd="sng" w="9525">
+            <a:solidFill>
+              <a:schemeClr val="dk2"/>
+            </a:solidFill>
+            <a:prstDash val="solid"/>
+            <a:round/>
+            <a:headEnd len="sm" w="sm" type="none"/>
+            <a:tailEnd len="sm" w="sm" type="none"/>
           </a:ln>
         </p:spPr>
         <p:txBody>
-          <a:bodyPr anchorCtr="0" anchor="t" bIns="91425" lIns="91425" spcFirstLastPara="1" rIns="91425" wrap="square" tIns="91425">
-            <a:normAutofit/>
+          <a:bodyPr anchorCtr="0" anchor="ctr" bIns="91425" lIns="91425" spcFirstLastPara="1" rIns="91425" wrap="square" tIns="91425">
+            <a:noAutofit/>
           </a:bodyPr>
           <a:lstStyle/>
           <a:p>
-            <a:pPr indent="0" lvl="0" marL="0" rtl="0" algn="l">
+            <a:pPr indent="0" lvl="0" marL="0" rtl="0" algn="ctr">
               <a:spcBef>
                 <a:spcPts val="0"/>
               </a:spcBef>
@@ -10812,29 +15246,56 @@
               <a:buNone/>
             </a:pPr>
             <a:r>
-              <a:rPr lang="en" sz="1800">
-                <a:solidFill>
-                  <a:schemeClr val="dk2"/>
-                </a:solidFill>
-                <a:latin typeface="Inter Medium"/>
-                <a:ea typeface="Inter Medium"/>
-                <a:cs typeface="Inter Medium"/>
-                <a:sym typeface="Inter Medium"/>
-              </a:rPr>
-              <a:t>Combined  accuracies </a:t>
+              <a:t/>
             </a:r>
-            <a:endParaRPr sz="1800">
-              <a:solidFill>
-                <a:schemeClr val="dk2"/>
-              </a:solidFill>
+            <a:endParaRPr>
               <a:latin typeface="Inter Medium"/>
               <a:ea typeface="Inter Medium"/>
               <a:cs typeface="Inter Medium"/>
               <a:sym typeface="Inter Medium"/>
             </a:endParaRPr>
           </a:p>
+        </p:txBody>
+      </p:sp>
+      <p:sp>
+        <p:nvSpPr>
+          <p:cNvPr id="142" name="Google Shape;142;p16"/>
+          <p:cNvSpPr/>
+          <p:nvPr/>
+        </p:nvSpPr>
+        <p:spPr>
+          <a:xfrm rot="10800000">
+            <a:off x="6470500" y="937188"/>
+            <a:ext cx="403500" cy="2441100"/>
+          </a:xfrm>
+          <a:prstGeom prst="bentArrow">
+            <a:avLst>
+              <a:gd fmla="val 11454" name="adj1"/>
+              <a:gd fmla="val 12786" name="adj2"/>
+              <a:gd fmla="val 17510" name="adj3"/>
+              <a:gd fmla="val 43750" name="adj4"/>
+            </a:avLst>
+          </a:prstGeom>
+          <a:solidFill>
+            <a:schemeClr val="lt1"/>
+          </a:solidFill>
+          <a:ln cap="flat" cmpd="sng" w="9525">
+            <a:solidFill>
+              <a:schemeClr val="dk2"/>
+            </a:solidFill>
+            <a:prstDash val="solid"/>
+            <a:round/>
+            <a:headEnd len="sm" w="sm" type="none"/>
+            <a:tailEnd len="sm" w="sm" type="none"/>
+          </a:ln>
+        </p:spPr>
+        <p:txBody>
+          <a:bodyPr anchorCtr="0" anchor="ctr" bIns="91425" lIns="91425" spcFirstLastPara="1" rIns="91425" wrap="square" tIns="91425">
+            <a:noAutofit/>
+          </a:bodyPr>
+          <a:lstStyle/>
           <a:p>
-            <a:pPr indent="0" lvl="0" marL="0" rtl="0" algn="l">
+            <a:pPr indent="0" lvl="0" marL="0" rtl="0" algn="ctr">
               <a:spcBef>
                 <a:spcPts val="0"/>
               </a:spcBef>
@@ -10844,37 +15305,111 @@
               <a:buNone/>
             </a:pPr>
             <a:r>
-              <a:rPr lang="en" sz="1800">
-                <a:solidFill>
-                  <a:schemeClr val="dk2"/>
-                </a:solidFill>
-                <a:latin typeface="Inter Medium"/>
-                <a:ea typeface="Inter Medium"/>
-                <a:cs typeface="Inter Medium"/>
-                <a:sym typeface="Inter Medium"/>
-              </a:rPr>
-              <a:t>&lt; 40% on Extra Trees and DNN </a:t>
+              <a:t/>
             </a:r>
-            <a:r>
-              <a:rPr lang="en" sz="1800">
-                <a:solidFill>
-                  <a:schemeClr val="dk2"/>
-                </a:solidFill>
-                <a:latin typeface="Inter Medium"/>
-                <a:ea typeface="Inter Medium"/>
-                <a:cs typeface="Inter Medium"/>
-                <a:sym typeface="Inter Medium"/>
-              </a:rPr>
-              <a:t>Classifiers</a:t>
-            </a:r>
-            <a:endParaRPr sz="1800">
-              <a:solidFill>
-                <a:schemeClr val="dk2"/>
-              </a:solidFill>
+            <a:endParaRPr>
               <a:latin typeface="Inter Medium"/>
               <a:ea typeface="Inter Medium"/>
               <a:cs typeface="Inter Medium"/>
               <a:sym typeface="Inter Medium"/>
+            </a:endParaRPr>
+          </a:p>
+        </p:txBody>
+      </p:sp>
+      <p:sp>
+        <p:nvSpPr>
+          <p:cNvPr id="143" name="Google Shape;143;p16"/>
+          <p:cNvSpPr txBox="1"/>
+          <p:nvPr>
+            <p:ph type="title"/>
+          </p:nvPr>
+        </p:nvSpPr>
+        <p:spPr>
+          <a:xfrm>
+            <a:off x="5333200" y="473113"/>
+            <a:ext cx="957300" cy="451800"/>
+          </a:xfrm>
+          <a:prstGeom prst="rect">
+            <a:avLst/>
+          </a:prstGeom>
+        </p:spPr>
+        <p:txBody>
+          <a:bodyPr anchorCtr="0" anchor="b" bIns="91425" lIns="91425" spcFirstLastPara="1" rIns="91425" wrap="square" tIns="91425">
+            <a:noAutofit/>
+          </a:bodyPr>
+          <a:lstStyle/>
+          <a:p>
+            <a:pPr indent="0" lvl="0" marL="0" rtl="0" algn="ctr">
+              <a:spcBef>
+                <a:spcPts val="0"/>
+              </a:spcBef>
+              <a:spcAft>
+                <a:spcPts val="0"/>
+              </a:spcAft>
+              <a:buSzPts val="990"/>
+              <a:buNone/>
+            </a:pPr>
+            <a:r>
+              <a:rPr lang="en" sz="1629">
+                <a:solidFill>
+                  <a:schemeClr val="dk2"/>
+                </a:solidFill>
+              </a:rPr>
+              <a:t>Deep</a:t>
+            </a:r>
+            <a:endParaRPr sz="1629">
+              <a:solidFill>
+                <a:schemeClr val="dk2"/>
+              </a:solidFill>
+            </a:endParaRPr>
+          </a:p>
+        </p:txBody>
+      </p:sp>
+      <p:sp>
+        <p:nvSpPr>
+          <p:cNvPr id="144" name="Google Shape;144;p16"/>
+          <p:cNvSpPr txBox="1"/>
+          <p:nvPr>
+            <p:ph type="title"/>
+          </p:nvPr>
+        </p:nvSpPr>
+        <p:spPr>
+          <a:xfrm>
+            <a:off x="6399650" y="3219750"/>
+            <a:ext cx="1021500" cy="451800"/>
+          </a:xfrm>
+          <a:prstGeom prst="rect">
+            <a:avLst/>
+          </a:prstGeom>
+        </p:spPr>
+        <p:txBody>
+          <a:bodyPr anchorCtr="0" anchor="b" bIns="91425" lIns="91425" spcFirstLastPara="1" rIns="91425" wrap="square" tIns="91425">
+            <a:noAutofit/>
+          </a:bodyPr>
+          <a:lstStyle/>
+          <a:p>
+            <a:pPr indent="0" lvl="0" marL="0" rtl="0" algn="ctr">
+              <a:spcBef>
+                <a:spcPts val="0"/>
+              </a:spcBef>
+              <a:spcAft>
+                <a:spcPts val="0"/>
+              </a:spcAft>
+              <a:buSzPts val="990"/>
+              <a:buNone/>
+            </a:pPr>
+            <a:r>
+              <a:rPr lang="en" sz="1629">
+                <a:solidFill>
+                  <a:schemeClr val="dk2"/>
+                </a:solidFill>
+              </a:rPr>
+              <a:t>Shallow</a:t>
+            </a:r>
+            <a:endParaRPr sz="1629">
+              <a:solidFill>
+                <a:schemeClr val="dk2"/>
+              </a:solidFill>
             </a:endParaRPr>
           </a:p>
         </p:txBody>
@@ -10887,12 +15422,12 @@
 </p:sld>
 </file>
 
-<file path=ppt/slides/slide6.xml><?xml version="1.0" encoding="utf-8"?>
+<file path=ppt/slides/slide7.xml><?xml version="1.0" encoding="utf-8"?>
 <p:sld xmlns:a="http://schemas.openxmlformats.org/drawingml/2006/main" xmlns:r="http://schemas.openxmlformats.org/officeDocument/2006/relationships" xmlns:mc="http://schemas.openxmlformats.org/markup-compatibility/2006" xmlns:mv="urn:schemas-microsoft-com:mac:vml" xmlns:p="http://schemas.openxmlformats.org/presentationml/2006/main" xmlns:c="http://schemas.openxmlformats.org/drawingml/2006/chart" xmlns:dgm="http://schemas.openxmlformats.org/drawingml/2006/diagram" xmlns:o="urn:schemas-microsoft-com:office:office" xmlns:v="urn:schemas-microsoft-com:vml" xmlns:pvml="urn:schemas-microsoft-com:office:powerpoint" xmlns:com="http://schemas.openxmlformats.org/drawingml/2006/compatibility" xmlns:p14="http://schemas.microsoft.com/office/powerpoint/2010/main" xmlns:p15="http://schemas.microsoft.com/office/powerpoint/2012/main" xmlns:ahyp="http://schemas.microsoft.com/office/drawing/2018/hyperlinkcolor">
   <p:cSld>
     <p:spTree>
       <p:nvGrpSpPr>
-        <p:cNvPr id="135" name="Shape 135"/>
+        <p:cNvPr id="148" name="Shape 148"/>
         <p:cNvGrpSpPr/>
         <p:nvPr/>
       </p:nvGrpSpPr>
@@ -10906,7 +15441,7 @@
       </p:grpSpPr>
       <p:sp>
         <p:nvSpPr>
-          <p:cNvPr id="136" name="Google Shape;136;p16"/>
+          <p:cNvPr id="149" name="Google Shape;149;p17"/>
           <p:cNvSpPr txBox="1"/>
           <p:nvPr>
             <p:ph type="title"/>
@@ -10946,7 +15481,7 @@
       </p:sp>
       <p:sp>
         <p:nvSpPr>
-          <p:cNvPr id="137" name="Google Shape;137;p16"/>
+          <p:cNvPr id="150" name="Google Shape;150;p17"/>
           <p:cNvSpPr txBox="1"/>
           <p:nvPr>
             <p:ph idx="12" type="sldNum"/>
@@ -10994,7 +15529,7 @@
       </p:sp>
       <p:graphicFrame>
         <p:nvGraphicFramePr>
-          <p:cNvPr id="138" name="Google Shape;138;p16"/>
+          <p:cNvPr id="151" name="Google Shape;151;p17"/>
           <p:cNvGraphicFramePr/>
           <p:nvPr/>
         </p:nvGraphicFramePr>
@@ -11007,7 +15542,7 @@
             <a:tbl>
               <a:tblPr>
                 <a:noFill/>
-                <a:tableStyleId>{BBC70403-66FB-4148-8333-00184DF5A00B}</a:tableStyleId>
+                <a:tableStyleId>{F9421131-FA69-421E-910E-79E259B94192}</a:tableStyleId>
               </a:tblPr>
               <a:tblGrid>
                 <a:gridCol w="1918500"/>
@@ -11433,7 +15968,7 @@
       </p:graphicFrame>
       <p:pic>
         <p:nvPicPr>
-          <p:cNvPr id="139" name="Google Shape;139;p16"/>
+          <p:cNvPr id="152" name="Google Shape;152;p17"/>
           <p:cNvPicPr preferRelativeResize="0"/>
           <p:nvPr/>
         </p:nvPicPr>
@@ -11467,12 +16002,12 @@
 </p:sld>
 </file>
 
-<file path=ppt/slides/slide7.xml><?xml version="1.0" encoding="utf-8"?>
+<file path=ppt/slides/slide8.xml><?xml version="1.0" encoding="utf-8"?>
 <p:sld xmlns:a="http://schemas.openxmlformats.org/drawingml/2006/main" xmlns:r="http://schemas.openxmlformats.org/officeDocument/2006/relationships" xmlns:mc="http://schemas.openxmlformats.org/markup-compatibility/2006" xmlns:mv="urn:schemas-microsoft-com:mac:vml" xmlns:p="http://schemas.openxmlformats.org/presentationml/2006/main" xmlns:c="http://schemas.openxmlformats.org/drawingml/2006/chart" xmlns:dgm="http://schemas.openxmlformats.org/drawingml/2006/diagram" xmlns:o="urn:schemas-microsoft-com:office:office" xmlns:v="urn:schemas-microsoft-com:vml" xmlns:pvml="urn:schemas-microsoft-com:office:powerpoint" xmlns:com="http://schemas.openxmlformats.org/drawingml/2006/compatibility" xmlns:p14="http://schemas.microsoft.com/office/powerpoint/2010/main" xmlns:p15="http://schemas.microsoft.com/office/powerpoint/2012/main" xmlns:ahyp="http://schemas.microsoft.com/office/drawing/2018/hyperlinkcolor">
   <p:cSld>
     <p:spTree>
       <p:nvGrpSpPr>
-        <p:cNvPr id="143" name="Shape 143"/>
+        <p:cNvPr id="156" name="Shape 156"/>
         <p:cNvGrpSpPr/>
         <p:nvPr/>
       </p:nvGrpSpPr>
@@ -11486,7 +16021,7 @@
       </p:grpSpPr>
       <p:sp>
         <p:nvSpPr>
-          <p:cNvPr id="144" name="Google Shape;144;p17"/>
+          <p:cNvPr id="157" name="Google Shape;157;p18"/>
           <p:cNvSpPr txBox="1"/>
           <p:nvPr>
             <p:ph type="title"/>
@@ -11526,7 +16061,7 @@
       </p:sp>
       <p:sp>
         <p:nvSpPr>
-          <p:cNvPr id="145" name="Google Shape;145;p17"/>
+          <p:cNvPr id="158" name="Google Shape;158;p18"/>
           <p:cNvSpPr txBox="1"/>
           <p:nvPr>
             <p:ph idx="12" type="sldNum"/>
@@ -11566,7 +16101,7 @@
       </p:sp>
       <p:pic>
         <p:nvPicPr>
-          <p:cNvPr id="146" name="Google Shape;146;p17"/>
+          <p:cNvPr id="159" name="Google Shape;159;p18"/>
           <p:cNvPicPr preferRelativeResize="0"/>
           <p:nvPr/>
         </p:nvPicPr>
@@ -11594,7 +16129,7 @@
       </p:pic>
       <p:pic>
         <p:nvPicPr>
-          <p:cNvPr id="147" name="Google Shape;147;p17"/>
+          <p:cNvPr id="160" name="Google Shape;160;p18"/>
           <p:cNvPicPr preferRelativeResize="0"/>
           <p:nvPr/>
         </p:nvPicPr>
@@ -11628,12 +16163,12 @@
 </p:sld>
 </file>
 
-<file path=ppt/slides/slide8.xml><?xml version="1.0" encoding="utf-8"?>
+<file path=ppt/slides/slide9.xml><?xml version="1.0" encoding="utf-8"?>
 <p:sld xmlns:a="http://schemas.openxmlformats.org/drawingml/2006/main" xmlns:r="http://schemas.openxmlformats.org/officeDocument/2006/relationships" xmlns:mc="http://schemas.openxmlformats.org/markup-compatibility/2006" xmlns:mv="urn:schemas-microsoft-com:mac:vml" xmlns:p="http://schemas.openxmlformats.org/presentationml/2006/main" xmlns:c="http://schemas.openxmlformats.org/drawingml/2006/chart" xmlns:dgm="http://schemas.openxmlformats.org/drawingml/2006/diagram" xmlns:o="urn:schemas-microsoft-com:office:office" xmlns:v="urn:schemas-microsoft-com:vml" xmlns:pvml="urn:schemas-microsoft-com:office:powerpoint" xmlns:com="http://schemas.openxmlformats.org/drawingml/2006/compatibility" xmlns:p14="http://schemas.microsoft.com/office/powerpoint/2010/main" xmlns:p15="http://schemas.microsoft.com/office/powerpoint/2012/main" xmlns:ahyp="http://schemas.microsoft.com/office/drawing/2018/hyperlinkcolor">
   <p:cSld>
     <p:spTree>
       <p:nvGrpSpPr>
-        <p:cNvPr id="151" name="Shape 151"/>
+        <p:cNvPr id="164" name="Shape 164"/>
         <p:cNvGrpSpPr/>
         <p:nvPr/>
       </p:nvGrpSpPr>
@@ -11647,7 +16182,7 @@
       </p:grpSpPr>
       <p:sp>
         <p:nvSpPr>
-          <p:cNvPr id="152" name="Google Shape;152;p18"/>
+          <p:cNvPr id="165" name="Google Shape;165;p19"/>
           <p:cNvSpPr txBox="1"/>
           <p:nvPr>
             <p:ph idx="1" type="body"/>
@@ -11661,14 +16196,8 @@
           <a:prstGeom prst="rect">
             <a:avLst/>
           </a:prstGeom>
-          <a:ln cap="flat" cmpd="sng" w="28575">
-            <a:solidFill>
-              <a:schemeClr val="dk1"/>
-            </a:solidFill>
-            <a:prstDash val="solid"/>
-            <a:round/>
-            <a:headEnd len="sm" w="sm" type="none"/>
-            <a:tailEnd len="sm" w="sm" type="none"/>
+          <a:ln>
+            <a:noFill/>
           </a:ln>
         </p:spPr>
         <p:txBody>
@@ -11687,10 +16216,10 @@
               <a:buNone/>
             </a:pPr>
             <a:r>
-              <a:rPr lang="en" sz="2000"/>
+              <a:rPr lang="en" sz="2150"/>
               <a:t>Multi-class Multi-label Problem</a:t>
             </a:r>
-            <a:endParaRPr sz="2000"/>
+            <a:endParaRPr sz="2150"/>
           </a:p>
           <a:p>
             <a:pPr indent="-346075" lvl="0" marL="457200" rtl="0" algn="l">
@@ -11785,7 +16314,7 @@
       </p:sp>
       <p:sp>
         <p:nvSpPr>
-          <p:cNvPr id="153" name="Google Shape;153;p18"/>
+          <p:cNvPr id="166" name="Google Shape;166;p19"/>
           <p:cNvSpPr txBox="1"/>
           <p:nvPr>
             <p:ph type="title"/>
@@ -11828,7 +16357,7 @@
       </p:sp>
       <p:sp>
         <p:nvSpPr>
-          <p:cNvPr id="154" name="Google Shape;154;p18"/>
+          <p:cNvPr id="167" name="Google Shape;167;p19"/>
           <p:cNvSpPr txBox="1"/>
           <p:nvPr>
             <p:ph idx="2" type="body"/>
@@ -11836,20 +16365,14 @@
         </p:nvSpPr>
         <p:spPr>
           <a:xfrm>
-            <a:off x="4701700" y="1486575"/>
+            <a:off x="4701550" y="1486325"/>
             <a:ext cx="4020300" cy="3118500"/>
           </a:xfrm>
           <a:prstGeom prst="rect">
             <a:avLst/>
           </a:prstGeom>
-          <a:ln cap="flat" cmpd="sng" w="28575">
-            <a:solidFill>
-              <a:schemeClr val="dk1"/>
-            </a:solidFill>
-            <a:prstDash val="solid"/>
-            <a:round/>
-            <a:headEnd len="sm" w="sm" type="none"/>
-            <a:tailEnd len="sm" w="sm" type="none"/>
+          <a:ln>
+            <a:noFill/>
           </a:ln>
         </p:spPr>
         <p:txBody>
@@ -11928,7 +16451,7 @@
       </p:sp>
       <p:sp>
         <p:nvSpPr>
-          <p:cNvPr id="155" name="Google Shape;155;p18"/>
+          <p:cNvPr id="168" name="Google Shape;168;p19"/>
           <p:cNvSpPr txBox="1"/>
           <p:nvPr>
             <p:ph idx="12" type="sldNum"/>
@@ -11966,389 +16489,58 @@
           </a:p>
         </p:txBody>
       </p:sp>
-    </p:spTree>
-  </p:cSld>
-  <p:clrMapOvr>
-    <a:masterClrMapping/>
-  </p:clrMapOvr>
-</p:sld>
-</file>
-
-<file path=ppt/slides/slide9.xml><?xml version="1.0" encoding="utf-8"?>
-<p:sld xmlns:a="http://schemas.openxmlformats.org/drawingml/2006/main" xmlns:r="http://schemas.openxmlformats.org/officeDocument/2006/relationships" xmlns:mc="http://schemas.openxmlformats.org/markup-compatibility/2006" xmlns:mv="urn:schemas-microsoft-com:mac:vml" xmlns:p="http://schemas.openxmlformats.org/presentationml/2006/main" xmlns:c="http://schemas.openxmlformats.org/drawingml/2006/chart" xmlns:dgm="http://schemas.openxmlformats.org/drawingml/2006/diagram" xmlns:o="urn:schemas-microsoft-com:office:office" xmlns:v="urn:schemas-microsoft-com:vml" xmlns:pvml="urn:schemas-microsoft-com:office:powerpoint" xmlns:com="http://schemas.openxmlformats.org/drawingml/2006/compatibility" xmlns:p14="http://schemas.microsoft.com/office/powerpoint/2010/main" xmlns:p15="http://schemas.microsoft.com/office/powerpoint/2012/main" xmlns:ahyp="http://schemas.microsoft.com/office/drawing/2018/hyperlinkcolor">
-  <p:cSld>
-    <p:spTree>
-      <p:nvGrpSpPr>
-        <p:cNvPr id="159" name="Shape 159"/>
-        <p:cNvGrpSpPr/>
-        <p:nvPr/>
-      </p:nvGrpSpPr>
-      <p:grpSpPr>
-        <a:xfrm>
-          <a:off x="0" y="0"/>
-          <a:ext cx="0" cy="0"/>
-          <a:chOff x="0" y="0"/>
-          <a:chExt cx="0" cy="0"/>
-        </a:xfrm>
-      </p:grpSpPr>
-      <p:sp>
-        <p:nvSpPr>
-          <p:cNvPr id="160" name="Google Shape;160;p19"/>
-          <p:cNvSpPr txBox="1"/>
-          <p:nvPr>
-            <p:ph type="title"/>
-          </p:nvPr>
-        </p:nvSpPr>
+      <p:cxnSp>
+        <p:nvCxnSpPr>
+          <p:cNvPr id="169" name="Google Shape;169;p19"/>
+          <p:cNvCxnSpPr/>
+          <p:nvPr/>
+        </p:nvCxnSpPr>
         <p:spPr>
           <a:xfrm>
-            <a:off x="447251" y="575950"/>
-            <a:ext cx="8274600" cy="635400"/>
+            <a:off x="550025" y="1931700"/>
+            <a:ext cx="3745500" cy="0"/>
           </a:xfrm>
-          <a:prstGeom prst="rect">
-            <a:avLst/>
-          </a:prstGeom>
-        </p:spPr>
-        <p:txBody>
-          <a:bodyPr anchorCtr="0" anchor="t" bIns="91425" lIns="91425" spcFirstLastPara="1" rIns="91425" wrap="square" tIns="91425">
-            <a:normAutofit fontScale="90000"/>
-          </a:bodyPr>
-          <a:lstStyle/>
-          <a:p>
-            <a:pPr indent="0" lvl="0" marL="0" rtl="0" algn="l">
-              <a:spcBef>
-                <a:spcPts val="0"/>
-              </a:spcBef>
-              <a:spcAft>
-                <a:spcPts val="0"/>
-              </a:spcAft>
-              <a:buNone/>
-            </a:pPr>
-            <a:r>
-              <a:rPr lang="en"/>
-              <a:t>Next Steps: </a:t>
-            </a:r>
-            <a:r>
-              <a:rPr lang="en"/>
-              <a:t>Develop an Explainable model</a:t>
-            </a:r>
-            <a:endParaRPr/>
-          </a:p>
-          <a:p>
-            <a:pPr indent="0" lvl="0" marL="0" rtl="0" algn="l">
-              <a:spcBef>
-                <a:spcPts val="0"/>
-              </a:spcBef>
-              <a:spcAft>
-                <a:spcPts val="0"/>
-              </a:spcAft>
-              <a:buNone/>
-            </a:pPr>
-            <a:r>
-              <a:t/>
-            </a:r>
-            <a:endParaRPr/>
-          </a:p>
-        </p:txBody>
-      </p:sp>
-      <p:sp>
-        <p:nvSpPr>
-          <p:cNvPr id="161" name="Google Shape;161;p19"/>
-          <p:cNvSpPr txBox="1"/>
-          <p:nvPr>
-            <p:ph idx="12" type="sldNum"/>
-          </p:nvPr>
-        </p:nvSpPr>
-        <p:spPr>
-          <a:xfrm>
-            <a:off x="8497999" y="4688759"/>
-            <a:ext cx="548700" cy="393600"/>
-          </a:xfrm>
-          <a:prstGeom prst="rect">
-            <a:avLst/>
-          </a:prstGeom>
-        </p:spPr>
-        <p:txBody>
-          <a:bodyPr anchorCtr="0" anchor="ctr" bIns="91425" lIns="91425" spcFirstLastPara="1" rIns="91425" wrap="square" tIns="91425">
-            <a:normAutofit/>
-          </a:bodyPr>
-          <a:lstStyle/>
-          <a:p>
-            <a:pPr indent="0" lvl="0" marL="0" rtl="0" algn="r">
-              <a:spcBef>
-                <a:spcPts val="0"/>
-              </a:spcBef>
-              <a:spcAft>
-                <a:spcPts val="0"/>
-              </a:spcAft>
-              <a:buNone/>
-            </a:pPr>
-            <a:fld id="{00000000-1234-1234-1234-123412341234}" type="slidenum">
-              <a:rPr lang="en"/>
-              <a:t>‹#›</a:t>
-            </a:fld>
-            <a:endParaRPr/>
-          </a:p>
-        </p:txBody>
-      </p:sp>
-      <p:sp>
-        <p:nvSpPr>
-          <p:cNvPr id="162" name="Google Shape;162;p19"/>
-          <p:cNvSpPr txBox="1"/>
-          <p:nvPr>
-            <p:ph idx="1" type="body"/>
-          </p:nvPr>
-        </p:nvSpPr>
-        <p:spPr>
-          <a:xfrm>
-            <a:off x="447325" y="1651925"/>
-            <a:ext cx="3082200" cy="3083700"/>
-          </a:xfrm>
-          <a:prstGeom prst="rect">
-            <a:avLst/>
-          </a:prstGeom>
-        </p:spPr>
-        <p:txBody>
-          <a:bodyPr anchorCtr="0" anchor="t" bIns="91425" lIns="91425" spcFirstLastPara="1" rIns="91425" wrap="square" tIns="91425">
-            <a:normAutofit fontScale="92500" lnSpcReduction="20000"/>
-          </a:bodyPr>
-          <a:lstStyle/>
-          <a:p>
-            <a:pPr indent="0" lvl="0" marL="0" rtl="0" algn="l">
-              <a:spcBef>
-                <a:spcPts val="0"/>
-              </a:spcBef>
-              <a:spcAft>
-                <a:spcPts val="0"/>
-              </a:spcAft>
-              <a:buNone/>
-            </a:pPr>
-            <a:r>
-              <a:t/>
-            </a:r>
-            <a:endParaRPr sz="100"/>
-          </a:p>
-          <a:p>
-            <a:pPr indent="-310832" lvl="0" marL="457200" rtl="0" algn="l">
-              <a:spcBef>
-                <a:spcPts val="1200"/>
-              </a:spcBef>
-              <a:spcAft>
-                <a:spcPts val="0"/>
-              </a:spcAft>
-              <a:buSzPct val="100000"/>
-              <a:buChar char="●"/>
-            </a:pPr>
-            <a:r>
-              <a:rPr lang="en"/>
-              <a:t>Inverse transformations may help</a:t>
-            </a:r>
-            <a:br>
-              <a:rPr lang="en"/>
-            </a:br>
-            <a:endParaRPr/>
-          </a:p>
-          <a:p>
-            <a:pPr indent="-310832" lvl="0" marL="457200" rtl="0" algn="l">
-              <a:spcBef>
-                <a:spcPts val="0"/>
-              </a:spcBef>
-              <a:spcAft>
-                <a:spcPts val="0"/>
-              </a:spcAft>
-              <a:buSzPct val="100000"/>
-              <a:buChar char="●"/>
-            </a:pPr>
-            <a:r>
-              <a:rPr lang="en"/>
-              <a:t>7 PCA features were the bulk of information, 10 alloying elements were used initially</a:t>
-            </a:r>
-            <a:br>
-              <a:rPr lang="en"/>
-            </a:br>
-            <a:endParaRPr/>
-          </a:p>
-          <a:p>
-            <a:pPr indent="-310832" lvl="0" marL="457200" rtl="0" algn="l">
-              <a:spcBef>
-                <a:spcPts val="0"/>
-              </a:spcBef>
-              <a:spcAft>
-                <a:spcPts val="0"/>
-              </a:spcAft>
-              <a:buSzPct val="100000"/>
-              <a:buChar char="●"/>
-            </a:pPr>
-            <a:r>
-              <a:rPr lang="en"/>
-              <a:t>A domain expert could tell us which elements are most active in affecting hardness. </a:t>
-            </a:r>
-            <a:endParaRPr/>
-          </a:p>
-          <a:p>
-            <a:pPr indent="0" lvl="0" marL="457200" rtl="0" algn="l">
-              <a:spcBef>
-                <a:spcPts val="1200"/>
-              </a:spcBef>
-              <a:spcAft>
-                <a:spcPts val="1200"/>
-              </a:spcAft>
-              <a:buNone/>
-            </a:pPr>
-            <a:r>
-              <a:rPr lang="en"/>
-              <a:t>Does the model quantize this, or correlate to known simulations? </a:t>
-            </a:r>
-            <a:endParaRPr/>
-          </a:p>
-        </p:txBody>
-      </p:sp>
-      <p:pic>
-        <p:nvPicPr>
-          <p:cNvPr id="163" name="Google Shape;163;p19"/>
-          <p:cNvPicPr preferRelativeResize="0"/>
-          <p:nvPr/>
-        </p:nvPicPr>
-        <p:blipFill>
-          <a:blip r:embed="rId3">
-            <a:alphaModFix/>
-          </a:blip>
-          <a:stretch>
-            <a:fillRect/>
-          </a:stretch>
-        </p:blipFill>
-        <p:spPr>
-          <a:xfrm>
-            <a:off x="3529425" y="1651927"/>
-            <a:ext cx="5192424" cy="2596225"/>
-          </a:xfrm>
-          <a:prstGeom prst="rect">
+          <a:prstGeom prst="straightConnector1">
             <a:avLst/>
           </a:prstGeom>
           <a:noFill/>
-          <a:ln>
-            <a:noFill/>
+          <a:ln cap="flat" cmpd="sng" w="19050">
+            <a:solidFill>
+              <a:schemeClr val="dk1"/>
+            </a:solidFill>
+            <a:prstDash val="solid"/>
+            <a:round/>
+            <a:headEnd len="med" w="med" type="none"/>
+            <a:tailEnd len="med" w="med" type="none"/>
           </a:ln>
         </p:spPr>
-      </p:pic>
-      <p:sp>
-        <p:nvSpPr>
-          <p:cNvPr id="164" name="Google Shape;164;p19"/>
-          <p:cNvSpPr txBox="1"/>
+      </p:cxnSp>
+      <p:cxnSp>
+        <p:nvCxnSpPr>
+          <p:cNvPr id="170" name="Google Shape;170;p19"/>
+          <p:cNvCxnSpPr/>
           <p:nvPr/>
-        </p:nvSpPr>
+        </p:nvCxnSpPr>
         <p:spPr>
           <a:xfrm>
-            <a:off x="548125" y="1320925"/>
-            <a:ext cx="8173800" cy="589800"/>
+            <a:off x="4811700" y="1931700"/>
+            <a:ext cx="2403300" cy="0"/>
           </a:xfrm>
-          <a:prstGeom prst="rect">
+          <a:prstGeom prst="straightConnector1">
             <a:avLst/>
           </a:prstGeom>
           <a:noFill/>
-          <a:ln>
-            <a:noFill/>
+          <a:ln cap="flat" cmpd="sng" w="19050">
+            <a:solidFill>
+              <a:schemeClr val="dk1"/>
+            </a:solidFill>
+            <a:prstDash val="solid"/>
+            <a:round/>
+            <a:headEnd len="med" w="med" type="none"/>
+            <a:tailEnd len="med" w="med" type="none"/>
           </a:ln>
         </p:spPr>
-        <p:txBody>
-          <a:bodyPr anchorCtr="0" anchor="t" bIns="91425" lIns="91425" spcFirstLastPara="1" rIns="91425" wrap="square" tIns="91425">
-            <a:noAutofit/>
-          </a:bodyPr>
-          <a:lstStyle/>
-          <a:p>
-            <a:pPr indent="0" lvl="0" marL="0" rtl="0" algn="l">
-              <a:lnSpc>
-                <a:spcPct val="115000"/>
-              </a:lnSpc>
-              <a:spcBef>
-                <a:spcPts val="0"/>
-              </a:spcBef>
-              <a:spcAft>
-                <a:spcPts val="1200"/>
-              </a:spcAft>
-              <a:buNone/>
-            </a:pPr>
-            <a:r>
-              <a:rPr lang="en" sz="1700">
-                <a:solidFill>
-                  <a:schemeClr val="dk2"/>
-                </a:solidFill>
-                <a:latin typeface="Inter Medium"/>
-                <a:ea typeface="Inter Medium"/>
-                <a:cs typeface="Inter Medium"/>
-                <a:sym typeface="Inter Medium"/>
-              </a:rPr>
-              <a:t>PCA confounds the explainability of the regression model</a:t>
-            </a:r>
-            <a:endParaRPr sz="2100">
-              <a:solidFill>
-                <a:schemeClr val="dk2"/>
-              </a:solidFill>
-              <a:latin typeface="Inter Medium"/>
-              <a:ea typeface="Inter Medium"/>
-              <a:cs typeface="Inter Medium"/>
-              <a:sym typeface="Inter Medium"/>
-            </a:endParaRPr>
-          </a:p>
-        </p:txBody>
-      </p:sp>
-      <p:sp>
-        <p:nvSpPr>
-          <p:cNvPr id="165" name="Google Shape;165;p19"/>
-          <p:cNvSpPr txBox="1"/>
-          <p:nvPr/>
-        </p:nvSpPr>
-        <p:spPr>
-          <a:xfrm>
-            <a:off x="3531450" y="4259300"/>
-            <a:ext cx="5192400" cy="467400"/>
-          </a:xfrm>
-          <a:prstGeom prst="rect">
-            <a:avLst/>
-          </a:prstGeom>
-          <a:noFill/>
-          <a:ln>
-            <a:noFill/>
-          </a:ln>
-        </p:spPr>
-        <p:txBody>
-          <a:bodyPr anchorCtr="0" anchor="t" bIns="91425" lIns="91425" spcFirstLastPara="1" rIns="91425" wrap="square" tIns="91425">
-            <a:normAutofit fontScale="85000"/>
-          </a:bodyPr>
-          <a:lstStyle/>
-          <a:p>
-            <a:pPr indent="0" lvl="0" marL="0" rtl="0" algn="l">
-              <a:spcBef>
-                <a:spcPts val="0"/>
-              </a:spcBef>
-              <a:spcAft>
-                <a:spcPts val="0"/>
-              </a:spcAft>
-              <a:buNone/>
-            </a:pPr>
-            <a:r>
-              <a:rPr lang="en" sz="1800">
-                <a:solidFill>
-                  <a:schemeClr val="dk2"/>
-                </a:solidFill>
-                <a:latin typeface="Inter Medium"/>
-                <a:ea typeface="Inter Medium"/>
-                <a:cs typeface="Inter Medium"/>
-                <a:sym typeface="Inter Medium"/>
-              </a:rPr>
-              <a:t>Alloying elements: C, Mn, Ni, Mo, Cr, V, Cu, Si, S, P</a:t>
-            </a:r>
-            <a:endParaRPr sz="1800">
-              <a:solidFill>
-                <a:schemeClr val="dk2"/>
-              </a:solidFill>
-              <a:latin typeface="Inter Medium"/>
-              <a:ea typeface="Inter Medium"/>
-              <a:cs typeface="Inter Medium"/>
-              <a:sym typeface="Inter Medium"/>
-            </a:endParaRPr>
-          </a:p>
-        </p:txBody>
-      </p:sp>
+      </p:cxnSp>
     </p:spTree>
   </p:cSld>
   <p:clrMapOvr>

--- a/Mild-Steel-Tempering-Presentation.pptx
+++ b/Mild-Steel-Tempering-Presentation.pptx
@@ -21,30 +21,31 @@
     <p:sldId id="266" r:id="rId17"/>
     <p:sldId id="267" r:id="rId18"/>
     <p:sldId id="268" r:id="rId19"/>
+    <p:sldId id="269" r:id="rId20"/>
   </p:sldIdLst>
   <p:sldSz cy="5143500" cx="9144000"/>
   <p:notesSz cx="6858000" cy="9144000"/>
   <p:embeddedFontLst>
     <p:embeddedFont>
       <p:font typeface="Raleway"/>
-      <p:regular r:id="rId20"/>
-      <p:bold r:id="rId21"/>
-      <p:italic r:id="rId22"/>
-      <p:boldItalic r:id="rId23"/>
+      <p:regular r:id="rId21"/>
+      <p:bold r:id="rId22"/>
+      <p:italic r:id="rId23"/>
+      <p:boldItalic r:id="rId24"/>
     </p:embeddedFont>
     <p:embeddedFont>
       <p:font typeface="Lato"/>
-      <p:regular r:id="rId24"/>
-      <p:bold r:id="rId25"/>
-      <p:italic r:id="rId26"/>
-      <p:boldItalic r:id="rId27"/>
+      <p:regular r:id="rId25"/>
+      <p:bold r:id="rId26"/>
+      <p:italic r:id="rId27"/>
+      <p:boldItalic r:id="rId28"/>
     </p:embeddedFont>
     <p:embeddedFont>
       <p:font typeface="Inter Medium"/>
-      <p:regular r:id="rId28"/>
-      <p:bold r:id="rId29"/>
-      <p:italic r:id="rId30"/>
-      <p:boldItalic r:id="rId31"/>
+      <p:regular r:id="rId29"/>
+      <p:bold r:id="rId30"/>
+      <p:italic r:id="rId31"/>
+      <p:boldItalic r:id="rId32"/>
     </p:embeddedFont>
   </p:embeddedFontLst>
   <p:defaultTextStyle>
@@ -1172,6 +1173,105 @@
       <p:sp>
         <p:nvSpPr>
           <p:cNvPr id="199" name="Google Shape;199;g2fa9adea0ec_0_23:notes"/>
+          <p:cNvSpPr txBox="1"/>
+          <p:nvPr>
+            <p:ph idx="1" type="body"/>
+          </p:nvPr>
+        </p:nvSpPr>
+        <p:spPr>
+          <a:xfrm>
+            <a:off x="685800" y="4343400"/>
+            <a:ext cx="5486400" cy="4114800"/>
+          </a:xfrm>
+          <a:prstGeom prst="rect">
+            <a:avLst/>
+          </a:prstGeom>
+        </p:spPr>
+        <p:txBody>
+          <a:bodyPr anchorCtr="0" anchor="t" bIns="91425" lIns="91425" spcFirstLastPara="1" rIns="91425" wrap="square" tIns="91425">
+            <a:noAutofit/>
+          </a:bodyPr>
+          <a:lstStyle/>
+          <a:p>
+            <a:pPr indent="0" lvl="0" marL="0" rtl="0" algn="l">
+              <a:spcBef>
+                <a:spcPts val="0"/>
+              </a:spcBef>
+              <a:spcAft>
+                <a:spcPts val="0"/>
+              </a:spcAft>
+              <a:buNone/>
+            </a:pPr>
+            <a:r>
+              <a:t/>
+            </a:r>
+            <a:endParaRPr/>
+          </a:p>
+        </p:txBody>
+      </p:sp>
+    </p:spTree>
+  </p:cSld>
+  <p:clrMapOvr>
+    <a:masterClrMapping/>
+  </p:clrMapOvr>
+</p:notes>
+</file>
+
+<file path=ppt/notesSlides/notesSlide14.xml><?xml version="1.0" encoding="utf-8"?>
+<p:notes xmlns:a="http://schemas.openxmlformats.org/drawingml/2006/main" xmlns:r="http://schemas.openxmlformats.org/officeDocument/2006/relationships" xmlns:mc="http://schemas.openxmlformats.org/markup-compatibility/2006" xmlns:mv="urn:schemas-microsoft-com:mac:vml" xmlns:p="http://schemas.openxmlformats.org/presentationml/2006/main" xmlns:c="http://schemas.openxmlformats.org/drawingml/2006/chart" xmlns:dgm="http://schemas.openxmlformats.org/drawingml/2006/diagram" xmlns:o="urn:schemas-microsoft-com:office:office" xmlns:v="urn:schemas-microsoft-com:vml" xmlns:pvml="urn:schemas-microsoft-com:office:powerpoint" xmlns:com="http://schemas.openxmlformats.org/drawingml/2006/compatibility" xmlns:p14="http://schemas.microsoft.com/office/powerpoint/2010/main" xmlns:p15="http://schemas.microsoft.com/office/powerpoint/2012/main" xmlns:ahyp="http://schemas.microsoft.com/office/drawing/2018/hyperlinkcolor" showMasterPhAnim="0" showMasterSp="0">
+  <p:cSld>
+    <p:spTree>
+      <p:nvGrpSpPr>
+        <p:cNvPr id="204" name="Shape 204"/>
+        <p:cNvGrpSpPr/>
+        <p:nvPr/>
+      </p:nvGrpSpPr>
+      <p:grpSpPr>
+        <a:xfrm>
+          <a:off x="0" y="0"/>
+          <a:ext cx="0" cy="0"/>
+          <a:chOff x="0" y="0"/>
+          <a:chExt cx="0" cy="0"/>
+        </a:xfrm>
+      </p:grpSpPr>
+      <p:sp>
+        <p:nvSpPr>
+          <p:cNvPr id="205" name="Google Shape;205;g30bec08d250_0_0:notes"/>
+          <p:cNvSpPr/>
+          <p:nvPr>
+            <p:ph idx="2" type="sldImg"/>
+          </p:nvPr>
+        </p:nvSpPr>
+        <p:spPr>
+          <a:xfrm>
+            <a:off x="381300" y="685800"/>
+            <a:ext cx="6096000" cy="3429000"/>
+          </a:xfrm>
+          <a:custGeom>
+            <a:rect b="b" l="l" r="r" t="t"/>
+            <a:pathLst>
+              <a:path extrusionOk="0" h="120000" w="120000">
+                <a:moveTo>
+                  <a:pt x="0" y="0"/>
+                </a:moveTo>
+                <a:lnTo>
+                  <a:pt x="120000" y="0"/>
+                </a:lnTo>
+                <a:lnTo>
+                  <a:pt x="120000" y="120000"/>
+                </a:lnTo>
+                <a:lnTo>
+                  <a:pt x="0" y="120000"/>
+                </a:lnTo>
+                <a:close/>
+              </a:path>
+            </a:pathLst>
+          </a:custGeom>
+        </p:spPr>
+      </p:sp>
+      <p:sp>
+        <p:nvSpPr>
+          <p:cNvPr id="206" name="Google Shape;206;g30bec08d250_0_0:notes"/>
           <p:cNvSpPr txBox="1"/>
           <p:nvPr>
             <p:ph idx="1" type="body"/>
@@ -8950,7 +9050,7 @@
             <a:tbl>
               <a:tblPr>
                 <a:noFill/>
-                <a:tableStyleId>{F9421131-FA69-421E-910E-79E259B94192}</a:tableStyleId>
+                <a:tableStyleId>{105FFF86-6AC8-4FF5-9A14-21EB94A5FB16}</a:tableStyleId>
               </a:tblPr>
               <a:tblGrid>
                 <a:gridCol w="1537175"/>
@@ -11412,6 +11512,107 @@
           </a:p>
         </p:txBody>
       </p:sp>
+    </p:spTree>
+  </p:cSld>
+  <p:clrMapOvr>
+    <a:masterClrMapping/>
+  </p:clrMapOvr>
+</p:sld>
+</file>
+
+<file path=ppt/slides/slide14.xml><?xml version="1.0" encoding="utf-8"?>
+<p:sld xmlns:a="http://schemas.openxmlformats.org/drawingml/2006/main" xmlns:r="http://schemas.openxmlformats.org/officeDocument/2006/relationships" xmlns:mc="http://schemas.openxmlformats.org/markup-compatibility/2006" xmlns:mv="urn:schemas-microsoft-com:mac:vml" xmlns:p="http://schemas.openxmlformats.org/presentationml/2006/main" xmlns:c="http://schemas.openxmlformats.org/drawingml/2006/chart" xmlns:dgm="http://schemas.openxmlformats.org/drawingml/2006/diagram" xmlns:o="urn:schemas-microsoft-com:office:office" xmlns:v="urn:schemas-microsoft-com:vml" xmlns:pvml="urn:schemas-microsoft-com:office:powerpoint" xmlns:com="http://schemas.openxmlformats.org/drawingml/2006/compatibility" xmlns:p14="http://schemas.microsoft.com/office/powerpoint/2010/main" xmlns:p15="http://schemas.microsoft.com/office/powerpoint/2012/main" xmlns:ahyp="http://schemas.microsoft.com/office/drawing/2018/hyperlinkcolor">
+  <p:cSld>
+    <p:spTree>
+      <p:nvGrpSpPr>
+        <p:cNvPr id="207" name="Shape 207"/>
+        <p:cNvGrpSpPr/>
+        <p:nvPr/>
+      </p:nvGrpSpPr>
+      <p:grpSpPr>
+        <a:xfrm>
+          <a:off x="0" y="0"/>
+          <a:ext cx="0" cy="0"/>
+          <a:chOff x="0" y="0"/>
+          <a:chExt cx="0" cy="0"/>
+        </a:xfrm>
+      </p:grpSpPr>
+      <p:sp>
+        <p:nvSpPr>
+          <p:cNvPr id="208" name="Google Shape;208;p24"/>
+          <p:cNvSpPr txBox="1"/>
+          <p:nvPr>
+            <p:ph idx="12" type="sldNum"/>
+          </p:nvPr>
+        </p:nvSpPr>
+        <p:spPr>
+          <a:xfrm>
+            <a:off x="8497999" y="4688759"/>
+            <a:ext cx="548700" cy="393600"/>
+          </a:xfrm>
+          <a:prstGeom prst="rect">
+            <a:avLst/>
+          </a:prstGeom>
+        </p:spPr>
+        <p:txBody>
+          <a:bodyPr anchorCtr="0" anchor="ctr" bIns="91425" lIns="91425" spcFirstLastPara="1" rIns="91425" wrap="square" tIns="91425">
+            <a:normAutofit/>
+          </a:bodyPr>
+          <a:lstStyle/>
+          <a:p>
+            <a:pPr indent="0" lvl="0" marL="0" rtl="0" algn="r">
+              <a:spcBef>
+                <a:spcPts val="0"/>
+              </a:spcBef>
+              <a:spcAft>
+                <a:spcPts val="0"/>
+              </a:spcAft>
+              <a:buNone/>
+            </a:pPr>
+            <a:fld id="{00000000-1234-1234-1234-123412341234}" type="slidenum">
+              <a:rPr lang="en">
+                <a:solidFill>
+                  <a:schemeClr val="dk2"/>
+                </a:solidFill>
+              </a:rPr>
+              <a:t>‹#›</a:t>
+            </a:fld>
+            <a:endParaRPr>
+              <a:solidFill>
+                <a:schemeClr val="dk2"/>
+              </a:solidFill>
+            </a:endParaRPr>
+          </a:p>
+        </p:txBody>
+      </p:sp>
+      <p:pic>
+        <p:nvPicPr>
+          <p:cNvPr id="209" name="Google Shape;209;p24"/>
+          <p:cNvPicPr preferRelativeResize="0"/>
+          <p:nvPr/>
+        </p:nvPicPr>
+        <p:blipFill>
+          <a:blip r:embed="rId3">
+            <a:alphaModFix/>
+          </a:blip>
+          <a:stretch>
+            <a:fillRect/>
+          </a:stretch>
+        </p:blipFill>
+        <p:spPr>
+          <a:xfrm>
+            <a:off x="1787138" y="0"/>
+            <a:ext cx="5569712" cy="5143499"/>
+          </a:xfrm>
+          <a:prstGeom prst="rect">
+            <a:avLst/>
+          </a:prstGeom>
+          <a:noFill/>
+          <a:ln>
+            <a:noFill/>
+          </a:ln>
+        </p:spPr>
+      </p:pic>
     </p:spTree>
   </p:cSld>
   <p:clrMapOvr>
@@ -14176,7 +14377,7 @@
             <a:tbl>
               <a:tblPr>
                 <a:noFill/>
-                <a:tableStyleId>{F9421131-FA69-421E-910E-79E259B94192}</a:tableStyleId>
+                <a:tableStyleId>{105FFF86-6AC8-4FF5-9A14-21EB94A5FB16}</a:tableStyleId>
               </a:tblPr>
               <a:tblGrid>
                 <a:gridCol w="1779500"/>
@@ -15542,7 +15743,7 @@
             <a:tbl>
               <a:tblPr>
                 <a:noFill/>
-                <a:tableStyleId>{F9421131-FA69-421E-910E-79E259B94192}</a:tableStyleId>
+                <a:tableStyleId>{105FFF86-6AC8-4FF5-9A14-21EB94A5FB16}</a:tableStyleId>
               </a:tblPr>
               <a:tblGrid>
                 <a:gridCol w="1918500"/>
